--- a/Documentación/Protocolos/Carátulas equipos [Autoguardado].pptx
+++ b/Documentación/Protocolos/Carátulas equipos [Autoguardado].pptx
@@ -18,6 +18,7 @@
     <p:sldId id="264" r:id="rId12"/>
     <p:sldId id="262" r:id="rId13"/>
     <p:sldId id="265" r:id="rId14"/>
+    <p:sldId id="269" r:id="rId15"/>
   </p:sldIdLst>
   <p:sldSz cx="12192000" cy="6858000"/>
   <p:notesSz cx="7010400" cy="9296400"/>
@@ -10885,7 +10886,7 @@
           <a:p>
             <a:fld id="{95AF202D-7720-4F33-A7BB-C60F29491137}" type="datetimeFigureOut">
               <a:rPr lang="es-MX" smtClean="0"/>
-              <a:t>10/04/24</a:t>
+              <a:t>24/10/2024</a:t>
             </a:fld>
             <a:endParaRPr lang="es-MX"/>
           </a:p>
@@ -10939,7 +10940,7 @@
           <a:p>
             <a:fld id="{C2E5FF3C-936A-463C-8FD6-482040EC2D06}" type="slidenum">
               <a:rPr lang="es-MX" smtClean="0"/>
-              <a:t>‹Nº›</a:t>
+              <a:t>‹#›</a:t>
             </a:fld>
             <a:endParaRPr lang="es-MX"/>
           </a:p>
@@ -11085,7 +11086,7 @@
           <a:p>
             <a:fld id="{95AF202D-7720-4F33-A7BB-C60F29491137}" type="datetimeFigureOut">
               <a:rPr lang="es-MX" smtClean="0"/>
-              <a:t>10/04/24</a:t>
+              <a:t>24/10/2024</a:t>
             </a:fld>
             <a:endParaRPr lang="es-MX"/>
           </a:p>
@@ -11139,7 +11140,7 @@
           <a:p>
             <a:fld id="{C2E5FF3C-936A-463C-8FD6-482040EC2D06}" type="slidenum">
               <a:rPr lang="es-MX" smtClean="0"/>
-              <a:t>‹Nº›</a:t>
+              <a:t>‹#›</a:t>
             </a:fld>
             <a:endParaRPr lang="es-MX"/>
           </a:p>
@@ -11295,7 +11296,7 @@
           <a:p>
             <a:fld id="{95AF202D-7720-4F33-A7BB-C60F29491137}" type="datetimeFigureOut">
               <a:rPr lang="es-MX" smtClean="0"/>
-              <a:t>10/04/24</a:t>
+              <a:t>24/10/2024</a:t>
             </a:fld>
             <a:endParaRPr lang="es-MX"/>
           </a:p>
@@ -11349,7 +11350,7 @@
           <a:p>
             <a:fld id="{C2E5FF3C-936A-463C-8FD6-482040EC2D06}" type="slidenum">
               <a:rPr lang="es-MX" smtClean="0"/>
-              <a:t>‹Nº›</a:t>
+              <a:t>‹#›</a:t>
             </a:fld>
             <a:endParaRPr lang="es-MX"/>
           </a:p>
@@ -11495,7 +11496,7 @@
           <a:p>
             <a:fld id="{95AF202D-7720-4F33-A7BB-C60F29491137}" type="datetimeFigureOut">
               <a:rPr lang="es-MX" smtClean="0"/>
-              <a:t>10/04/24</a:t>
+              <a:t>24/10/2024</a:t>
             </a:fld>
             <a:endParaRPr lang="es-MX"/>
           </a:p>
@@ -11549,7 +11550,7 @@
           <a:p>
             <a:fld id="{C2E5FF3C-936A-463C-8FD6-482040EC2D06}" type="slidenum">
               <a:rPr lang="es-MX" smtClean="0"/>
-              <a:t>‹Nº›</a:t>
+              <a:t>‹#›</a:t>
             </a:fld>
             <a:endParaRPr lang="es-MX"/>
           </a:p>
@@ -11771,7 +11772,7 @@
           <a:p>
             <a:fld id="{95AF202D-7720-4F33-A7BB-C60F29491137}" type="datetimeFigureOut">
               <a:rPr lang="es-MX" smtClean="0"/>
-              <a:t>10/04/24</a:t>
+              <a:t>24/10/2024</a:t>
             </a:fld>
             <a:endParaRPr lang="es-MX"/>
           </a:p>
@@ -11825,7 +11826,7 @@
           <a:p>
             <a:fld id="{C2E5FF3C-936A-463C-8FD6-482040EC2D06}" type="slidenum">
               <a:rPr lang="es-MX" smtClean="0"/>
-              <a:t>‹Nº›</a:t>
+              <a:t>‹#›</a:t>
             </a:fld>
             <a:endParaRPr lang="es-MX"/>
           </a:p>
@@ -12039,7 +12040,7 @@
           <a:p>
             <a:fld id="{95AF202D-7720-4F33-A7BB-C60F29491137}" type="datetimeFigureOut">
               <a:rPr lang="es-MX" smtClean="0"/>
-              <a:t>10/04/24</a:t>
+              <a:t>24/10/2024</a:t>
             </a:fld>
             <a:endParaRPr lang="es-MX"/>
           </a:p>
@@ -12093,7 +12094,7 @@
           <a:p>
             <a:fld id="{C2E5FF3C-936A-463C-8FD6-482040EC2D06}" type="slidenum">
               <a:rPr lang="es-MX" smtClean="0"/>
-              <a:t>‹Nº›</a:t>
+              <a:t>‹#›</a:t>
             </a:fld>
             <a:endParaRPr lang="es-MX"/>
           </a:p>
@@ -12454,7 +12455,7 @@
           <a:p>
             <a:fld id="{95AF202D-7720-4F33-A7BB-C60F29491137}" type="datetimeFigureOut">
               <a:rPr lang="es-MX" smtClean="0"/>
-              <a:t>10/04/24</a:t>
+              <a:t>24/10/2024</a:t>
             </a:fld>
             <a:endParaRPr lang="es-MX"/>
           </a:p>
@@ -12508,7 +12509,7 @@
           <a:p>
             <a:fld id="{C2E5FF3C-936A-463C-8FD6-482040EC2D06}" type="slidenum">
               <a:rPr lang="es-MX" smtClean="0"/>
-              <a:t>‹Nº›</a:t>
+              <a:t>‹#›</a:t>
             </a:fld>
             <a:endParaRPr lang="es-MX"/>
           </a:p>
@@ -12596,7 +12597,7 @@
           <a:p>
             <a:fld id="{95AF202D-7720-4F33-A7BB-C60F29491137}" type="datetimeFigureOut">
               <a:rPr lang="es-MX" smtClean="0"/>
-              <a:t>10/04/24</a:t>
+              <a:t>24/10/2024</a:t>
             </a:fld>
             <a:endParaRPr lang="es-MX"/>
           </a:p>
@@ -12650,7 +12651,7 @@
           <a:p>
             <a:fld id="{C2E5FF3C-936A-463C-8FD6-482040EC2D06}" type="slidenum">
               <a:rPr lang="es-MX" smtClean="0"/>
-              <a:t>‹Nº›</a:t>
+              <a:t>‹#›</a:t>
             </a:fld>
             <a:endParaRPr lang="es-MX"/>
           </a:p>
@@ -12709,7 +12710,7 @@
           <a:p>
             <a:fld id="{95AF202D-7720-4F33-A7BB-C60F29491137}" type="datetimeFigureOut">
               <a:rPr lang="es-MX" smtClean="0"/>
-              <a:t>10/04/24</a:t>
+              <a:t>24/10/2024</a:t>
             </a:fld>
             <a:endParaRPr lang="es-MX"/>
           </a:p>
@@ -12763,7 +12764,7 @@
           <a:p>
             <a:fld id="{C2E5FF3C-936A-463C-8FD6-482040EC2D06}" type="slidenum">
               <a:rPr lang="es-MX" smtClean="0"/>
-              <a:t>‹Nº›</a:t>
+              <a:t>‹#›</a:t>
             </a:fld>
             <a:endParaRPr lang="es-MX"/>
           </a:p>
@@ -13022,7 +13023,7 @@
           <a:p>
             <a:fld id="{95AF202D-7720-4F33-A7BB-C60F29491137}" type="datetimeFigureOut">
               <a:rPr lang="es-MX" smtClean="0"/>
-              <a:t>10/04/24</a:t>
+              <a:t>24/10/2024</a:t>
             </a:fld>
             <a:endParaRPr lang="es-MX"/>
           </a:p>
@@ -13076,7 +13077,7 @@
           <a:p>
             <a:fld id="{C2E5FF3C-936A-463C-8FD6-482040EC2D06}" type="slidenum">
               <a:rPr lang="es-MX" smtClean="0"/>
-              <a:t>‹Nº›</a:t>
+              <a:t>‹#›</a:t>
             </a:fld>
             <a:endParaRPr lang="es-MX"/>
           </a:p>
@@ -13311,7 +13312,7 @@
           <a:p>
             <a:fld id="{95AF202D-7720-4F33-A7BB-C60F29491137}" type="datetimeFigureOut">
               <a:rPr lang="es-MX" smtClean="0"/>
-              <a:t>10/04/24</a:t>
+              <a:t>24/10/2024</a:t>
             </a:fld>
             <a:endParaRPr lang="es-MX"/>
           </a:p>
@@ -13365,7 +13366,7 @@
           <a:p>
             <a:fld id="{C2E5FF3C-936A-463C-8FD6-482040EC2D06}" type="slidenum">
               <a:rPr lang="es-MX" smtClean="0"/>
-              <a:t>‹Nº›</a:t>
+              <a:t>‹#›</a:t>
             </a:fld>
             <a:endParaRPr lang="es-MX"/>
           </a:p>
@@ -13554,7 +13555,7 @@
           <a:p>
             <a:fld id="{95AF202D-7720-4F33-A7BB-C60F29491137}" type="datetimeFigureOut">
               <a:rPr lang="es-MX" smtClean="0"/>
-              <a:t>10/04/24</a:t>
+              <a:t>24/10/2024</a:t>
             </a:fld>
             <a:endParaRPr lang="es-MX"/>
           </a:p>
@@ -13644,7 +13645,7 @@
           <a:p>
             <a:fld id="{C2E5FF3C-936A-463C-8FD6-482040EC2D06}" type="slidenum">
               <a:rPr lang="es-MX" smtClean="0"/>
-              <a:t>‹Nº›</a:t>
+              <a:t>‹#›</a:t>
             </a:fld>
             <a:endParaRPr lang="es-MX"/>
           </a:p>
@@ -26101,6 +26102,4780 @@
 </p:sld>
 </file>
 
+<file path=ppt/slides/slide14.xml><?xml version="1.0" encoding="utf-8"?>
+<p:sld xmlns:a="http://schemas.openxmlformats.org/drawingml/2006/main" xmlns:r="http://schemas.openxmlformats.org/officeDocument/2006/relationships" xmlns:p="http://schemas.openxmlformats.org/presentationml/2006/main">
+  <p:cSld>
+    <p:spTree>
+      <p:nvGrpSpPr>
+        <p:cNvPr id="1" name=""/>
+        <p:cNvGrpSpPr/>
+        <p:nvPr/>
+      </p:nvGrpSpPr>
+      <p:grpSpPr>
+        <a:xfrm>
+          <a:off x="0" y="0"/>
+          <a:ext cx="0" cy="0"/>
+          <a:chOff x="0" y="0"/>
+          <a:chExt cx="0" cy="0"/>
+        </a:xfrm>
+      </p:grpSpPr>
+      <p:pic>
+        <p:nvPicPr>
+          <p:cNvPr id="4" name="Marcador de posición de contenido 5">
+            <a:extLst>
+              <a:ext uri="{FF2B5EF4-FFF2-40B4-BE49-F238E27FC236}">
+                <a16:creationId xmlns:a16="http://schemas.microsoft.com/office/drawing/2014/main" id="{539EAF5D-B3F9-3ECF-1895-9B4A6842EB5E}"/>
+              </a:ext>
+            </a:extLst>
+          </p:cNvPr>
+          <p:cNvPicPr>
+            <a:picLocks noGrp="1" noChangeAspect="1"/>
+          </p:cNvPicPr>
+          <p:nvPr/>
+        </p:nvPicPr>
+        <p:blipFill>
+          <a:blip r:embed="rId2"/>
+          <a:stretch>
+            <a:fillRect/>
+          </a:stretch>
+        </p:blipFill>
+        <p:spPr>
+          <a:xfrm>
+            <a:off x="887932" y="2307990"/>
+            <a:ext cx="2777315" cy="654866"/>
+          </a:xfrm>
+          <a:prstGeom prst="rect">
+            <a:avLst/>
+          </a:prstGeom>
+          <a:effectLst/>
+        </p:spPr>
+      </p:pic>
+      <p:cxnSp>
+        <p:nvCxnSpPr>
+          <p:cNvPr id="5" name="Conector recto 6">
+            <a:extLst>
+              <a:ext uri="{FF2B5EF4-FFF2-40B4-BE49-F238E27FC236}">
+                <a16:creationId xmlns:a16="http://schemas.microsoft.com/office/drawing/2014/main" id="{8AA3C296-0E86-5216-5470-3C18AEF68C91}"/>
+              </a:ext>
+            </a:extLst>
+          </p:cNvPr>
+          <p:cNvCxnSpPr>
+            <a:cxnSpLocks/>
+          </p:cNvCxnSpPr>
+          <p:nvPr/>
+        </p:nvCxnSpPr>
+        <p:spPr>
+          <a:xfrm>
+            <a:off x="887932" y="2959336"/>
+            <a:ext cx="4995336" cy="0"/>
+          </a:xfrm>
+          <a:prstGeom prst="line">
+            <a:avLst/>
+          </a:prstGeom>
+          <a:effectLst>
+            <a:outerShdw blurRad="50800" dist="38100" dir="2700000" algn="tl" rotWithShape="0">
+              <a:prstClr val="black">
+                <a:alpha val="40000"/>
+              </a:prstClr>
+            </a:outerShdw>
+          </a:effectLst>
+        </p:spPr>
+        <p:style>
+          <a:lnRef idx="3">
+            <a:schemeClr val="dk1"/>
+          </a:lnRef>
+          <a:fillRef idx="0">
+            <a:schemeClr val="dk1"/>
+          </a:fillRef>
+          <a:effectRef idx="2">
+            <a:schemeClr val="dk1"/>
+          </a:effectRef>
+          <a:fontRef idx="minor">
+            <a:schemeClr val="tx1"/>
+          </a:fontRef>
+        </p:style>
+      </p:cxnSp>
+      <p:grpSp>
+        <p:nvGrpSpPr>
+          <p:cNvPr id="22" name="Group 21">
+            <a:extLst>
+              <a:ext uri="{FF2B5EF4-FFF2-40B4-BE49-F238E27FC236}">
+                <a16:creationId xmlns:a16="http://schemas.microsoft.com/office/drawing/2014/main" id="{97739578-CEEA-8A00-A644-2CA38DA38181}"/>
+              </a:ext>
+            </a:extLst>
+          </p:cNvPr>
+          <p:cNvGrpSpPr/>
+          <p:nvPr/>
+        </p:nvGrpSpPr>
+        <p:grpSpPr>
+          <a:xfrm>
+            <a:off x="899481" y="5852355"/>
+            <a:ext cx="5027981" cy="550264"/>
+            <a:chOff x="3571531" y="4587594"/>
+            <a:chExt cx="5027981" cy="550264"/>
+          </a:xfrm>
+        </p:grpSpPr>
+        <p:grpSp>
+          <p:nvGrpSpPr>
+            <p:cNvPr id="6" name="Grupo 43">
+              <a:extLst>
+                <a:ext uri="{FF2B5EF4-FFF2-40B4-BE49-F238E27FC236}">
+                  <a16:creationId xmlns:a16="http://schemas.microsoft.com/office/drawing/2014/main" id="{4C202565-1FAB-AA1E-5191-ED7E5BC0924B}"/>
+                </a:ext>
+              </a:extLst>
+            </p:cNvPr>
+            <p:cNvGrpSpPr/>
+            <p:nvPr/>
+          </p:nvGrpSpPr>
+          <p:grpSpPr>
+            <a:xfrm>
+              <a:off x="7935562" y="4587594"/>
+              <a:ext cx="663950" cy="550264"/>
+              <a:chOff x="7992055" y="4655844"/>
+              <a:chExt cx="663950" cy="550264"/>
+            </a:xfrm>
+          </p:grpSpPr>
+          <p:sp>
+            <p:nvSpPr>
+              <p:cNvPr id="7" name="Flecha: curvada hacia abajo 45">
+                <a:extLst>
+                  <a:ext uri="{FF2B5EF4-FFF2-40B4-BE49-F238E27FC236}">
+                    <a16:creationId xmlns:a16="http://schemas.microsoft.com/office/drawing/2014/main" id="{F3CAD0A3-F739-B600-CFC7-95952FB09A27}"/>
+                  </a:ext>
+                </a:extLst>
+              </p:cNvPr>
+              <p:cNvSpPr/>
+              <p:nvPr/>
+            </p:nvSpPr>
+            <p:spPr>
+              <a:xfrm rot="3187469">
+                <a:off x="8253074" y="4747701"/>
+                <a:ext cx="416560" cy="232845"/>
+              </a:xfrm>
+              <a:prstGeom prst="curvedDownArrow">
+                <a:avLst/>
+              </a:prstGeom>
+            </p:spPr>
+            <p:style>
+              <a:lnRef idx="2">
+                <a:schemeClr val="accent1">
+                  <a:shade val="50000"/>
+                </a:schemeClr>
+              </a:lnRef>
+              <a:fillRef idx="1">
+                <a:schemeClr val="accent1"/>
+              </a:fillRef>
+              <a:effectRef idx="0">
+                <a:schemeClr val="accent1"/>
+              </a:effectRef>
+              <a:fontRef idx="minor">
+                <a:schemeClr val="lt1"/>
+              </a:fontRef>
+            </p:style>
+            <p:txBody>
+              <a:bodyPr rtlCol="0" anchor="ctr"/>
+              <a:lstStyle/>
+              <a:p>
+                <a:pPr algn="ctr"/>
+                <a:endParaRPr lang="es-MX">
+                  <a:solidFill>
+                    <a:schemeClr val="tx1"/>
+                  </a:solidFill>
+                </a:endParaRPr>
+              </a:p>
+            </p:txBody>
+          </p:sp>
+          <p:sp>
+            <p:nvSpPr>
+              <p:cNvPr id="8" name="Flecha: curvada hacia abajo 46">
+                <a:extLst>
+                  <a:ext uri="{FF2B5EF4-FFF2-40B4-BE49-F238E27FC236}">
+                    <a16:creationId xmlns:a16="http://schemas.microsoft.com/office/drawing/2014/main" id="{FDD958AE-13BC-4AE5-7233-25DC5D72257C}"/>
+                  </a:ext>
+                </a:extLst>
+              </p:cNvPr>
+              <p:cNvSpPr/>
+              <p:nvPr/>
+            </p:nvSpPr>
+            <p:spPr>
+              <a:xfrm rot="14656350">
+                <a:off x="7965809" y="4881405"/>
+                <a:ext cx="416560" cy="232845"/>
+              </a:xfrm>
+              <a:prstGeom prst="curvedDownArrow">
+                <a:avLst/>
+              </a:prstGeom>
+            </p:spPr>
+            <p:style>
+              <a:lnRef idx="2">
+                <a:schemeClr val="accent1">
+                  <a:shade val="50000"/>
+                </a:schemeClr>
+              </a:lnRef>
+              <a:fillRef idx="1">
+                <a:schemeClr val="accent1"/>
+              </a:fillRef>
+              <a:effectRef idx="0">
+                <a:schemeClr val="accent1"/>
+              </a:effectRef>
+              <a:fontRef idx="minor">
+                <a:schemeClr val="lt1"/>
+              </a:fontRef>
+            </p:style>
+            <p:txBody>
+              <a:bodyPr rtlCol="0" anchor="ctr"/>
+              <a:lstStyle/>
+              <a:p>
+                <a:pPr algn="ctr"/>
+                <a:endParaRPr lang="es-MX">
+                  <a:solidFill>
+                    <a:schemeClr val="tx1"/>
+                  </a:solidFill>
+                </a:endParaRPr>
+              </a:p>
+            </p:txBody>
+          </p:sp>
+          <p:sp>
+            <p:nvSpPr>
+              <p:cNvPr id="9" name="Rectángulo 47">
+                <a:extLst>
+                  <a:ext uri="{FF2B5EF4-FFF2-40B4-BE49-F238E27FC236}">
+                    <a16:creationId xmlns:a16="http://schemas.microsoft.com/office/drawing/2014/main" id="{FE0BA9BA-E1AD-6BC6-C3AD-6E67870161CA}"/>
+                  </a:ext>
+                </a:extLst>
+              </p:cNvPr>
+              <p:cNvSpPr/>
+              <p:nvPr/>
+            </p:nvSpPr>
+            <p:spPr>
+              <a:xfrm rot="19990860">
+                <a:off x="8380258" y="5051594"/>
+                <a:ext cx="63302" cy="63302"/>
+              </a:xfrm>
+              <a:prstGeom prst="rect">
+                <a:avLst/>
+              </a:prstGeom>
+            </p:spPr>
+            <p:style>
+              <a:lnRef idx="2">
+                <a:schemeClr val="accent1">
+                  <a:shade val="50000"/>
+                </a:schemeClr>
+              </a:lnRef>
+              <a:fillRef idx="1">
+                <a:schemeClr val="accent1"/>
+              </a:fillRef>
+              <a:effectRef idx="0">
+                <a:schemeClr val="accent1"/>
+              </a:effectRef>
+              <a:fontRef idx="minor">
+                <a:schemeClr val="lt1"/>
+              </a:fontRef>
+            </p:style>
+            <p:txBody>
+              <a:bodyPr rtlCol="0" anchor="ctr"/>
+              <a:lstStyle/>
+              <a:p>
+                <a:pPr algn="ctr"/>
+                <a:endParaRPr lang="es-MX"/>
+              </a:p>
+            </p:txBody>
+          </p:sp>
+          <p:grpSp>
+            <p:nvGrpSpPr>
+              <p:cNvPr id="10" name="Grupo 48">
+                <a:extLst>
+                  <a:ext uri="{FF2B5EF4-FFF2-40B4-BE49-F238E27FC236}">
+                    <a16:creationId xmlns:a16="http://schemas.microsoft.com/office/drawing/2014/main" id="{1F0EC90B-430C-39DA-24FA-6B8732C1E65D}"/>
+                  </a:ext>
+                </a:extLst>
+              </p:cNvPr>
+              <p:cNvGrpSpPr/>
+              <p:nvPr/>
+            </p:nvGrpSpPr>
+            <p:grpSpPr>
+              <a:xfrm rot="19602821">
+                <a:off x="7992055" y="4756102"/>
+                <a:ext cx="663950" cy="344959"/>
+                <a:chOff x="10446969" y="5174945"/>
+                <a:chExt cx="663950" cy="344959"/>
+              </a:xfrm>
+            </p:grpSpPr>
+            <p:sp>
+              <p:nvSpPr>
+                <p:cNvPr id="11" name="CuadroTexto 49">
+                  <a:extLst>
+                    <a:ext uri="{FF2B5EF4-FFF2-40B4-BE49-F238E27FC236}">
+                      <a16:creationId xmlns:a16="http://schemas.microsoft.com/office/drawing/2014/main" id="{BEF83045-0A4E-5F4E-89AA-23CDF7DEC443}"/>
+                    </a:ext>
+                  </a:extLst>
+                </p:cNvPr>
+                <p:cNvSpPr txBox="1"/>
+                <p:nvPr/>
+              </p:nvSpPr>
+              <p:spPr>
+                <a:xfrm rot="21482985">
+                  <a:off x="10480118" y="5174945"/>
+                  <a:ext cx="469891" cy="253916"/>
+                </a:xfrm>
+                <a:prstGeom prst="rect">
+                  <a:avLst/>
+                </a:prstGeom>
+                <a:noFill/>
+              </p:spPr>
+              <p:txBody>
+                <a:bodyPr wrap="square" rtlCol="0">
+                  <a:spAutoFit/>
+                </a:bodyPr>
+                <a:lstStyle/>
+                <a:p>
+                  <a:pPr algn="ctr"/>
+                  <a:r>
+                    <a:rPr lang="es-MX" sz="1050" b="1" spc="100" dirty="0">
+                      <a:solidFill>
+                        <a:schemeClr val="tx1"/>
+                      </a:solidFill>
+                      <a:effectLst>
+                        <a:outerShdw blurRad="38100" dist="38100" dir="2700000" algn="tl">
+                          <a:srgbClr val="000000">
+                            <a:alpha val="43137"/>
+                          </a:srgbClr>
+                        </a:outerShdw>
+                      </a:effectLst>
+                      <a:latin typeface="Agency FB" panose="020B0503020202020204" pitchFamily="34" charset="0"/>
+                    </a:rPr>
+                    <a:t>Gaia</a:t>
+                  </a:r>
+                  <a:endParaRPr lang="es-MX" sz="900" b="1" spc="100" dirty="0">
+                    <a:solidFill>
+                      <a:schemeClr val="tx1"/>
+                    </a:solidFill>
+                    <a:effectLst>
+                      <a:outerShdw blurRad="38100" dist="38100" dir="2700000" algn="tl">
+                        <a:srgbClr val="000000">
+                          <a:alpha val="43137"/>
+                        </a:srgbClr>
+                      </a:outerShdw>
+                    </a:effectLst>
+                    <a:latin typeface="Agency FB" panose="020B0503020202020204" pitchFamily="34" charset="0"/>
+                  </a:endParaRPr>
+                </a:p>
+              </p:txBody>
+            </p:sp>
+            <p:sp>
+              <p:nvSpPr>
+                <p:cNvPr id="12" name="CuadroTexto 50">
+                  <a:extLst>
+                    <a:ext uri="{FF2B5EF4-FFF2-40B4-BE49-F238E27FC236}">
+                      <a16:creationId xmlns:a16="http://schemas.microsoft.com/office/drawing/2014/main" id="{259457AA-C35E-BD71-168C-AB89574FF040}"/>
+                    </a:ext>
+                  </a:extLst>
+                </p:cNvPr>
+                <p:cNvSpPr txBox="1"/>
+                <p:nvPr/>
+              </p:nvSpPr>
+              <p:spPr>
+                <a:xfrm rot="21518147">
+                  <a:off x="10446969" y="5273683"/>
+                  <a:ext cx="663950" cy="246221"/>
+                </a:xfrm>
+                <a:prstGeom prst="rect">
+                  <a:avLst/>
+                </a:prstGeom>
+                <a:noFill/>
+              </p:spPr>
+              <p:txBody>
+                <a:bodyPr wrap="square" rtlCol="0">
+                  <a:spAutoFit/>
+                </a:bodyPr>
+                <a:lstStyle/>
+                <a:p>
+                  <a:pPr algn="ctr"/>
+                  <a:r>
+                    <a:rPr lang="es-MX" sz="1000" spc="50" dirty="0" err="1">
+                      <a:solidFill>
+                        <a:schemeClr val="tx1"/>
+                      </a:solidFill>
+                      <a:effectLst>
+                        <a:outerShdw blurRad="38100" dist="38100" dir="2700000" algn="tl">
+                          <a:srgbClr val="000000">
+                            <a:alpha val="43137"/>
+                          </a:srgbClr>
+                        </a:outerShdw>
+                      </a:effectLst>
+                      <a:latin typeface="Agency FB" panose="020B0503020202020204" pitchFamily="34" charset="0"/>
+                    </a:rPr>
+                    <a:t>inside</a:t>
+                  </a:r>
+                  <a:endParaRPr lang="es-MX" sz="700" spc="50" dirty="0">
+                    <a:solidFill>
+                      <a:schemeClr val="tx1"/>
+                    </a:solidFill>
+                    <a:effectLst>
+                      <a:outerShdw blurRad="38100" dist="38100" dir="2700000" algn="tl">
+                        <a:srgbClr val="000000">
+                          <a:alpha val="43137"/>
+                        </a:srgbClr>
+                      </a:outerShdw>
+                    </a:effectLst>
+                    <a:latin typeface="Agency FB" panose="020B0503020202020204" pitchFamily="34" charset="0"/>
+                  </a:endParaRPr>
+                </a:p>
+              </p:txBody>
+            </p:sp>
+          </p:grpSp>
+        </p:grpSp>
+        <p:sp>
+          <p:nvSpPr>
+            <p:cNvPr id="13" name="Elipse 1" descr="Satélite con relleno sólido">
+              <a:extLst>
+                <a:ext uri="{FF2B5EF4-FFF2-40B4-BE49-F238E27FC236}">
+                  <a16:creationId xmlns:a16="http://schemas.microsoft.com/office/drawing/2014/main" id="{661E4A52-B22C-5012-F2CC-722E2A56C0F1}"/>
+                </a:ext>
+              </a:extLst>
+            </p:cNvPr>
+            <p:cNvSpPr/>
+            <p:nvPr/>
+          </p:nvSpPr>
+          <p:spPr>
+            <a:xfrm>
+              <a:off x="6135223" y="4655680"/>
+              <a:ext cx="421131" cy="421131"/>
+            </a:xfrm>
+            <a:prstGeom prst="ellipse">
+              <a:avLst/>
+            </a:prstGeom>
+            <a:blipFill dpi="0" rotWithShape="1">
+              <a:blip r:embed="rId3">
+                <a:extLst>
+                  <a:ext uri="{96DAC541-7B7A-43D3-8B79-37D633B846F1}">
+                    <asvg:svgBlip xmlns:asvg="http://schemas.microsoft.com/office/drawing/2016/SVG/main" r:embed="rId4"/>
+                  </a:ext>
+                </a:extLst>
+              </a:blip>
+              <a:srcRect/>
+              <a:stretch>
+                <a:fillRect/>
+              </a:stretch>
+            </a:blipFill>
+            <a:ln w="19050">
+              <a:solidFill>
+                <a:schemeClr val="tx1"/>
+              </a:solidFill>
+            </a:ln>
+          </p:spPr>
+          <p:style>
+            <a:lnRef idx="2">
+              <a:schemeClr val="accent1">
+                <a:shade val="50000"/>
+              </a:schemeClr>
+            </a:lnRef>
+            <a:fillRef idx="1">
+              <a:schemeClr val="accent1"/>
+            </a:fillRef>
+            <a:effectRef idx="0">
+              <a:schemeClr val="accent1"/>
+            </a:effectRef>
+            <a:fontRef idx="minor">
+              <a:schemeClr val="lt1"/>
+            </a:fontRef>
+          </p:style>
+          <p:txBody>
+            <a:bodyPr rtlCol="0" anchor="ctr"/>
+            <a:lstStyle/>
+            <a:p>
+              <a:pPr algn="ctr"/>
+              <a:endParaRPr lang="es-MX"/>
+            </a:p>
+          </p:txBody>
+        </p:sp>
+        <p:sp>
+          <p:nvSpPr>
+            <p:cNvPr id="14" name="Elipse 9" descr="Satélite con relleno sólido">
+              <a:extLst>
+                <a:ext uri="{FF2B5EF4-FFF2-40B4-BE49-F238E27FC236}">
+                  <a16:creationId xmlns:a16="http://schemas.microsoft.com/office/drawing/2014/main" id="{77A9F126-ED25-EF50-5C0A-11B74EFCA59F}"/>
+                </a:ext>
+              </a:extLst>
+            </p:cNvPr>
+            <p:cNvSpPr/>
+            <p:nvPr/>
+          </p:nvSpPr>
+          <p:spPr>
+            <a:xfrm>
+              <a:off x="5622326" y="4655680"/>
+              <a:ext cx="421131" cy="421131"/>
+            </a:xfrm>
+            <a:prstGeom prst="ellipse">
+              <a:avLst/>
+            </a:prstGeom>
+            <a:blipFill dpi="0" rotWithShape="1">
+              <a:blip r:embed="rId5">
+                <a:extLst>
+                  <a:ext uri="{28A0092B-C50C-407E-A947-70E740481C1C}">
+                    <a14:useLocalDpi xmlns:a14="http://schemas.microsoft.com/office/drawing/2010/main" val="0"/>
+                  </a:ext>
+                  <a:ext uri="{96DAC541-7B7A-43D3-8B79-37D633B846F1}">
+                    <asvg:svgBlip xmlns:asvg="http://schemas.microsoft.com/office/drawing/2016/SVG/main" r:embed="rId6"/>
+                  </a:ext>
+                </a:extLst>
+              </a:blip>
+              <a:srcRect/>
+              <a:stretch>
+                <a:fillRect/>
+              </a:stretch>
+            </a:blipFill>
+            <a:ln w="19050">
+              <a:solidFill>
+                <a:schemeClr val="tx1"/>
+              </a:solidFill>
+            </a:ln>
+          </p:spPr>
+          <p:style>
+            <a:lnRef idx="2">
+              <a:schemeClr val="accent1">
+                <a:shade val="50000"/>
+              </a:schemeClr>
+            </a:lnRef>
+            <a:fillRef idx="1">
+              <a:schemeClr val="accent1"/>
+            </a:fillRef>
+            <a:effectRef idx="0">
+              <a:schemeClr val="accent1"/>
+            </a:effectRef>
+            <a:fontRef idx="minor">
+              <a:schemeClr val="lt1"/>
+            </a:fontRef>
+          </p:style>
+          <p:txBody>
+            <a:bodyPr rtlCol="0" anchor="ctr"/>
+            <a:lstStyle/>
+            <a:p>
+              <a:pPr algn="ctr"/>
+              <a:endParaRPr lang="es-MX"/>
+            </a:p>
+          </p:txBody>
+        </p:sp>
+        <p:sp>
+          <p:nvSpPr>
+            <p:cNvPr id="15" name="Elipse 10" descr="Satélite con relleno sólido">
+              <a:extLst>
+                <a:ext uri="{FF2B5EF4-FFF2-40B4-BE49-F238E27FC236}">
+                  <a16:creationId xmlns:a16="http://schemas.microsoft.com/office/drawing/2014/main" id="{53CA9495-E57B-91DF-BE4D-726146316348}"/>
+                </a:ext>
+              </a:extLst>
+            </p:cNvPr>
+            <p:cNvSpPr/>
+            <p:nvPr/>
+          </p:nvSpPr>
+          <p:spPr>
+            <a:xfrm>
+              <a:off x="4596532" y="4655680"/>
+              <a:ext cx="421131" cy="421131"/>
+            </a:xfrm>
+            <a:prstGeom prst="ellipse">
+              <a:avLst/>
+            </a:prstGeom>
+            <a:blipFill dpi="0" rotWithShape="1">
+              <a:blip r:embed="rId7">
+                <a:extLst>
+                  <a:ext uri="{96DAC541-7B7A-43D3-8B79-37D633B846F1}">
+                    <asvg:svgBlip xmlns:asvg="http://schemas.microsoft.com/office/drawing/2016/SVG/main" r:embed="rId8"/>
+                  </a:ext>
+                </a:extLst>
+              </a:blip>
+              <a:srcRect/>
+              <a:stretch>
+                <a:fillRect/>
+              </a:stretch>
+            </a:blipFill>
+            <a:ln w="19050">
+              <a:solidFill>
+                <a:schemeClr val="tx1"/>
+              </a:solidFill>
+            </a:ln>
+          </p:spPr>
+          <p:style>
+            <a:lnRef idx="2">
+              <a:schemeClr val="accent1">
+                <a:shade val="50000"/>
+              </a:schemeClr>
+            </a:lnRef>
+            <a:fillRef idx="1">
+              <a:schemeClr val="accent1"/>
+            </a:fillRef>
+            <a:effectRef idx="0">
+              <a:schemeClr val="accent1"/>
+            </a:effectRef>
+            <a:fontRef idx="minor">
+              <a:schemeClr val="lt1"/>
+            </a:fontRef>
+          </p:style>
+          <p:txBody>
+            <a:bodyPr rtlCol="0" anchor="ctr"/>
+            <a:lstStyle/>
+            <a:p>
+              <a:pPr algn="ctr"/>
+              <a:endParaRPr lang="es-MX"/>
+            </a:p>
+          </p:txBody>
+        </p:sp>
+        <p:sp>
+          <p:nvSpPr>
+            <p:cNvPr id="16" name="Elipse 14" descr="Satélite con relleno sólido">
+              <a:extLst>
+                <a:ext uri="{FF2B5EF4-FFF2-40B4-BE49-F238E27FC236}">
+                  <a16:creationId xmlns:a16="http://schemas.microsoft.com/office/drawing/2014/main" id="{65FDBE0F-63A4-7B13-B723-FA42D826BD56}"/>
+                </a:ext>
+              </a:extLst>
+            </p:cNvPr>
+            <p:cNvSpPr/>
+            <p:nvPr/>
+          </p:nvSpPr>
+          <p:spPr>
+            <a:xfrm>
+              <a:off x="6648119" y="4655680"/>
+              <a:ext cx="421131" cy="421131"/>
+            </a:xfrm>
+            <a:prstGeom prst="ellipse">
+              <a:avLst/>
+            </a:prstGeom>
+            <a:blipFill dpi="0" rotWithShape="1">
+              <a:blip r:embed="rId9">
+                <a:extLst>
+                  <a:ext uri="{96DAC541-7B7A-43D3-8B79-37D633B846F1}">
+                    <asvg:svgBlip xmlns:asvg="http://schemas.microsoft.com/office/drawing/2016/SVG/main" r:embed="rId10"/>
+                  </a:ext>
+                </a:extLst>
+              </a:blip>
+              <a:srcRect/>
+              <a:stretch>
+                <a:fillRect/>
+              </a:stretch>
+            </a:blipFill>
+            <a:ln w="19050">
+              <a:solidFill>
+                <a:schemeClr val="tx1"/>
+              </a:solidFill>
+            </a:ln>
+          </p:spPr>
+          <p:style>
+            <a:lnRef idx="2">
+              <a:schemeClr val="accent1">
+                <a:shade val="50000"/>
+              </a:schemeClr>
+            </a:lnRef>
+            <a:fillRef idx="1">
+              <a:schemeClr val="accent1"/>
+            </a:fillRef>
+            <a:effectRef idx="0">
+              <a:schemeClr val="accent1"/>
+            </a:effectRef>
+            <a:fontRef idx="minor">
+              <a:schemeClr val="lt1"/>
+            </a:fontRef>
+          </p:style>
+          <p:txBody>
+            <a:bodyPr rtlCol="0" anchor="ctr"/>
+            <a:lstStyle/>
+            <a:p>
+              <a:pPr algn="ctr"/>
+              <a:endParaRPr lang="es-MX"/>
+            </a:p>
+          </p:txBody>
+        </p:sp>
+        <p:sp>
+          <p:nvSpPr>
+            <p:cNvPr id="17" name="Elipse 17" descr="Satélite con relleno sólido">
+              <a:extLst>
+                <a:ext uri="{FF2B5EF4-FFF2-40B4-BE49-F238E27FC236}">
+                  <a16:creationId xmlns:a16="http://schemas.microsoft.com/office/drawing/2014/main" id="{4833BB71-CE0A-7E75-3339-FBA2D1E893D6}"/>
+                </a:ext>
+              </a:extLst>
+            </p:cNvPr>
+            <p:cNvSpPr/>
+            <p:nvPr/>
+          </p:nvSpPr>
+          <p:spPr>
+            <a:xfrm>
+              <a:off x="5109429" y="4655680"/>
+              <a:ext cx="421131" cy="421131"/>
+            </a:xfrm>
+            <a:prstGeom prst="ellipse">
+              <a:avLst/>
+            </a:prstGeom>
+            <a:blipFill dpi="0" rotWithShape="1">
+              <a:blip r:embed="rId11">
+                <a:extLst>
+                  <a:ext uri="{96DAC541-7B7A-43D3-8B79-37D633B846F1}">
+                    <asvg:svgBlip xmlns:asvg="http://schemas.microsoft.com/office/drawing/2016/SVG/main" r:embed="rId12"/>
+                  </a:ext>
+                </a:extLst>
+              </a:blip>
+              <a:srcRect/>
+              <a:stretch>
+                <a:fillRect/>
+              </a:stretch>
+            </a:blipFill>
+            <a:ln w="19050">
+              <a:solidFill>
+                <a:schemeClr val="tx1"/>
+              </a:solidFill>
+            </a:ln>
+          </p:spPr>
+          <p:style>
+            <a:lnRef idx="2">
+              <a:schemeClr val="accent1">
+                <a:shade val="50000"/>
+              </a:schemeClr>
+            </a:lnRef>
+            <a:fillRef idx="1">
+              <a:schemeClr val="accent1"/>
+            </a:fillRef>
+            <a:effectRef idx="0">
+              <a:schemeClr val="accent1"/>
+            </a:effectRef>
+            <a:fontRef idx="minor">
+              <a:schemeClr val="lt1"/>
+            </a:fontRef>
+          </p:style>
+          <p:txBody>
+            <a:bodyPr rtlCol="0" anchor="ctr"/>
+            <a:lstStyle/>
+            <a:p>
+              <a:pPr algn="ctr"/>
+              <a:endParaRPr lang="es-MX"/>
+            </a:p>
+          </p:txBody>
+        </p:sp>
+        <p:sp>
+          <p:nvSpPr>
+            <p:cNvPr id="18" name="Elipse 20" descr="Satélite con relleno sólido">
+              <a:extLst>
+                <a:ext uri="{FF2B5EF4-FFF2-40B4-BE49-F238E27FC236}">
+                  <a16:creationId xmlns:a16="http://schemas.microsoft.com/office/drawing/2014/main" id="{AA88EDD0-BFA0-54D7-2B11-7205D10E8840}"/>
+                </a:ext>
+              </a:extLst>
+            </p:cNvPr>
+            <p:cNvSpPr/>
+            <p:nvPr/>
+          </p:nvSpPr>
+          <p:spPr>
+            <a:xfrm>
+              <a:off x="3571531" y="4652161"/>
+              <a:ext cx="421131" cy="421131"/>
+            </a:xfrm>
+            <a:prstGeom prst="ellipse">
+              <a:avLst/>
+            </a:prstGeom>
+            <a:blipFill dpi="0" rotWithShape="1">
+              <a:blip r:embed="rId13"/>
+              <a:srcRect/>
+              <a:stretch>
+                <a:fillRect/>
+              </a:stretch>
+            </a:blipFill>
+            <a:ln w="19050">
+              <a:solidFill>
+                <a:schemeClr val="tx1"/>
+              </a:solidFill>
+            </a:ln>
+          </p:spPr>
+          <p:style>
+            <a:lnRef idx="2">
+              <a:schemeClr val="accent1">
+                <a:shade val="50000"/>
+              </a:schemeClr>
+            </a:lnRef>
+            <a:fillRef idx="1">
+              <a:schemeClr val="accent1"/>
+            </a:fillRef>
+            <a:effectRef idx="0">
+              <a:schemeClr val="accent1"/>
+            </a:effectRef>
+            <a:fontRef idx="minor">
+              <a:schemeClr val="lt1"/>
+            </a:fontRef>
+          </p:style>
+          <p:txBody>
+            <a:bodyPr rtlCol="0" anchor="ctr"/>
+            <a:lstStyle/>
+            <a:p>
+              <a:pPr algn="ctr"/>
+              <a:endParaRPr lang="es-MX"/>
+            </a:p>
+          </p:txBody>
+        </p:sp>
+        <p:grpSp>
+          <p:nvGrpSpPr>
+            <p:cNvPr id="19" name="Grupo 21">
+              <a:extLst>
+                <a:ext uri="{FF2B5EF4-FFF2-40B4-BE49-F238E27FC236}">
+                  <a16:creationId xmlns:a16="http://schemas.microsoft.com/office/drawing/2014/main" id="{FB06598A-7552-44F8-D603-EF5371777088}"/>
+                </a:ext>
+              </a:extLst>
+            </p:cNvPr>
+            <p:cNvGrpSpPr/>
+            <p:nvPr/>
+          </p:nvGrpSpPr>
+          <p:grpSpPr>
+            <a:xfrm>
+              <a:off x="4082964" y="4656279"/>
+              <a:ext cx="421131" cy="421131"/>
+              <a:chOff x="5009770" y="3330967"/>
+              <a:chExt cx="421131" cy="421131"/>
+            </a:xfrm>
+          </p:grpSpPr>
+          <p:sp>
+            <p:nvSpPr>
+              <p:cNvPr id="20" name="Elipse 22" descr="Satélite con relleno sólido">
+                <a:extLst>
+                  <a:ext uri="{FF2B5EF4-FFF2-40B4-BE49-F238E27FC236}">
+                    <a16:creationId xmlns:a16="http://schemas.microsoft.com/office/drawing/2014/main" id="{A7D78147-3E6C-C83B-AF9C-06EB4C220888}"/>
+                  </a:ext>
+                </a:extLst>
+              </p:cNvPr>
+              <p:cNvSpPr/>
+              <p:nvPr/>
+            </p:nvSpPr>
+            <p:spPr>
+              <a:xfrm>
+                <a:off x="5009770" y="3330967"/>
+                <a:ext cx="421131" cy="421131"/>
+              </a:xfrm>
+              <a:prstGeom prst="ellipse">
+                <a:avLst/>
+              </a:prstGeom>
+              <a:blipFill dpi="0" rotWithShape="1">
+                <a:blip r:embed="rId14">
+                  <a:extLst>
+                    <a:ext uri="{96DAC541-7B7A-43D3-8B79-37D633B846F1}">
+                      <asvg:svgBlip xmlns:asvg="http://schemas.microsoft.com/office/drawing/2016/SVG/main" r:embed="rId15"/>
+                    </a:ext>
+                  </a:extLst>
+                </a:blip>
+                <a:srcRect/>
+                <a:stretch>
+                  <a:fillRect/>
+                </a:stretch>
+              </a:blipFill>
+              <a:ln w="19050">
+                <a:solidFill>
+                  <a:schemeClr val="tx1"/>
+                </a:solidFill>
+              </a:ln>
+            </p:spPr>
+            <p:style>
+              <a:lnRef idx="2">
+                <a:schemeClr val="accent1">
+                  <a:shade val="50000"/>
+                </a:schemeClr>
+              </a:lnRef>
+              <a:fillRef idx="1">
+                <a:schemeClr val="accent1"/>
+              </a:fillRef>
+              <a:effectRef idx="0">
+                <a:schemeClr val="accent1"/>
+              </a:effectRef>
+              <a:fontRef idx="minor">
+                <a:schemeClr val="lt1"/>
+              </a:fontRef>
+            </p:style>
+            <p:txBody>
+              <a:bodyPr rtlCol="0" anchor="ctr"/>
+              <a:lstStyle/>
+              <a:p>
+                <a:pPr algn="ctr"/>
+                <a:endParaRPr lang="es-MX"/>
+              </a:p>
+            </p:txBody>
+          </p:sp>
+          <p:pic>
+            <p:nvPicPr>
+              <p:cNvPr id="21" name="Gráfico 23" descr="Planta con relleno sólido">
+                <a:extLst>
+                  <a:ext uri="{FF2B5EF4-FFF2-40B4-BE49-F238E27FC236}">
+                    <a16:creationId xmlns:a16="http://schemas.microsoft.com/office/drawing/2014/main" id="{CEB41F6C-93BE-57EA-F06D-0185C2A88E38}"/>
+                  </a:ext>
+                </a:extLst>
+              </p:cNvPr>
+              <p:cNvPicPr>
+                <a:picLocks noChangeAspect="1"/>
+              </p:cNvPicPr>
+              <p:nvPr/>
+            </p:nvPicPr>
+            <p:blipFill>
+              <a:blip r:embed="rId16">
+                <a:extLst>
+                  <a:ext uri="{28A0092B-C50C-407E-A947-70E740481C1C}">
+                    <a14:useLocalDpi xmlns:a14="http://schemas.microsoft.com/office/drawing/2010/main" val="0"/>
+                  </a:ext>
+                  <a:ext uri="{96DAC541-7B7A-43D3-8B79-37D633B846F1}">
+                    <asvg:svgBlip xmlns:asvg="http://schemas.microsoft.com/office/drawing/2016/SVG/main" r:embed="rId17"/>
+                  </a:ext>
+                </a:extLst>
+              </a:blip>
+              <a:stretch>
+                <a:fillRect/>
+              </a:stretch>
+            </p:blipFill>
+            <p:spPr>
+              <a:xfrm rot="1309914">
+                <a:off x="5075084" y="3396168"/>
+                <a:ext cx="238483" cy="238483"/>
+              </a:xfrm>
+              <a:prstGeom prst="rect">
+                <a:avLst/>
+              </a:prstGeom>
+            </p:spPr>
+          </p:pic>
+        </p:grpSp>
+      </p:grpSp>
+      <p:grpSp>
+        <p:nvGrpSpPr>
+          <p:cNvPr id="39" name="Group 38">
+            <a:extLst>
+              <a:ext uri="{FF2B5EF4-FFF2-40B4-BE49-F238E27FC236}">
+                <a16:creationId xmlns:a16="http://schemas.microsoft.com/office/drawing/2014/main" id="{201C7E40-D7C0-5B38-3DEE-ABBFD0B204A9}"/>
+              </a:ext>
+            </a:extLst>
+          </p:cNvPr>
+          <p:cNvGrpSpPr/>
+          <p:nvPr/>
+        </p:nvGrpSpPr>
+        <p:grpSpPr>
+          <a:xfrm>
+            <a:off x="899481" y="5247809"/>
+            <a:ext cx="5028774" cy="550264"/>
+            <a:chOff x="3570738" y="4587594"/>
+            <a:chExt cx="5028774" cy="550264"/>
+          </a:xfrm>
+        </p:grpSpPr>
+        <p:sp>
+          <p:nvSpPr>
+            <p:cNvPr id="23" name="Elipse 23" descr="Satélite con relleno sólido">
+              <a:extLst>
+                <a:ext uri="{FF2B5EF4-FFF2-40B4-BE49-F238E27FC236}">
+                  <a16:creationId xmlns:a16="http://schemas.microsoft.com/office/drawing/2014/main" id="{95CFD253-24AE-F7B0-C8D6-F99FECB5A701}"/>
+                </a:ext>
+              </a:extLst>
+            </p:cNvPr>
+            <p:cNvSpPr/>
+            <p:nvPr/>
+          </p:nvSpPr>
+          <p:spPr>
+            <a:xfrm>
+              <a:off x="6135223" y="4655680"/>
+              <a:ext cx="421131" cy="421131"/>
+            </a:xfrm>
+            <a:prstGeom prst="ellipse">
+              <a:avLst/>
+            </a:prstGeom>
+            <a:blipFill dpi="0" rotWithShape="1">
+              <a:blip r:embed="rId3">
+                <a:extLst>
+                  <a:ext uri="{96DAC541-7B7A-43D3-8B79-37D633B846F1}">
+                    <asvg:svgBlip xmlns:asvg="http://schemas.microsoft.com/office/drawing/2016/SVG/main" r:embed="rId4"/>
+                  </a:ext>
+                </a:extLst>
+              </a:blip>
+              <a:srcRect/>
+              <a:stretch>
+                <a:fillRect/>
+              </a:stretch>
+            </a:blipFill>
+            <a:ln w="19050">
+              <a:solidFill>
+                <a:schemeClr val="tx1"/>
+              </a:solidFill>
+            </a:ln>
+          </p:spPr>
+          <p:style>
+            <a:lnRef idx="2">
+              <a:schemeClr val="accent1">
+                <a:shade val="50000"/>
+              </a:schemeClr>
+            </a:lnRef>
+            <a:fillRef idx="1">
+              <a:schemeClr val="accent1"/>
+            </a:fillRef>
+            <a:effectRef idx="0">
+              <a:schemeClr val="accent1"/>
+            </a:effectRef>
+            <a:fontRef idx="minor">
+              <a:schemeClr val="lt1"/>
+            </a:fontRef>
+          </p:style>
+          <p:txBody>
+            <a:bodyPr rtlCol="0" anchor="ctr"/>
+            <a:lstStyle/>
+            <a:p>
+              <a:pPr algn="ctr"/>
+              <a:endParaRPr lang="es-MX"/>
+            </a:p>
+          </p:txBody>
+        </p:sp>
+        <p:sp>
+          <p:nvSpPr>
+            <p:cNvPr id="24" name="Elipse 25" descr="Satélite con relleno sólido">
+              <a:extLst>
+                <a:ext uri="{FF2B5EF4-FFF2-40B4-BE49-F238E27FC236}">
+                  <a16:creationId xmlns:a16="http://schemas.microsoft.com/office/drawing/2014/main" id="{C69BB354-5B72-F33C-0C13-C7C49F0B9DA4}"/>
+                </a:ext>
+              </a:extLst>
+            </p:cNvPr>
+            <p:cNvSpPr/>
+            <p:nvPr/>
+          </p:nvSpPr>
+          <p:spPr>
+            <a:xfrm>
+              <a:off x="5622326" y="4655680"/>
+              <a:ext cx="421131" cy="421131"/>
+            </a:xfrm>
+            <a:prstGeom prst="ellipse">
+              <a:avLst/>
+            </a:prstGeom>
+            <a:blipFill dpi="0" rotWithShape="1">
+              <a:blip r:embed="rId5">
+                <a:extLst>
+                  <a:ext uri="{28A0092B-C50C-407E-A947-70E740481C1C}">
+                    <a14:useLocalDpi xmlns:a14="http://schemas.microsoft.com/office/drawing/2010/main" val="0"/>
+                  </a:ext>
+                  <a:ext uri="{96DAC541-7B7A-43D3-8B79-37D633B846F1}">
+                    <asvg:svgBlip xmlns:asvg="http://schemas.microsoft.com/office/drawing/2016/SVG/main" r:embed="rId6"/>
+                  </a:ext>
+                </a:extLst>
+              </a:blip>
+              <a:srcRect/>
+              <a:stretch>
+                <a:fillRect/>
+              </a:stretch>
+            </a:blipFill>
+            <a:ln w="19050">
+              <a:solidFill>
+                <a:schemeClr val="tx1"/>
+              </a:solidFill>
+            </a:ln>
+          </p:spPr>
+          <p:style>
+            <a:lnRef idx="2">
+              <a:schemeClr val="accent1">
+                <a:shade val="50000"/>
+              </a:schemeClr>
+            </a:lnRef>
+            <a:fillRef idx="1">
+              <a:schemeClr val="accent1"/>
+            </a:fillRef>
+            <a:effectRef idx="0">
+              <a:schemeClr val="accent1"/>
+            </a:effectRef>
+            <a:fontRef idx="minor">
+              <a:schemeClr val="lt1"/>
+            </a:fontRef>
+          </p:style>
+          <p:txBody>
+            <a:bodyPr rtlCol="0" anchor="ctr"/>
+            <a:lstStyle/>
+            <a:p>
+              <a:pPr algn="ctr"/>
+              <a:endParaRPr lang="es-MX"/>
+            </a:p>
+          </p:txBody>
+        </p:sp>
+        <p:sp>
+          <p:nvSpPr>
+            <p:cNvPr id="25" name="Elipse 26" descr="Satélite con relleno sólido">
+              <a:extLst>
+                <a:ext uri="{FF2B5EF4-FFF2-40B4-BE49-F238E27FC236}">
+                  <a16:creationId xmlns:a16="http://schemas.microsoft.com/office/drawing/2014/main" id="{1B25B4E7-C7E8-1556-A04C-AD0E0EC8E3EA}"/>
+                </a:ext>
+              </a:extLst>
+            </p:cNvPr>
+            <p:cNvSpPr/>
+            <p:nvPr/>
+          </p:nvSpPr>
+          <p:spPr>
+            <a:xfrm>
+              <a:off x="4596532" y="4655680"/>
+              <a:ext cx="421131" cy="421131"/>
+            </a:xfrm>
+            <a:prstGeom prst="ellipse">
+              <a:avLst/>
+            </a:prstGeom>
+            <a:blipFill dpi="0" rotWithShape="1">
+              <a:blip r:embed="rId7">
+                <a:extLst>
+                  <a:ext uri="{96DAC541-7B7A-43D3-8B79-37D633B846F1}">
+                    <asvg:svgBlip xmlns:asvg="http://schemas.microsoft.com/office/drawing/2016/SVG/main" r:embed="rId8"/>
+                  </a:ext>
+                </a:extLst>
+              </a:blip>
+              <a:srcRect/>
+              <a:stretch>
+                <a:fillRect/>
+              </a:stretch>
+            </a:blipFill>
+            <a:ln w="19050">
+              <a:solidFill>
+                <a:schemeClr val="tx1"/>
+              </a:solidFill>
+            </a:ln>
+          </p:spPr>
+          <p:style>
+            <a:lnRef idx="2">
+              <a:schemeClr val="accent1">
+                <a:shade val="50000"/>
+              </a:schemeClr>
+            </a:lnRef>
+            <a:fillRef idx="1">
+              <a:schemeClr val="accent1"/>
+            </a:fillRef>
+            <a:effectRef idx="0">
+              <a:schemeClr val="accent1"/>
+            </a:effectRef>
+            <a:fontRef idx="minor">
+              <a:schemeClr val="lt1"/>
+            </a:fontRef>
+          </p:style>
+          <p:txBody>
+            <a:bodyPr rtlCol="0" anchor="ctr"/>
+            <a:lstStyle/>
+            <a:p>
+              <a:pPr algn="ctr"/>
+              <a:endParaRPr lang="es-MX"/>
+            </a:p>
+          </p:txBody>
+        </p:sp>
+        <p:sp>
+          <p:nvSpPr>
+            <p:cNvPr id="26" name="Elipse 27" descr="Satélite con relleno sólido">
+              <a:extLst>
+                <a:ext uri="{FF2B5EF4-FFF2-40B4-BE49-F238E27FC236}">
+                  <a16:creationId xmlns:a16="http://schemas.microsoft.com/office/drawing/2014/main" id="{B4C4E4D5-0CC5-314A-3FB8-5B030FA21965}"/>
+                </a:ext>
+              </a:extLst>
+            </p:cNvPr>
+            <p:cNvSpPr/>
+            <p:nvPr/>
+          </p:nvSpPr>
+          <p:spPr>
+            <a:xfrm>
+              <a:off x="6648119" y="4655680"/>
+              <a:ext cx="421131" cy="421131"/>
+            </a:xfrm>
+            <a:prstGeom prst="ellipse">
+              <a:avLst/>
+            </a:prstGeom>
+            <a:blipFill dpi="0" rotWithShape="1">
+              <a:blip r:embed="rId9">
+                <a:extLst>
+                  <a:ext uri="{96DAC541-7B7A-43D3-8B79-37D633B846F1}">
+                    <asvg:svgBlip xmlns:asvg="http://schemas.microsoft.com/office/drawing/2016/SVG/main" r:embed="rId10"/>
+                  </a:ext>
+                </a:extLst>
+              </a:blip>
+              <a:srcRect/>
+              <a:stretch>
+                <a:fillRect/>
+              </a:stretch>
+            </a:blipFill>
+            <a:ln w="19050">
+              <a:solidFill>
+                <a:schemeClr val="tx1"/>
+              </a:solidFill>
+            </a:ln>
+          </p:spPr>
+          <p:style>
+            <a:lnRef idx="2">
+              <a:schemeClr val="accent1">
+                <a:shade val="50000"/>
+              </a:schemeClr>
+            </a:lnRef>
+            <a:fillRef idx="1">
+              <a:schemeClr val="accent1"/>
+            </a:fillRef>
+            <a:effectRef idx="0">
+              <a:schemeClr val="accent1"/>
+            </a:effectRef>
+            <a:fontRef idx="minor">
+              <a:schemeClr val="lt1"/>
+            </a:fontRef>
+          </p:style>
+          <p:txBody>
+            <a:bodyPr rtlCol="0" anchor="ctr"/>
+            <a:lstStyle/>
+            <a:p>
+              <a:pPr algn="ctr"/>
+              <a:endParaRPr lang="es-MX"/>
+            </a:p>
+          </p:txBody>
+        </p:sp>
+        <p:sp>
+          <p:nvSpPr>
+            <p:cNvPr id="27" name="Elipse 30" descr="Satélite con relleno sólido">
+              <a:extLst>
+                <a:ext uri="{FF2B5EF4-FFF2-40B4-BE49-F238E27FC236}">
+                  <a16:creationId xmlns:a16="http://schemas.microsoft.com/office/drawing/2014/main" id="{B24B1F08-9F20-C209-6F5D-B84774DC57B0}"/>
+                </a:ext>
+              </a:extLst>
+            </p:cNvPr>
+            <p:cNvSpPr/>
+            <p:nvPr/>
+          </p:nvSpPr>
+          <p:spPr>
+            <a:xfrm>
+              <a:off x="3570738" y="4655680"/>
+              <a:ext cx="421131" cy="421131"/>
+            </a:xfrm>
+            <a:prstGeom prst="ellipse">
+              <a:avLst/>
+            </a:prstGeom>
+            <a:blipFill dpi="0" rotWithShape="1">
+              <a:blip r:embed="rId18">
+                <a:extLst>
+                  <a:ext uri="{96DAC541-7B7A-43D3-8B79-37D633B846F1}">
+                    <asvg:svgBlip xmlns:asvg="http://schemas.microsoft.com/office/drawing/2016/SVG/main" r:embed="rId19"/>
+                  </a:ext>
+                </a:extLst>
+              </a:blip>
+              <a:srcRect/>
+              <a:stretch>
+                <a:fillRect/>
+              </a:stretch>
+            </a:blipFill>
+            <a:ln w="19050">
+              <a:solidFill>
+                <a:schemeClr val="tx1"/>
+              </a:solidFill>
+            </a:ln>
+          </p:spPr>
+          <p:style>
+            <a:lnRef idx="2">
+              <a:schemeClr val="accent1">
+                <a:shade val="50000"/>
+              </a:schemeClr>
+            </a:lnRef>
+            <a:fillRef idx="1">
+              <a:schemeClr val="accent1"/>
+            </a:fillRef>
+            <a:effectRef idx="0">
+              <a:schemeClr val="accent1"/>
+            </a:effectRef>
+            <a:fontRef idx="minor">
+              <a:schemeClr val="lt1"/>
+            </a:fontRef>
+          </p:style>
+          <p:txBody>
+            <a:bodyPr rtlCol="0" anchor="ctr"/>
+            <a:lstStyle/>
+            <a:p>
+              <a:pPr algn="ctr"/>
+              <a:endParaRPr lang="es-MX"/>
+            </a:p>
+          </p:txBody>
+        </p:sp>
+        <p:sp>
+          <p:nvSpPr>
+            <p:cNvPr id="28" name="Elipse 31" descr="Satélite con relleno sólido">
+              <a:extLst>
+                <a:ext uri="{FF2B5EF4-FFF2-40B4-BE49-F238E27FC236}">
+                  <a16:creationId xmlns:a16="http://schemas.microsoft.com/office/drawing/2014/main" id="{A6340A80-F396-3FD8-9C85-8F9BFBC58558}"/>
+                </a:ext>
+              </a:extLst>
+            </p:cNvPr>
+            <p:cNvSpPr/>
+            <p:nvPr/>
+          </p:nvSpPr>
+          <p:spPr>
+            <a:xfrm>
+              <a:off x="5109429" y="4655680"/>
+              <a:ext cx="421131" cy="421131"/>
+            </a:xfrm>
+            <a:prstGeom prst="ellipse">
+              <a:avLst/>
+            </a:prstGeom>
+            <a:blipFill dpi="0" rotWithShape="1">
+              <a:blip r:embed="rId11">
+                <a:extLst>
+                  <a:ext uri="{96DAC541-7B7A-43D3-8B79-37D633B846F1}">
+                    <asvg:svgBlip xmlns:asvg="http://schemas.microsoft.com/office/drawing/2016/SVG/main" r:embed="rId12"/>
+                  </a:ext>
+                </a:extLst>
+              </a:blip>
+              <a:srcRect/>
+              <a:stretch>
+                <a:fillRect/>
+              </a:stretch>
+            </a:blipFill>
+            <a:ln w="19050">
+              <a:solidFill>
+                <a:schemeClr val="tx1"/>
+              </a:solidFill>
+            </a:ln>
+          </p:spPr>
+          <p:style>
+            <a:lnRef idx="2">
+              <a:schemeClr val="accent1">
+                <a:shade val="50000"/>
+              </a:schemeClr>
+            </a:lnRef>
+            <a:fillRef idx="1">
+              <a:schemeClr val="accent1"/>
+            </a:fillRef>
+            <a:effectRef idx="0">
+              <a:schemeClr val="accent1"/>
+            </a:effectRef>
+            <a:fontRef idx="minor">
+              <a:schemeClr val="lt1"/>
+            </a:fontRef>
+          </p:style>
+          <p:txBody>
+            <a:bodyPr rtlCol="0" anchor="ctr"/>
+            <a:lstStyle/>
+            <a:p>
+              <a:pPr algn="ctr"/>
+              <a:endParaRPr lang="es-MX"/>
+            </a:p>
+          </p:txBody>
+        </p:sp>
+        <p:grpSp>
+          <p:nvGrpSpPr>
+            <p:cNvPr id="29" name="Grupo 59">
+              <a:extLst>
+                <a:ext uri="{FF2B5EF4-FFF2-40B4-BE49-F238E27FC236}">
+                  <a16:creationId xmlns:a16="http://schemas.microsoft.com/office/drawing/2014/main" id="{AE7529AF-8DA5-CB06-07AB-D3109BEA8E29}"/>
+                </a:ext>
+              </a:extLst>
+            </p:cNvPr>
+            <p:cNvGrpSpPr/>
+            <p:nvPr/>
+          </p:nvGrpSpPr>
+          <p:grpSpPr>
+            <a:xfrm>
+              <a:off x="4082964" y="4656279"/>
+              <a:ext cx="421131" cy="421131"/>
+              <a:chOff x="5009770" y="3330967"/>
+              <a:chExt cx="421131" cy="421131"/>
+            </a:xfrm>
+          </p:grpSpPr>
+          <p:sp>
+            <p:nvSpPr>
+              <p:cNvPr id="30" name="Elipse 60" descr="Satélite con relleno sólido">
+                <a:extLst>
+                  <a:ext uri="{FF2B5EF4-FFF2-40B4-BE49-F238E27FC236}">
+                    <a16:creationId xmlns:a16="http://schemas.microsoft.com/office/drawing/2014/main" id="{D85CBC4D-DCB3-32D4-1A8D-748E8F74BC9C}"/>
+                  </a:ext>
+                </a:extLst>
+              </p:cNvPr>
+              <p:cNvSpPr/>
+              <p:nvPr/>
+            </p:nvSpPr>
+            <p:spPr>
+              <a:xfrm>
+                <a:off x="5009770" y="3330967"/>
+                <a:ext cx="421131" cy="421131"/>
+              </a:xfrm>
+              <a:prstGeom prst="ellipse">
+                <a:avLst/>
+              </a:prstGeom>
+              <a:blipFill dpi="0" rotWithShape="1">
+                <a:blip r:embed="rId14">
+                  <a:extLst>
+                    <a:ext uri="{96DAC541-7B7A-43D3-8B79-37D633B846F1}">
+                      <asvg:svgBlip xmlns:asvg="http://schemas.microsoft.com/office/drawing/2016/SVG/main" r:embed="rId15"/>
+                    </a:ext>
+                  </a:extLst>
+                </a:blip>
+                <a:srcRect/>
+                <a:stretch>
+                  <a:fillRect/>
+                </a:stretch>
+              </a:blipFill>
+              <a:ln w="19050">
+                <a:solidFill>
+                  <a:schemeClr val="tx1"/>
+                </a:solidFill>
+              </a:ln>
+            </p:spPr>
+            <p:style>
+              <a:lnRef idx="2">
+                <a:schemeClr val="accent1">
+                  <a:shade val="50000"/>
+                </a:schemeClr>
+              </a:lnRef>
+              <a:fillRef idx="1">
+                <a:schemeClr val="accent1"/>
+              </a:fillRef>
+              <a:effectRef idx="0">
+                <a:schemeClr val="accent1"/>
+              </a:effectRef>
+              <a:fontRef idx="minor">
+                <a:schemeClr val="lt1"/>
+              </a:fontRef>
+            </p:style>
+            <p:txBody>
+              <a:bodyPr rtlCol="0" anchor="ctr"/>
+              <a:lstStyle/>
+              <a:p>
+                <a:pPr algn="ctr"/>
+                <a:endParaRPr lang="es-MX"/>
+              </a:p>
+            </p:txBody>
+          </p:sp>
+          <p:pic>
+            <p:nvPicPr>
+              <p:cNvPr id="31" name="Gráfico 61" descr="Planta con relleno sólido">
+                <a:extLst>
+                  <a:ext uri="{FF2B5EF4-FFF2-40B4-BE49-F238E27FC236}">
+                    <a16:creationId xmlns:a16="http://schemas.microsoft.com/office/drawing/2014/main" id="{A7183CAA-55A8-D99D-CA4C-F2FC1A453899}"/>
+                  </a:ext>
+                </a:extLst>
+              </p:cNvPr>
+              <p:cNvPicPr>
+                <a:picLocks noChangeAspect="1"/>
+              </p:cNvPicPr>
+              <p:nvPr/>
+            </p:nvPicPr>
+            <p:blipFill>
+              <a:blip r:embed="rId16">
+                <a:extLst>
+                  <a:ext uri="{28A0092B-C50C-407E-A947-70E740481C1C}">
+                    <a14:useLocalDpi xmlns:a14="http://schemas.microsoft.com/office/drawing/2010/main" val="0"/>
+                  </a:ext>
+                  <a:ext uri="{96DAC541-7B7A-43D3-8B79-37D633B846F1}">
+                    <asvg:svgBlip xmlns:asvg="http://schemas.microsoft.com/office/drawing/2016/SVG/main" r:embed="rId17"/>
+                  </a:ext>
+                </a:extLst>
+              </a:blip>
+              <a:stretch>
+                <a:fillRect/>
+              </a:stretch>
+            </p:blipFill>
+            <p:spPr>
+              <a:xfrm rot="1309914">
+                <a:off x="5075084" y="3396168"/>
+                <a:ext cx="238483" cy="238483"/>
+              </a:xfrm>
+              <a:prstGeom prst="rect">
+                <a:avLst/>
+              </a:prstGeom>
+            </p:spPr>
+          </p:pic>
+        </p:grpSp>
+        <p:grpSp>
+          <p:nvGrpSpPr>
+            <p:cNvPr id="32" name="Grupo 63">
+              <a:extLst>
+                <a:ext uri="{FF2B5EF4-FFF2-40B4-BE49-F238E27FC236}">
+                  <a16:creationId xmlns:a16="http://schemas.microsoft.com/office/drawing/2014/main" id="{F3DDF2AB-DC38-D475-25EB-B0B93666F18F}"/>
+                </a:ext>
+              </a:extLst>
+            </p:cNvPr>
+            <p:cNvGrpSpPr/>
+            <p:nvPr/>
+          </p:nvGrpSpPr>
+          <p:grpSpPr>
+            <a:xfrm>
+              <a:off x="7935562" y="4587594"/>
+              <a:ext cx="663950" cy="550264"/>
+              <a:chOff x="7992055" y="4655844"/>
+              <a:chExt cx="663950" cy="550264"/>
+            </a:xfrm>
+          </p:grpSpPr>
+          <p:sp>
+            <p:nvSpPr>
+              <p:cNvPr id="33" name="Flecha: curvada hacia abajo 64">
+                <a:extLst>
+                  <a:ext uri="{FF2B5EF4-FFF2-40B4-BE49-F238E27FC236}">
+                    <a16:creationId xmlns:a16="http://schemas.microsoft.com/office/drawing/2014/main" id="{E8373B27-F559-B08B-E8D4-7D53A4220082}"/>
+                  </a:ext>
+                </a:extLst>
+              </p:cNvPr>
+              <p:cNvSpPr/>
+              <p:nvPr/>
+            </p:nvSpPr>
+            <p:spPr>
+              <a:xfrm rot="3187469">
+                <a:off x="8253074" y="4747701"/>
+                <a:ext cx="416560" cy="232845"/>
+              </a:xfrm>
+              <a:prstGeom prst="curvedDownArrow">
+                <a:avLst/>
+              </a:prstGeom>
+            </p:spPr>
+            <p:style>
+              <a:lnRef idx="2">
+                <a:schemeClr val="accent1">
+                  <a:shade val="50000"/>
+                </a:schemeClr>
+              </a:lnRef>
+              <a:fillRef idx="1">
+                <a:schemeClr val="accent1"/>
+              </a:fillRef>
+              <a:effectRef idx="0">
+                <a:schemeClr val="accent1"/>
+              </a:effectRef>
+              <a:fontRef idx="minor">
+                <a:schemeClr val="lt1"/>
+              </a:fontRef>
+            </p:style>
+            <p:txBody>
+              <a:bodyPr rtlCol="0" anchor="ctr"/>
+              <a:lstStyle/>
+              <a:p>
+                <a:pPr algn="ctr"/>
+                <a:endParaRPr lang="es-MX">
+                  <a:solidFill>
+                    <a:schemeClr val="tx1"/>
+                  </a:solidFill>
+                </a:endParaRPr>
+              </a:p>
+            </p:txBody>
+          </p:sp>
+          <p:sp>
+            <p:nvSpPr>
+              <p:cNvPr id="34" name="Flecha: curvada hacia abajo 65">
+                <a:extLst>
+                  <a:ext uri="{FF2B5EF4-FFF2-40B4-BE49-F238E27FC236}">
+                    <a16:creationId xmlns:a16="http://schemas.microsoft.com/office/drawing/2014/main" id="{64DE6133-A782-7F88-27E9-823D7F4B937E}"/>
+                  </a:ext>
+                </a:extLst>
+              </p:cNvPr>
+              <p:cNvSpPr/>
+              <p:nvPr/>
+            </p:nvSpPr>
+            <p:spPr>
+              <a:xfrm rot="14656350">
+                <a:off x="7965809" y="4881405"/>
+                <a:ext cx="416560" cy="232845"/>
+              </a:xfrm>
+              <a:prstGeom prst="curvedDownArrow">
+                <a:avLst/>
+              </a:prstGeom>
+            </p:spPr>
+            <p:style>
+              <a:lnRef idx="2">
+                <a:schemeClr val="accent1">
+                  <a:shade val="50000"/>
+                </a:schemeClr>
+              </a:lnRef>
+              <a:fillRef idx="1">
+                <a:schemeClr val="accent1"/>
+              </a:fillRef>
+              <a:effectRef idx="0">
+                <a:schemeClr val="accent1"/>
+              </a:effectRef>
+              <a:fontRef idx="minor">
+                <a:schemeClr val="lt1"/>
+              </a:fontRef>
+            </p:style>
+            <p:txBody>
+              <a:bodyPr rtlCol="0" anchor="ctr"/>
+              <a:lstStyle/>
+              <a:p>
+                <a:pPr algn="ctr"/>
+                <a:endParaRPr lang="es-MX">
+                  <a:solidFill>
+                    <a:schemeClr val="tx1"/>
+                  </a:solidFill>
+                </a:endParaRPr>
+              </a:p>
+            </p:txBody>
+          </p:sp>
+          <p:sp>
+            <p:nvSpPr>
+              <p:cNvPr id="35" name="Rectángulo 66">
+                <a:extLst>
+                  <a:ext uri="{FF2B5EF4-FFF2-40B4-BE49-F238E27FC236}">
+                    <a16:creationId xmlns:a16="http://schemas.microsoft.com/office/drawing/2014/main" id="{989767DA-D14B-FDBB-D97E-F8710ACC6CFD}"/>
+                  </a:ext>
+                </a:extLst>
+              </p:cNvPr>
+              <p:cNvSpPr/>
+              <p:nvPr/>
+            </p:nvSpPr>
+            <p:spPr>
+              <a:xfrm rot="19990860">
+                <a:off x="8380258" y="5051594"/>
+                <a:ext cx="63302" cy="63302"/>
+              </a:xfrm>
+              <a:prstGeom prst="rect">
+                <a:avLst/>
+              </a:prstGeom>
+            </p:spPr>
+            <p:style>
+              <a:lnRef idx="2">
+                <a:schemeClr val="accent1">
+                  <a:shade val="50000"/>
+                </a:schemeClr>
+              </a:lnRef>
+              <a:fillRef idx="1">
+                <a:schemeClr val="accent1"/>
+              </a:fillRef>
+              <a:effectRef idx="0">
+                <a:schemeClr val="accent1"/>
+              </a:effectRef>
+              <a:fontRef idx="minor">
+                <a:schemeClr val="lt1"/>
+              </a:fontRef>
+            </p:style>
+            <p:txBody>
+              <a:bodyPr rtlCol="0" anchor="ctr"/>
+              <a:lstStyle/>
+              <a:p>
+                <a:pPr algn="ctr"/>
+                <a:endParaRPr lang="es-MX"/>
+              </a:p>
+            </p:txBody>
+          </p:sp>
+          <p:grpSp>
+            <p:nvGrpSpPr>
+              <p:cNvPr id="36" name="Grupo 67">
+                <a:extLst>
+                  <a:ext uri="{FF2B5EF4-FFF2-40B4-BE49-F238E27FC236}">
+                    <a16:creationId xmlns:a16="http://schemas.microsoft.com/office/drawing/2014/main" id="{1262E64C-4DF1-9724-BF2F-31424E083E04}"/>
+                  </a:ext>
+                </a:extLst>
+              </p:cNvPr>
+              <p:cNvGrpSpPr/>
+              <p:nvPr/>
+            </p:nvGrpSpPr>
+            <p:grpSpPr>
+              <a:xfrm rot="19602821">
+                <a:off x="7992055" y="4756102"/>
+                <a:ext cx="663950" cy="344959"/>
+                <a:chOff x="10446969" y="5174945"/>
+                <a:chExt cx="663950" cy="344959"/>
+              </a:xfrm>
+            </p:grpSpPr>
+            <p:sp>
+              <p:nvSpPr>
+                <p:cNvPr id="37" name="CuadroTexto 68">
+                  <a:extLst>
+                    <a:ext uri="{FF2B5EF4-FFF2-40B4-BE49-F238E27FC236}">
+                      <a16:creationId xmlns:a16="http://schemas.microsoft.com/office/drawing/2014/main" id="{B3A53428-D969-361D-1CCC-C5B19F5633BE}"/>
+                    </a:ext>
+                  </a:extLst>
+                </p:cNvPr>
+                <p:cNvSpPr txBox="1"/>
+                <p:nvPr/>
+              </p:nvSpPr>
+              <p:spPr>
+                <a:xfrm rot="21482985">
+                  <a:off x="10480118" y="5174945"/>
+                  <a:ext cx="469891" cy="253916"/>
+                </a:xfrm>
+                <a:prstGeom prst="rect">
+                  <a:avLst/>
+                </a:prstGeom>
+                <a:noFill/>
+              </p:spPr>
+              <p:txBody>
+                <a:bodyPr wrap="square" rtlCol="0">
+                  <a:spAutoFit/>
+                </a:bodyPr>
+                <a:lstStyle/>
+                <a:p>
+                  <a:pPr algn="ctr"/>
+                  <a:r>
+                    <a:rPr lang="es-MX" sz="1050" b="1" spc="100" dirty="0">
+                      <a:solidFill>
+                        <a:schemeClr val="tx1"/>
+                      </a:solidFill>
+                      <a:effectLst>
+                        <a:outerShdw blurRad="38100" dist="38100" dir="2700000" algn="tl">
+                          <a:srgbClr val="000000">
+                            <a:alpha val="43137"/>
+                          </a:srgbClr>
+                        </a:outerShdw>
+                      </a:effectLst>
+                      <a:latin typeface="Agency FB" panose="020B0503020202020204" pitchFamily="34" charset="0"/>
+                    </a:rPr>
+                    <a:t>Gaia</a:t>
+                  </a:r>
+                  <a:endParaRPr lang="es-MX" sz="900" b="1" spc="100" dirty="0">
+                    <a:solidFill>
+                      <a:schemeClr val="tx1"/>
+                    </a:solidFill>
+                    <a:effectLst>
+                      <a:outerShdw blurRad="38100" dist="38100" dir="2700000" algn="tl">
+                        <a:srgbClr val="000000">
+                          <a:alpha val="43137"/>
+                        </a:srgbClr>
+                      </a:outerShdw>
+                    </a:effectLst>
+                    <a:latin typeface="Agency FB" panose="020B0503020202020204" pitchFamily="34" charset="0"/>
+                  </a:endParaRPr>
+                </a:p>
+              </p:txBody>
+            </p:sp>
+            <p:sp>
+              <p:nvSpPr>
+                <p:cNvPr id="38" name="CuadroTexto 69">
+                  <a:extLst>
+                    <a:ext uri="{FF2B5EF4-FFF2-40B4-BE49-F238E27FC236}">
+                      <a16:creationId xmlns:a16="http://schemas.microsoft.com/office/drawing/2014/main" id="{08C3F165-A6E5-DD81-D28C-090638E1417A}"/>
+                    </a:ext>
+                  </a:extLst>
+                </p:cNvPr>
+                <p:cNvSpPr txBox="1"/>
+                <p:nvPr/>
+              </p:nvSpPr>
+              <p:spPr>
+                <a:xfrm rot="21518147">
+                  <a:off x="10446969" y="5273683"/>
+                  <a:ext cx="663950" cy="246221"/>
+                </a:xfrm>
+                <a:prstGeom prst="rect">
+                  <a:avLst/>
+                </a:prstGeom>
+                <a:noFill/>
+              </p:spPr>
+              <p:txBody>
+                <a:bodyPr wrap="square" rtlCol="0">
+                  <a:spAutoFit/>
+                </a:bodyPr>
+                <a:lstStyle/>
+                <a:p>
+                  <a:pPr algn="ctr"/>
+                  <a:r>
+                    <a:rPr lang="es-MX" sz="1000" spc="50" dirty="0" err="1">
+                      <a:solidFill>
+                        <a:schemeClr val="tx1"/>
+                      </a:solidFill>
+                      <a:effectLst>
+                        <a:outerShdw blurRad="38100" dist="38100" dir="2700000" algn="tl">
+                          <a:srgbClr val="000000">
+                            <a:alpha val="43137"/>
+                          </a:srgbClr>
+                        </a:outerShdw>
+                      </a:effectLst>
+                      <a:latin typeface="Agency FB" panose="020B0503020202020204" pitchFamily="34" charset="0"/>
+                    </a:rPr>
+                    <a:t>inside</a:t>
+                  </a:r>
+                  <a:endParaRPr lang="es-MX" sz="700" spc="50" dirty="0">
+                    <a:solidFill>
+                      <a:schemeClr val="tx1"/>
+                    </a:solidFill>
+                    <a:effectLst>
+                      <a:outerShdw blurRad="38100" dist="38100" dir="2700000" algn="tl">
+                        <a:srgbClr val="000000">
+                          <a:alpha val="43137"/>
+                        </a:srgbClr>
+                      </a:outerShdw>
+                    </a:effectLst>
+                    <a:latin typeface="Agency FB" panose="020B0503020202020204" pitchFamily="34" charset="0"/>
+                  </a:endParaRPr>
+                </a:p>
+              </p:txBody>
+            </p:sp>
+          </p:grpSp>
+        </p:grpSp>
+      </p:grpSp>
+      <p:pic>
+        <p:nvPicPr>
+          <p:cNvPr id="40" name="Imagen 11">
+            <a:extLst>
+              <a:ext uri="{FF2B5EF4-FFF2-40B4-BE49-F238E27FC236}">
+                <a16:creationId xmlns:a16="http://schemas.microsoft.com/office/drawing/2014/main" id="{B5B61B05-E920-546A-2A79-CF681DF3BD54}"/>
+              </a:ext>
+            </a:extLst>
+          </p:cNvPr>
+          <p:cNvPicPr>
+            <a:picLocks noChangeAspect="1"/>
+          </p:cNvPicPr>
+          <p:nvPr/>
+        </p:nvPicPr>
+        <p:blipFill>
+          <a:blip r:embed="rId20">
+            <a:biLevel thresh="75000"/>
+          </a:blip>
+          <a:stretch>
+            <a:fillRect/>
+          </a:stretch>
+        </p:blipFill>
+        <p:spPr>
+          <a:xfrm>
+            <a:off x="777602" y="1190521"/>
+            <a:ext cx="1107603" cy="1107603"/>
+          </a:xfrm>
+          <a:prstGeom prst="rect">
+            <a:avLst/>
+          </a:prstGeom>
+          <a:effectLst>
+            <a:outerShdw blurRad="50800" dist="38100" dir="2700000" algn="tl" rotWithShape="0">
+              <a:prstClr val="black">
+                <a:alpha val="40000"/>
+              </a:prstClr>
+            </a:outerShdw>
+          </a:effectLst>
+        </p:spPr>
+      </p:pic>
+      <p:pic>
+        <p:nvPicPr>
+          <p:cNvPr id="41" name="Imagen 11">
+            <a:extLst>
+              <a:ext uri="{FF2B5EF4-FFF2-40B4-BE49-F238E27FC236}">
+                <a16:creationId xmlns:a16="http://schemas.microsoft.com/office/drawing/2014/main" id="{603F09A6-8014-EDAF-F952-D8C3E8737450}"/>
+              </a:ext>
+            </a:extLst>
+          </p:cNvPr>
+          <p:cNvPicPr>
+            <a:picLocks noChangeAspect="1"/>
+          </p:cNvPicPr>
+          <p:nvPr/>
+        </p:nvPicPr>
+        <p:blipFill>
+          <a:blip r:embed="rId20">
+            <a:biLevel thresh="75000"/>
+          </a:blip>
+          <a:stretch>
+            <a:fillRect/>
+          </a:stretch>
+        </p:blipFill>
+        <p:spPr>
+          <a:xfrm>
+            <a:off x="1798857" y="1190521"/>
+            <a:ext cx="1107603" cy="1107603"/>
+          </a:xfrm>
+          <a:prstGeom prst="rect">
+            <a:avLst/>
+          </a:prstGeom>
+          <a:effectLst>
+            <a:outerShdw blurRad="50800" dist="38100" dir="2700000" algn="tl" rotWithShape="0">
+              <a:prstClr val="black">
+                <a:alpha val="40000"/>
+              </a:prstClr>
+            </a:outerShdw>
+          </a:effectLst>
+        </p:spPr>
+      </p:pic>
+      <p:pic>
+        <p:nvPicPr>
+          <p:cNvPr id="42" name="Imagen 11">
+            <a:extLst>
+              <a:ext uri="{FF2B5EF4-FFF2-40B4-BE49-F238E27FC236}">
+                <a16:creationId xmlns:a16="http://schemas.microsoft.com/office/drawing/2014/main" id="{32803BE8-8B88-D79D-3527-7CBBD29B5747}"/>
+              </a:ext>
+            </a:extLst>
+          </p:cNvPr>
+          <p:cNvPicPr>
+            <a:picLocks noChangeAspect="1"/>
+          </p:cNvPicPr>
+          <p:nvPr/>
+        </p:nvPicPr>
+        <p:blipFill>
+          <a:blip r:embed="rId20">
+            <a:biLevel thresh="75000"/>
+          </a:blip>
+          <a:stretch>
+            <a:fillRect/>
+          </a:stretch>
+        </p:blipFill>
+        <p:spPr>
+          <a:xfrm>
+            <a:off x="2820112" y="1190521"/>
+            <a:ext cx="1107603" cy="1107603"/>
+          </a:xfrm>
+          <a:prstGeom prst="rect">
+            <a:avLst/>
+          </a:prstGeom>
+          <a:effectLst>
+            <a:outerShdw blurRad="50800" dist="38100" dir="2700000" algn="tl" rotWithShape="0">
+              <a:prstClr val="black">
+                <a:alpha val="40000"/>
+              </a:prstClr>
+            </a:outerShdw>
+          </a:effectLst>
+        </p:spPr>
+      </p:pic>
+      <p:pic>
+        <p:nvPicPr>
+          <p:cNvPr id="43" name="Imagen 11">
+            <a:extLst>
+              <a:ext uri="{FF2B5EF4-FFF2-40B4-BE49-F238E27FC236}">
+                <a16:creationId xmlns:a16="http://schemas.microsoft.com/office/drawing/2014/main" id="{C6E319E5-4240-1074-39C8-F6BCAB60624E}"/>
+              </a:ext>
+            </a:extLst>
+          </p:cNvPr>
+          <p:cNvPicPr>
+            <a:picLocks noChangeAspect="1"/>
+          </p:cNvPicPr>
+          <p:nvPr/>
+        </p:nvPicPr>
+        <p:blipFill>
+          <a:blip r:embed="rId20">
+            <a:biLevel thresh="75000"/>
+          </a:blip>
+          <a:stretch>
+            <a:fillRect/>
+          </a:stretch>
+        </p:blipFill>
+        <p:spPr>
+          <a:xfrm>
+            <a:off x="3841367" y="1190521"/>
+            <a:ext cx="1107603" cy="1107603"/>
+          </a:xfrm>
+          <a:prstGeom prst="rect">
+            <a:avLst/>
+          </a:prstGeom>
+          <a:effectLst>
+            <a:outerShdw blurRad="50800" dist="38100" dir="2700000" algn="tl" rotWithShape="0">
+              <a:prstClr val="black">
+                <a:alpha val="40000"/>
+              </a:prstClr>
+            </a:outerShdw>
+          </a:effectLst>
+        </p:spPr>
+      </p:pic>
+      <p:pic>
+        <p:nvPicPr>
+          <p:cNvPr id="44" name="Imagen 11">
+            <a:extLst>
+              <a:ext uri="{FF2B5EF4-FFF2-40B4-BE49-F238E27FC236}">
+                <a16:creationId xmlns:a16="http://schemas.microsoft.com/office/drawing/2014/main" id="{AFBC9B46-C83B-0B05-A079-235EAE4B00AD}"/>
+              </a:ext>
+            </a:extLst>
+          </p:cNvPr>
+          <p:cNvPicPr>
+            <a:picLocks noChangeAspect="1"/>
+          </p:cNvPicPr>
+          <p:nvPr/>
+        </p:nvPicPr>
+        <p:blipFill>
+          <a:blip r:embed="rId20">
+            <a:biLevel thresh="75000"/>
+          </a:blip>
+          <a:stretch>
+            <a:fillRect/>
+          </a:stretch>
+        </p:blipFill>
+        <p:spPr>
+          <a:xfrm>
+            <a:off x="4862622" y="1190521"/>
+            <a:ext cx="1107603" cy="1107603"/>
+          </a:xfrm>
+          <a:prstGeom prst="rect">
+            <a:avLst/>
+          </a:prstGeom>
+          <a:effectLst>
+            <a:outerShdw blurRad="50800" dist="38100" dir="2700000" algn="tl" rotWithShape="0">
+              <a:prstClr val="black">
+                <a:alpha val="40000"/>
+              </a:prstClr>
+            </a:outerShdw>
+          </a:effectLst>
+        </p:spPr>
+      </p:pic>
+      <p:pic>
+        <p:nvPicPr>
+          <p:cNvPr id="45" name="Imagen 11">
+            <a:extLst>
+              <a:ext uri="{FF2B5EF4-FFF2-40B4-BE49-F238E27FC236}">
+                <a16:creationId xmlns:a16="http://schemas.microsoft.com/office/drawing/2014/main" id="{44655A61-E47E-C2E6-6B21-479C4E27B2A4}"/>
+              </a:ext>
+            </a:extLst>
+          </p:cNvPr>
+          <p:cNvPicPr>
+            <a:picLocks noChangeAspect="1"/>
+          </p:cNvPicPr>
+          <p:nvPr/>
+        </p:nvPicPr>
+        <p:blipFill>
+          <a:blip r:embed="rId20">
+            <a:biLevel thresh="75000"/>
+          </a:blip>
+          <a:stretch>
+            <a:fillRect/>
+          </a:stretch>
+        </p:blipFill>
+        <p:spPr>
+          <a:xfrm>
+            <a:off x="5883877" y="1190521"/>
+            <a:ext cx="1107603" cy="1107603"/>
+          </a:xfrm>
+          <a:prstGeom prst="rect">
+            <a:avLst/>
+          </a:prstGeom>
+          <a:effectLst>
+            <a:outerShdw blurRad="50800" dist="38100" dir="2700000" algn="tl" rotWithShape="0">
+              <a:prstClr val="black">
+                <a:alpha val="40000"/>
+              </a:prstClr>
+            </a:outerShdw>
+          </a:effectLst>
+        </p:spPr>
+      </p:pic>
+      <p:pic>
+        <p:nvPicPr>
+          <p:cNvPr id="46" name="Imagen 11">
+            <a:extLst>
+              <a:ext uri="{FF2B5EF4-FFF2-40B4-BE49-F238E27FC236}">
+                <a16:creationId xmlns:a16="http://schemas.microsoft.com/office/drawing/2014/main" id="{54CC7172-78BB-23B1-F7DB-4BC93B95A013}"/>
+              </a:ext>
+            </a:extLst>
+          </p:cNvPr>
+          <p:cNvPicPr>
+            <a:picLocks noChangeAspect="1"/>
+          </p:cNvPicPr>
+          <p:nvPr/>
+        </p:nvPicPr>
+        <p:blipFill>
+          <a:blip r:embed="rId20">
+            <a:biLevel thresh="75000"/>
+          </a:blip>
+          <a:stretch>
+            <a:fillRect/>
+          </a:stretch>
+        </p:blipFill>
+        <p:spPr>
+          <a:xfrm>
+            <a:off x="6905132" y="1190521"/>
+            <a:ext cx="1107603" cy="1107603"/>
+          </a:xfrm>
+          <a:prstGeom prst="rect">
+            <a:avLst/>
+          </a:prstGeom>
+          <a:effectLst>
+            <a:outerShdw blurRad="50800" dist="38100" dir="2700000" algn="tl" rotWithShape="0">
+              <a:prstClr val="black">
+                <a:alpha val="40000"/>
+              </a:prstClr>
+            </a:outerShdw>
+          </a:effectLst>
+        </p:spPr>
+      </p:pic>
+      <p:pic>
+        <p:nvPicPr>
+          <p:cNvPr id="47" name="Imagen 11">
+            <a:extLst>
+              <a:ext uri="{FF2B5EF4-FFF2-40B4-BE49-F238E27FC236}">
+                <a16:creationId xmlns:a16="http://schemas.microsoft.com/office/drawing/2014/main" id="{F5E9F489-893E-DE85-0192-6501F7EE3BF3}"/>
+              </a:ext>
+            </a:extLst>
+          </p:cNvPr>
+          <p:cNvPicPr>
+            <a:picLocks noChangeAspect="1"/>
+          </p:cNvPicPr>
+          <p:nvPr/>
+        </p:nvPicPr>
+        <p:blipFill>
+          <a:blip r:embed="rId20">
+            <a:biLevel thresh="75000"/>
+          </a:blip>
+          <a:stretch>
+            <a:fillRect/>
+          </a:stretch>
+        </p:blipFill>
+        <p:spPr>
+          <a:xfrm>
+            <a:off x="7926387" y="1190521"/>
+            <a:ext cx="1107603" cy="1107603"/>
+          </a:xfrm>
+          <a:prstGeom prst="rect">
+            <a:avLst/>
+          </a:prstGeom>
+          <a:effectLst>
+            <a:outerShdw blurRad="50800" dist="38100" dir="2700000" algn="tl" rotWithShape="0">
+              <a:prstClr val="black">
+                <a:alpha val="40000"/>
+              </a:prstClr>
+            </a:outerShdw>
+          </a:effectLst>
+        </p:spPr>
+      </p:pic>
+      <p:pic>
+        <p:nvPicPr>
+          <p:cNvPr id="48" name="Imagen 11">
+            <a:extLst>
+              <a:ext uri="{FF2B5EF4-FFF2-40B4-BE49-F238E27FC236}">
+                <a16:creationId xmlns:a16="http://schemas.microsoft.com/office/drawing/2014/main" id="{DA4576EA-A7D9-DFAD-8C05-09BE9E06A283}"/>
+              </a:ext>
+            </a:extLst>
+          </p:cNvPr>
+          <p:cNvPicPr>
+            <a:picLocks noChangeAspect="1"/>
+          </p:cNvPicPr>
+          <p:nvPr/>
+        </p:nvPicPr>
+        <p:blipFill>
+          <a:blip r:embed="rId20">
+            <a:biLevel thresh="75000"/>
+          </a:blip>
+          <a:stretch>
+            <a:fillRect/>
+          </a:stretch>
+        </p:blipFill>
+        <p:spPr>
+          <a:xfrm>
+            <a:off x="8947642" y="1190521"/>
+            <a:ext cx="1107603" cy="1107603"/>
+          </a:xfrm>
+          <a:prstGeom prst="rect">
+            <a:avLst/>
+          </a:prstGeom>
+          <a:effectLst>
+            <a:outerShdw blurRad="50800" dist="38100" dir="2700000" algn="tl" rotWithShape="0">
+              <a:prstClr val="black">
+                <a:alpha val="40000"/>
+              </a:prstClr>
+            </a:outerShdw>
+          </a:effectLst>
+        </p:spPr>
+      </p:pic>
+      <p:pic>
+        <p:nvPicPr>
+          <p:cNvPr id="49" name="Imagen 11">
+            <a:extLst>
+              <a:ext uri="{FF2B5EF4-FFF2-40B4-BE49-F238E27FC236}">
+                <a16:creationId xmlns:a16="http://schemas.microsoft.com/office/drawing/2014/main" id="{A36D7D95-D88B-C213-BF56-AB1D3FAB95C4}"/>
+              </a:ext>
+            </a:extLst>
+          </p:cNvPr>
+          <p:cNvPicPr>
+            <a:picLocks noChangeAspect="1"/>
+          </p:cNvPicPr>
+          <p:nvPr/>
+        </p:nvPicPr>
+        <p:blipFill>
+          <a:blip r:embed="rId20">
+            <a:biLevel thresh="75000"/>
+          </a:blip>
+          <a:stretch>
+            <a:fillRect/>
+          </a:stretch>
+        </p:blipFill>
+        <p:spPr>
+          <a:xfrm>
+            <a:off x="9968897" y="1190521"/>
+            <a:ext cx="1107603" cy="1107603"/>
+          </a:xfrm>
+          <a:prstGeom prst="rect">
+            <a:avLst/>
+          </a:prstGeom>
+          <a:effectLst>
+            <a:outerShdw blurRad="50800" dist="38100" dir="2700000" algn="tl" rotWithShape="0">
+              <a:prstClr val="black">
+                <a:alpha val="40000"/>
+              </a:prstClr>
+            </a:outerShdw>
+          </a:effectLst>
+        </p:spPr>
+      </p:pic>
+      <p:pic>
+        <p:nvPicPr>
+          <p:cNvPr id="50" name="Marcador de posición de contenido 5">
+            <a:extLst>
+              <a:ext uri="{FF2B5EF4-FFF2-40B4-BE49-F238E27FC236}">
+                <a16:creationId xmlns:a16="http://schemas.microsoft.com/office/drawing/2014/main" id="{9EDAED2B-11C9-53E5-B1CE-A6B61966C6C6}"/>
+              </a:ext>
+            </a:extLst>
+          </p:cNvPr>
+          <p:cNvPicPr>
+            <a:picLocks noGrp="1" noChangeAspect="1"/>
+          </p:cNvPicPr>
+          <p:nvPr/>
+        </p:nvPicPr>
+        <p:blipFill>
+          <a:blip r:embed="rId2"/>
+          <a:stretch>
+            <a:fillRect/>
+          </a:stretch>
+        </p:blipFill>
+        <p:spPr>
+          <a:xfrm>
+            <a:off x="6094602" y="2307990"/>
+            <a:ext cx="2777315" cy="654866"/>
+          </a:xfrm>
+          <a:prstGeom prst="rect">
+            <a:avLst/>
+          </a:prstGeom>
+          <a:effectLst/>
+        </p:spPr>
+      </p:pic>
+      <p:cxnSp>
+        <p:nvCxnSpPr>
+          <p:cNvPr id="51" name="Conector recto 6">
+            <a:extLst>
+              <a:ext uri="{FF2B5EF4-FFF2-40B4-BE49-F238E27FC236}">
+                <a16:creationId xmlns:a16="http://schemas.microsoft.com/office/drawing/2014/main" id="{957B27E7-3200-F661-C36F-B42BA9605FE3}"/>
+              </a:ext>
+            </a:extLst>
+          </p:cNvPr>
+          <p:cNvCxnSpPr>
+            <a:cxnSpLocks/>
+          </p:cNvCxnSpPr>
+          <p:nvPr/>
+        </p:nvCxnSpPr>
+        <p:spPr>
+          <a:xfrm>
+            <a:off x="6094602" y="2959336"/>
+            <a:ext cx="4995336" cy="0"/>
+          </a:xfrm>
+          <a:prstGeom prst="line">
+            <a:avLst/>
+          </a:prstGeom>
+          <a:effectLst>
+            <a:outerShdw blurRad="50800" dist="38100" dir="2700000" algn="tl" rotWithShape="0">
+              <a:prstClr val="black">
+                <a:alpha val="40000"/>
+              </a:prstClr>
+            </a:outerShdw>
+          </a:effectLst>
+        </p:spPr>
+        <p:style>
+          <a:lnRef idx="3">
+            <a:schemeClr val="dk1"/>
+          </a:lnRef>
+          <a:fillRef idx="0">
+            <a:schemeClr val="dk1"/>
+          </a:fillRef>
+          <a:effectRef idx="2">
+            <a:schemeClr val="dk1"/>
+          </a:effectRef>
+          <a:fontRef idx="minor">
+            <a:schemeClr val="tx1"/>
+          </a:fontRef>
+        </p:style>
+      </p:cxnSp>
+      <p:pic>
+        <p:nvPicPr>
+          <p:cNvPr id="52" name="Imagen 11">
+            <a:extLst>
+              <a:ext uri="{FF2B5EF4-FFF2-40B4-BE49-F238E27FC236}">
+                <a16:creationId xmlns:a16="http://schemas.microsoft.com/office/drawing/2014/main" id="{C0ECE293-92F0-7B9D-9D9A-160AE46DDBED}"/>
+              </a:ext>
+            </a:extLst>
+          </p:cNvPr>
+          <p:cNvPicPr>
+            <a:picLocks noChangeAspect="1"/>
+          </p:cNvPicPr>
+          <p:nvPr/>
+        </p:nvPicPr>
+        <p:blipFill>
+          <a:blip r:embed="rId20">
+            <a:biLevel thresh="75000"/>
+          </a:blip>
+          <a:stretch>
+            <a:fillRect/>
+          </a:stretch>
+        </p:blipFill>
+        <p:spPr>
+          <a:xfrm>
+            <a:off x="777602" y="195577"/>
+            <a:ext cx="1107603" cy="1107603"/>
+          </a:xfrm>
+          <a:prstGeom prst="rect">
+            <a:avLst/>
+          </a:prstGeom>
+          <a:effectLst>
+            <a:outerShdw blurRad="50800" dist="38100" dir="2700000" algn="tl" rotWithShape="0">
+              <a:prstClr val="black">
+                <a:alpha val="40000"/>
+              </a:prstClr>
+            </a:outerShdw>
+          </a:effectLst>
+        </p:spPr>
+      </p:pic>
+      <p:pic>
+        <p:nvPicPr>
+          <p:cNvPr id="53" name="Imagen 11">
+            <a:extLst>
+              <a:ext uri="{FF2B5EF4-FFF2-40B4-BE49-F238E27FC236}">
+                <a16:creationId xmlns:a16="http://schemas.microsoft.com/office/drawing/2014/main" id="{1F76866A-8418-5A42-6652-9D8FC0524AE0}"/>
+              </a:ext>
+            </a:extLst>
+          </p:cNvPr>
+          <p:cNvPicPr>
+            <a:picLocks noChangeAspect="1"/>
+          </p:cNvPicPr>
+          <p:nvPr/>
+        </p:nvPicPr>
+        <p:blipFill>
+          <a:blip r:embed="rId20">
+            <a:biLevel thresh="75000"/>
+          </a:blip>
+          <a:stretch>
+            <a:fillRect/>
+          </a:stretch>
+        </p:blipFill>
+        <p:spPr>
+          <a:xfrm>
+            <a:off x="1798857" y="195577"/>
+            <a:ext cx="1107603" cy="1107603"/>
+          </a:xfrm>
+          <a:prstGeom prst="rect">
+            <a:avLst/>
+          </a:prstGeom>
+          <a:effectLst>
+            <a:outerShdw blurRad="50800" dist="38100" dir="2700000" algn="tl" rotWithShape="0">
+              <a:prstClr val="black">
+                <a:alpha val="40000"/>
+              </a:prstClr>
+            </a:outerShdw>
+          </a:effectLst>
+        </p:spPr>
+      </p:pic>
+      <p:pic>
+        <p:nvPicPr>
+          <p:cNvPr id="54" name="Imagen 11">
+            <a:extLst>
+              <a:ext uri="{FF2B5EF4-FFF2-40B4-BE49-F238E27FC236}">
+                <a16:creationId xmlns:a16="http://schemas.microsoft.com/office/drawing/2014/main" id="{F7567917-1399-DAE7-7656-818D2C85A328}"/>
+              </a:ext>
+            </a:extLst>
+          </p:cNvPr>
+          <p:cNvPicPr>
+            <a:picLocks noChangeAspect="1"/>
+          </p:cNvPicPr>
+          <p:nvPr/>
+        </p:nvPicPr>
+        <p:blipFill>
+          <a:blip r:embed="rId20">
+            <a:biLevel thresh="75000"/>
+          </a:blip>
+          <a:stretch>
+            <a:fillRect/>
+          </a:stretch>
+        </p:blipFill>
+        <p:spPr>
+          <a:xfrm>
+            <a:off x="2820112" y="195577"/>
+            <a:ext cx="1107603" cy="1107603"/>
+          </a:xfrm>
+          <a:prstGeom prst="rect">
+            <a:avLst/>
+          </a:prstGeom>
+          <a:effectLst>
+            <a:outerShdw blurRad="50800" dist="38100" dir="2700000" algn="tl" rotWithShape="0">
+              <a:prstClr val="black">
+                <a:alpha val="40000"/>
+              </a:prstClr>
+            </a:outerShdw>
+          </a:effectLst>
+        </p:spPr>
+      </p:pic>
+      <p:pic>
+        <p:nvPicPr>
+          <p:cNvPr id="55" name="Imagen 11">
+            <a:extLst>
+              <a:ext uri="{FF2B5EF4-FFF2-40B4-BE49-F238E27FC236}">
+                <a16:creationId xmlns:a16="http://schemas.microsoft.com/office/drawing/2014/main" id="{9CA10610-2F9E-2A2E-9FED-54C22F18C081}"/>
+              </a:ext>
+            </a:extLst>
+          </p:cNvPr>
+          <p:cNvPicPr>
+            <a:picLocks noChangeAspect="1"/>
+          </p:cNvPicPr>
+          <p:nvPr/>
+        </p:nvPicPr>
+        <p:blipFill>
+          <a:blip r:embed="rId20">
+            <a:biLevel thresh="75000"/>
+          </a:blip>
+          <a:stretch>
+            <a:fillRect/>
+          </a:stretch>
+        </p:blipFill>
+        <p:spPr>
+          <a:xfrm>
+            <a:off x="3841367" y="195577"/>
+            <a:ext cx="1107603" cy="1107603"/>
+          </a:xfrm>
+          <a:prstGeom prst="rect">
+            <a:avLst/>
+          </a:prstGeom>
+          <a:effectLst>
+            <a:outerShdw blurRad="50800" dist="38100" dir="2700000" algn="tl" rotWithShape="0">
+              <a:prstClr val="black">
+                <a:alpha val="40000"/>
+              </a:prstClr>
+            </a:outerShdw>
+          </a:effectLst>
+        </p:spPr>
+      </p:pic>
+      <p:pic>
+        <p:nvPicPr>
+          <p:cNvPr id="56" name="Imagen 11">
+            <a:extLst>
+              <a:ext uri="{FF2B5EF4-FFF2-40B4-BE49-F238E27FC236}">
+                <a16:creationId xmlns:a16="http://schemas.microsoft.com/office/drawing/2014/main" id="{A09734AE-73C4-7B27-3C9E-17ECC875704E}"/>
+              </a:ext>
+            </a:extLst>
+          </p:cNvPr>
+          <p:cNvPicPr>
+            <a:picLocks noChangeAspect="1"/>
+          </p:cNvPicPr>
+          <p:nvPr/>
+        </p:nvPicPr>
+        <p:blipFill>
+          <a:blip r:embed="rId20">
+            <a:biLevel thresh="75000"/>
+          </a:blip>
+          <a:stretch>
+            <a:fillRect/>
+          </a:stretch>
+        </p:blipFill>
+        <p:spPr>
+          <a:xfrm>
+            <a:off x="4862622" y="195577"/>
+            <a:ext cx="1107603" cy="1107603"/>
+          </a:xfrm>
+          <a:prstGeom prst="rect">
+            <a:avLst/>
+          </a:prstGeom>
+          <a:effectLst>
+            <a:outerShdw blurRad="50800" dist="38100" dir="2700000" algn="tl" rotWithShape="0">
+              <a:prstClr val="black">
+                <a:alpha val="40000"/>
+              </a:prstClr>
+            </a:outerShdw>
+          </a:effectLst>
+        </p:spPr>
+      </p:pic>
+      <p:pic>
+        <p:nvPicPr>
+          <p:cNvPr id="57" name="Imagen 11">
+            <a:extLst>
+              <a:ext uri="{FF2B5EF4-FFF2-40B4-BE49-F238E27FC236}">
+                <a16:creationId xmlns:a16="http://schemas.microsoft.com/office/drawing/2014/main" id="{585C50B2-4507-47B4-C01D-74DD95BBE064}"/>
+              </a:ext>
+            </a:extLst>
+          </p:cNvPr>
+          <p:cNvPicPr>
+            <a:picLocks noChangeAspect="1"/>
+          </p:cNvPicPr>
+          <p:nvPr/>
+        </p:nvPicPr>
+        <p:blipFill>
+          <a:blip r:embed="rId20">
+            <a:biLevel thresh="75000"/>
+          </a:blip>
+          <a:stretch>
+            <a:fillRect/>
+          </a:stretch>
+        </p:blipFill>
+        <p:spPr>
+          <a:xfrm>
+            <a:off x="5883877" y="195577"/>
+            <a:ext cx="1107603" cy="1107603"/>
+          </a:xfrm>
+          <a:prstGeom prst="rect">
+            <a:avLst/>
+          </a:prstGeom>
+          <a:effectLst>
+            <a:outerShdw blurRad="50800" dist="38100" dir="2700000" algn="tl" rotWithShape="0">
+              <a:prstClr val="black">
+                <a:alpha val="40000"/>
+              </a:prstClr>
+            </a:outerShdw>
+          </a:effectLst>
+        </p:spPr>
+      </p:pic>
+      <p:pic>
+        <p:nvPicPr>
+          <p:cNvPr id="58" name="Imagen 11">
+            <a:extLst>
+              <a:ext uri="{FF2B5EF4-FFF2-40B4-BE49-F238E27FC236}">
+                <a16:creationId xmlns:a16="http://schemas.microsoft.com/office/drawing/2014/main" id="{2EF1CC46-17F6-2A80-392F-0C331BFE9879}"/>
+              </a:ext>
+            </a:extLst>
+          </p:cNvPr>
+          <p:cNvPicPr>
+            <a:picLocks noChangeAspect="1"/>
+          </p:cNvPicPr>
+          <p:nvPr/>
+        </p:nvPicPr>
+        <p:blipFill>
+          <a:blip r:embed="rId20">
+            <a:biLevel thresh="75000"/>
+          </a:blip>
+          <a:stretch>
+            <a:fillRect/>
+          </a:stretch>
+        </p:blipFill>
+        <p:spPr>
+          <a:xfrm>
+            <a:off x="6905132" y="195577"/>
+            <a:ext cx="1107603" cy="1107603"/>
+          </a:xfrm>
+          <a:prstGeom prst="rect">
+            <a:avLst/>
+          </a:prstGeom>
+          <a:effectLst>
+            <a:outerShdw blurRad="50800" dist="38100" dir="2700000" algn="tl" rotWithShape="0">
+              <a:prstClr val="black">
+                <a:alpha val="40000"/>
+              </a:prstClr>
+            </a:outerShdw>
+          </a:effectLst>
+        </p:spPr>
+      </p:pic>
+      <p:pic>
+        <p:nvPicPr>
+          <p:cNvPr id="59" name="Imagen 11">
+            <a:extLst>
+              <a:ext uri="{FF2B5EF4-FFF2-40B4-BE49-F238E27FC236}">
+                <a16:creationId xmlns:a16="http://schemas.microsoft.com/office/drawing/2014/main" id="{B8EC848E-89F9-65BF-EB3B-A2471D90FDBB}"/>
+              </a:ext>
+            </a:extLst>
+          </p:cNvPr>
+          <p:cNvPicPr>
+            <a:picLocks noChangeAspect="1"/>
+          </p:cNvPicPr>
+          <p:nvPr/>
+        </p:nvPicPr>
+        <p:blipFill>
+          <a:blip r:embed="rId20">
+            <a:biLevel thresh="75000"/>
+          </a:blip>
+          <a:stretch>
+            <a:fillRect/>
+          </a:stretch>
+        </p:blipFill>
+        <p:spPr>
+          <a:xfrm>
+            <a:off x="7926387" y="195577"/>
+            <a:ext cx="1107603" cy="1107603"/>
+          </a:xfrm>
+          <a:prstGeom prst="rect">
+            <a:avLst/>
+          </a:prstGeom>
+          <a:effectLst>
+            <a:outerShdw blurRad="50800" dist="38100" dir="2700000" algn="tl" rotWithShape="0">
+              <a:prstClr val="black">
+                <a:alpha val="40000"/>
+              </a:prstClr>
+            </a:outerShdw>
+          </a:effectLst>
+        </p:spPr>
+      </p:pic>
+      <p:pic>
+        <p:nvPicPr>
+          <p:cNvPr id="60" name="Imagen 11">
+            <a:extLst>
+              <a:ext uri="{FF2B5EF4-FFF2-40B4-BE49-F238E27FC236}">
+                <a16:creationId xmlns:a16="http://schemas.microsoft.com/office/drawing/2014/main" id="{E2656CD5-9B00-1511-6821-104130FCBF60}"/>
+              </a:ext>
+            </a:extLst>
+          </p:cNvPr>
+          <p:cNvPicPr>
+            <a:picLocks noChangeAspect="1"/>
+          </p:cNvPicPr>
+          <p:nvPr/>
+        </p:nvPicPr>
+        <p:blipFill>
+          <a:blip r:embed="rId20">
+            <a:biLevel thresh="75000"/>
+          </a:blip>
+          <a:stretch>
+            <a:fillRect/>
+          </a:stretch>
+        </p:blipFill>
+        <p:spPr>
+          <a:xfrm>
+            <a:off x="8947642" y="195577"/>
+            <a:ext cx="1107603" cy="1107603"/>
+          </a:xfrm>
+          <a:prstGeom prst="rect">
+            <a:avLst/>
+          </a:prstGeom>
+          <a:effectLst>
+            <a:outerShdw blurRad="50800" dist="38100" dir="2700000" algn="tl" rotWithShape="0">
+              <a:prstClr val="black">
+                <a:alpha val="40000"/>
+              </a:prstClr>
+            </a:outerShdw>
+          </a:effectLst>
+        </p:spPr>
+      </p:pic>
+      <p:pic>
+        <p:nvPicPr>
+          <p:cNvPr id="61" name="Imagen 11">
+            <a:extLst>
+              <a:ext uri="{FF2B5EF4-FFF2-40B4-BE49-F238E27FC236}">
+                <a16:creationId xmlns:a16="http://schemas.microsoft.com/office/drawing/2014/main" id="{26DA4381-CC99-960B-9EE8-A844D30FAAB3}"/>
+              </a:ext>
+            </a:extLst>
+          </p:cNvPr>
+          <p:cNvPicPr>
+            <a:picLocks noChangeAspect="1"/>
+          </p:cNvPicPr>
+          <p:nvPr/>
+        </p:nvPicPr>
+        <p:blipFill>
+          <a:blip r:embed="rId20">
+            <a:biLevel thresh="75000"/>
+          </a:blip>
+          <a:stretch>
+            <a:fillRect/>
+          </a:stretch>
+        </p:blipFill>
+        <p:spPr>
+          <a:xfrm>
+            <a:off x="9968897" y="195577"/>
+            <a:ext cx="1107603" cy="1107603"/>
+          </a:xfrm>
+          <a:prstGeom prst="rect">
+            <a:avLst/>
+          </a:prstGeom>
+          <a:effectLst>
+            <a:outerShdw blurRad="50800" dist="38100" dir="2700000" algn="tl" rotWithShape="0">
+              <a:prstClr val="black">
+                <a:alpha val="40000"/>
+              </a:prstClr>
+            </a:outerShdw>
+          </a:effectLst>
+        </p:spPr>
+      </p:pic>
+      <p:pic>
+        <p:nvPicPr>
+          <p:cNvPr id="62" name="Marcador de posición de contenido 5">
+            <a:extLst>
+              <a:ext uri="{FF2B5EF4-FFF2-40B4-BE49-F238E27FC236}">
+                <a16:creationId xmlns:a16="http://schemas.microsoft.com/office/drawing/2014/main" id="{B233C504-CEAB-5F65-B410-5C83770AB276}"/>
+              </a:ext>
+            </a:extLst>
+          </p:cNvPr>
+          <p:cNvPicPr>
+            <a:picLocks noGrp="1" noChangeAspect="1"/>
+          </p:cNvPicPr>
+          <p:nvPr/>
+        </p:nvPicPr>
+        <p:blipFill>
+          <a:blip r:embed="rId2"/>
+          <a:stretch>
+            <a:fillRect/>
+          </a:stretch>
+        </p:blipFill>
+        <p:spPr>
+          <a:xfrm>
+            <a:off x="887932" y="3032656"/>
+            <a:ext cx="2777315" cy="654866"/>
+          </a:xfrm>
+          <a:prstGeom prst="rect">
+            <a:avLst/>
+          </a:prstGeom>
+          <a:effectLst/>
+        </p:spPr>
+      </p:pic>
+      <p:cxnSp>
+        <p:nvCxnSpPr>
+          <p:cNvPr id="63" name="Conector recto 6">
+            <a:extLst>
+              <a:ext uri="{FF2B5EF4-FFF2-40B4-BE49-F238E27FC236}">
+                <a16:creationId xmlns:a16="http://schemas.microsoft.com/office/drawing/2014/main" id="{836081ED-DE0F-8096-4B6F-B25DAB91A429}"/>
+              </a:ext>
+            </a:extLst>
+          </p:cNvPr>
+          <p:cNvCxnSpPr>
+            <a:cxnSpLocks/>
+          </p:cNvCxnSpPr>
+          <p:nvPr/>
+        </p:nvCxnSpPr>
+        <p:spPr>
+          <a:xfrm>
+            <a:off x="887932" y="3684002"/>
+            <a:ext cx="4995336" cy="0"/>
+          </a:xfrm>
+          <a:prstGeom prst="line">
+            <a:avLst/>
+          </a:prstGeom>
+          <a:effectLst>
+            <a:outerShdw blurRad="50800" dist="38100" dir="2700000" algn="tl" rotWithShape="0">
+              <a:prstClr val="black">
+                <a:alpha val="40000"/>
+              </a:prstClr>
+            </a:outerShdw>
+          </a:effectLst>
+        </p:spPr>
+        <p:style>
+          <a:lnRef idx="3">
+            <a:schemeClr val="dk1"/>
+          </a:lnRef>
+          <a:fillRef idx="0">
+            <a:schemeClr val="dk1"/>
+          </a:fillRef>
+          <a:effectRef idx="2">
+            <a:schemeClr val="dk1"/>
+          </a:effectRef>
+          <a:fontRef idx="minor">
+            <a:schemeClr val="tx1"/>
+          </a:fontRef>
+        </p:style>
+      </p:cxnSp>
+      <p:pic>
+        <p:nvPicPr>
+          <p:cNvPr id="64" name="Marcador de posición de contenido 5">
+            <a:extLst>
+              <a:ext uri="{FF2B5EF4-FFF2-40B4-BE49-F238E27FC236}">
+                <a16:creationId xmlns:a16="http://schemas.microsoft.com/office/drawing/2014/main" id="{C48C0F61-AF34-71A2-2A22-6A8F088299A3}"/>
+              </a:ext>
+            </a:extLst>
+          </p:cNvPr>
+          <p:cNvPicPr>
+            <a:picLocks noGrp="1" noChangeAspect="1"/>
+          </p:cNvPicPr>
+          <p:nvPr/>
+        </p:nvPicPr>
+        <p:blipFill>
+          <a:blip r:embed="rId2"/>
+          <a:stretch>
+            <a:fillRect/>
+          </a:stretch>
+        </p:blipFill>
+        <p:spPr>
+          <a:xfrm>
+            <a:off x="6094602" y="3032656"/>
+            <a:ext cx="2777315" cy="654866"/>
+          </a:xfrm>
+          <a:prstGeom prst="rect">
+            <a:avLst/>
+          </a:prstGeom>
+          <a:effectLst/>
+        </p:spPr>
+      </p:pic>
+      <p:cxnSp>
+        <p:nvCxnSpPr>
+          <p:cNvPr id="65" name="Conector recto 6">
+            <a:extLst>
+              <a:ext uri="{FF2B5EF4-FFF2-40B4-BE49-F238E27FC236}">
+                <a16:creationId xmlns:a16="http://schemas.microsoft.com/office/drawing/2014/main" id="{5A3B0160-061F-9566-E342-F084E13121E4}"/>
+              </a:ext>
+            </a:extLst>
+          </p:cNvPr>
+          <p:cNvCxnSpPr>
+            <a:cxnSpLocks/>
+          </p:cNvCxnSpPr>
+          <p:nvPr/>
+        </p:nvCxnSpPr>
+        <p:spPr>
+          <a:xfrm>
+            <a:off x="6094602" y="3684002"/>
+            <a:ext cx="4995336" cy="0"/>
+          </a:xfrm>
+          <a:prstGeom prst="line">
+            <a:avLst/>
+          </a:prstGeom>
+          <a:effectLst>
+            <a:outerShdw blurRad="50800" dist="38100" dir="2700000" algn="tl" rotWithShape="0">
+              <a:prstClr val="black">
+                <a:alpha val="40000"/>
+              </a:prstClr>
+            </a:outerShdw>
+          </a:effectLst>
+        </p:spPr>
+        <p:style>
+          <a:lnRef idx="3">
+            <a:schemeClr val="dk1"/>
+          </a:lnRef>
+          <a:fillRef idx="0">
+            <a:schemeClr val="dk1"/>
+          </a:fillRef>
+          <a:effectRef idx="2">
+            <a:schemeClr val="dk1"/>
+          </a:effectRef>
+          <a:fontRef idx="minor">
+            <a:schemeClr val="tx1"/>
+          </a:fontRef>
+        </p:style>
+      </p:cxnSp>
+      <p:grpSp>
+        <p:nvGrpSpPr>
+          <p:cNvPr id="66" name="Group 65">
+            <a:extLst>
+              <a:ext uri="{FF2B5EF4-FFF2-40B4-BE49-F238E27FC236}">
+                <a16:creationId xmlns:a16="http://schemas.microsoft.com/office/drawing/2014/main" id="{D30CCD3D-1E10-BCA6-5758-986D5404B12C}"/>
+              </a:ext>
+            </a:extLst>
+          </p:cNvPr>
+          <p:cNvGrpSpPr/>
+          <p:nvPr/>
+        </p:nvGrpSpPr>
+        <p:grpSpPr>
+          <a:xfrm>
+            <a:off x="6357926" y="5893517"/>
+            <a:ext cx="5027981" cy="550264"/>
+            <a:chOff x="3571531" y="4587594"/>
+            <a:chExt cx="5027981" cy="550264"/>
+          </a:xfrm>
+        </p:grpSpPr>
+        <p:grpSp>
+          <p:nvGrpSpPr>
+            <p:cNvPr id="67" name="Grupo 43">
+              <a:extLst>
+                <a:ext uri="{FF2B5EF4-FFF2-40B4-BE49-F238E27FC236}">
+                  <a16:creationId xmlns:a16="http://schemas.microsoft.com/office/drawing/2014/main" id="{5E8F143D-D66C-D098-CA6D-841230EE3E80}"/>
+                </a:ext>
+              </a:extLst>
+            </p:cNvPr>
+            <p:cNvGrpSpPr/>
+            <p:nvPr/>
+          </p:nvGrpSpPr>
+          <p:grpSpPr>
+            <a:xfrm>
+              <a:off x="7935562" y="4587594"/>
+              <a:ext cx="663950" cy="550264"/>
+              <a:chOff x="7992055" y="4655844"/>
+              <a:chExt cx="663950" cy="550264"/>
+            </a:xfrm>
+          </p:grpSpPr>
+          <p:sp>
+            <p:nvSpPr>
+              <p:cNvPr id="77" name="Flecha: curvada hacia abajo 45">
+                <a:extLst>
+                  <a:ext uri="{FF2B5EF4-FFF2-40B4-BE49-F238E27FC236}">
+                    <a16:creationId xmlns:a16="http://schemas.microsoft.com/office/drawing/2014/main" id="{0B2EA1B2-21AC-B71F-B757-A323CB2D1C5D}"/>
+                  </a:ext>
+                </a:extLst>
+              </p:cNvPr>
+              <p:cNvSpPr/>
+              <p:nvPr/>
+            </p:nvSpPr>
+            <p:spPr>
+              <a:xfrm rot="3187469">
+                <a:off x="8253074" y="4747701"/>
+                <a:ext cx="416560" cy="232845"/>
+              </a:xfrm>
+              <a:prstGeom prst="curvedDownArrow">
+                <a:avLst/>
+              </a:prstGeom>
+            </p:spPr>
+            <p:style>
+              <a:lnRef idx="2">
+                <a:schemeClr val="accent1">
+                  <a:shade val="50000"/>
+                </a:schemeClr>
+              </a:lnRef>
+              <a:fillRef idx="1">
+                <a:schemeClr val="accent1"/>
+              </a:fillRef>
+              <a:effectRef idx="0">
+                <a:schemeClr val="accent1"/>
+              </a:effectRef>
+              <a:fontRef idx="minor">
+                <a:schemeClr val="lt1"/>
+              </a:fontRef>
+            </p:style>
+            <p:txBody>
+              <a:bodyPr rtlCol="0" anchor="ctr"/>
+              <a:lstStyle/>
+              <a:p>
+                <a:pPr algn="ctr"/>
+                <a:endParaRPr lang="es-MX">
+                  <a:solidFill>
+                    <a:schemeClr val="tx1"/>
+                  </a:solidFill>
+                </a:endParaRPr>
+              </a:p>
+            </p:txBody>
+          </p:sp>
+          <p:sp>
+            <p:nvSpPr>
+              <p:cNvPr id="78" name="Flecha: curvada hacia abajo 46">
+                <a:extLst>
+                  <a:ext uri="{FF2B5EF4-FFF2-40B4-BE49-F238E27FC236}">
+                    <a16:creationId xmlns:a16="http://schemas.microsoft.com/office/drawing/2014/main" id="{B7387E62-BEA9-395E-90B9-AC1F9B69A379}"/>
+                  </a:ext>
+                </a:extLst>
+              </p:cNvPr>
+              <p:cNvSpPr/>
+              <p:nvPr/>
+            </p:nvSpPr>
+            <p:spPr>
+              <a:xfrm rot="14656350">
+                <a:off x="7965809" y="4881405"/>
+                <a:ext cx="416560" cy="232845"/>
+              </a:xfrm>
+              <a:prstGeom prst="curvedDownArrow">
+                <a:avLst/>
+              </a:prstGeom>
+            </p:spPr>
+            <p:style>
+              <a:lnRef idx="2">
+                <a:schemeClr val="accent1">
+                  <a:shade val="50000"/>
+                </a:schemeClr>
+              </a:lnRef>
+              <a:fillRef idx="1">
+                <a:schemeClr val="accent1"/>
+              </a:fillRef>
+              <a:effectRef idx="0">
+                <a:schemeClr val="accent1"/>
+              </a:effectRef>
+              <a:fontRef idx="minor">
+                <a:schemeClr val="lt1"/>
+              </a:fontRef>
+            </p:style>
+            <p:txBody>
+              <a:bodyPr rtlCol="0" anchor="ctr"/>
+              <a:lstStyle/>
+              <a:p>
+                <a:pPr algn="ctr"/>
+                <a:endParaRPr lang="es-MX">
+                  <a:solidFill>
+                    <a:schemeClr val="tx1"/>
+                  </a:solidFill>
+                </a:endParaRPr>
+              </a:p>
+            </p:txBody>
+          </p:sp>
+          <p:sp>
+            <p:nvSpPr>
+              <p:cNvPr id="79" name="Rectángulo 47">
+                <a:extLst>
+                  <a:ext uri="{FF2B5EF4-FFF2-40B4-BE49-F238E27FC236}">
+                    <a16:creationId xmlns:a16="http://schemas.microsoft.com/office/drawing/2014/main" id="{BD43819D-3A9B-D37B-7936-7A4F13175F89}"/>
+                  </a:ext>
+                </a:extLst>
+              </p:cNvPr>
+              <p:cNvSpPr/>
+              <p:nvPr/>
+            </p:nvSpPr>
+            <p:spPr>
+              <a:xfrm rot="19990860">
+                <a:off x="8380258" y="5051594"/>
+                <a:ext cx="63302" cy="63302"/>
+              </a:xfrm>
+              <a:prstGeom prst="rect">
+                <a:avLst/>
+              </a:prstGeom>
+            </p:spPr>
+            <p:style>
+              <a:lnRef idx="2">
+                <a:schemeClr val="accent1">
+                  <a:shade val="50000"/>
+                </a:schemeClr>
+              </a:lnRef>
+              <a:fillRef idx="1">
+                <a:schemeClr val="accent1"/>
+              </a:fillRef>
+              <a:effectRef idx="0">
+                <a:schemeClr val="accent1"/>
+              </a:effectRef>
+              <a:fontRef idx="minor">
+                <a:schemeClr val="lt1"/>
+              </a:fontRef>
+            </p:style>
+            <p:txBody>
+              <a:bodyPr rtlCol="0" anchor="ctr"/>
+              <a:lstStyle/>
+              <a:p>
+                <a:pPr algn="ctr"/>
+                <a:endParaRPr lang="es-MX"/>
+              </a:p>
+            </p:txBody>
+          </p:sp>
+          <p:grpSp>
+            <p:nvGrpSpPr>
+              <p:cNvPr id="80" name="Grupo 48">
+                <a:extLst>
+                  <a:ext uri="{FF2B5EF4-FFF2-40B4-BE49-F238E27FC236}">
+                    <a16:creationId xmlns:a16="http://schemas.microsoft.com/office/drawing/2014/main" id="{3B79F853-E6DE-28A2-E82F-D34CE5A6D15F}"/>
+                  </a:ext>
+                </a:extLst>
+              </p:cNvPr>
+              <p:cNvGrpSpPr/>
+              <p:nvPr/>
+            </p:nvGrpSpPr>
+            <p:grpSpPr>
+              <a:xfrm rot="19602821">
+                <a:off x="7992055" y="4756102"/>
+                <a:ext cx="663950" cy="344959"/>
+                <a:chOff x="10446969" y="5174945"/>
+                <a:chExt cx="663950" cy="344959"/>
+              </a:xfrm>
+            </p:grpSpPr>
+            <p:sp>
+              <p:nvSpPr>
+                <p:cNvPr id="81" name="CuadroTexto 49">
+                  <a:extLst>
+                    <a:ext uri="{FF2B5EF4-FFF2-40B4-BE49-F238E27FC236}">
+                      <a16:creationId xmlns:a16="http://schemas.microsoft.com/office/drawing/2014/main" id="{8F1AC69A-516B-5EB9-5D8B-47189BEAD462}"/>
+                    </a:ext>
+                  </a:extLst>
+                </p:cNvPr>
+                <p:cNvSpPr txBox="1"/>
+                <p:nvPr/>
+              </p:nvSpPr>
+              <p:spPr>
+                <a:xfrm rot="21482985">
+                  <a:off x="10480118" y="5174945"/>
+                  <a:ext cx="469891" cy="253916"/>
+                </a:xfrm>
+                <a:prstGeom prst="rect">
+                  <a:avLst/>
+                </a:prstGeom>
+                <a:noFill/>
+              </p:spPr>
+              <p:txBody>
+                <a:bodyPr wrap="square" rtlCol="0">
+                  <a:spAutoFit/>
+                </a:bodyPr>
+                <a:lstStyle/>
+                <a:p>
+                  <a:pPr algn="ctr"/>
+                  <a:r>
+                    <a:rPr lang="es-MX" sz="1050" b="1" spc="100" dirty="0">
+                      <a:solidFill>
+                        <a:schemeClr val="tx1"/>
+                      </a:solidFill>
+                      <a:effectLst>
+                        <a:outerShdw blurRad="38100" dist="38100" dir="2700000" algn="tl">
+                          <a:srgbClr val="000000">
+                            <a:alpha val="43137"/>
+                          </a:srgbClr>
+                        </a:outerShdw>
+                      </a:effectLst>
+                      <a:latin typeface="Agency FB" panose="020B0503020202020204" pitchFamily="34" charset="0"/>
+                    </a:rPr>
+                    <a:t>Gaia</a:t>
+                  </a:r>
+                  <a:endParaRPr lang="es-MX" sz="900" b="1" spc="100" dirty="0">
+                    <a:solidFill>
+                      <a:schemeClr val="tx1"/>
+                    </a:solidFill>
+                    <a:effectLst>
+                      <a:outerShdw blurRad="38100" dist="38100" dir="2700000" algn="tl">
+                        <a:srgbClr val="000000">
+                          <a:alpha val="43137"/>
+                        </a:srgbClr>
+                      </a:outerShdw>
+                    </a:effectLst>
+                    <a:latin typeface="Agency FB" panose="020B0503020202020204" pitchFamily="34" charset="0"/>
+                  </a:endParaRPr>
+                </a:p>
+              </p:txBody>
+            </p:sp>
+            <p:sp>
+              <p:nvSpPr>
+                <p:cNvPr id="82" name="CuadroTexto 50">
+                  <a:extLst>
+                    <a:ext uri="{FF2B5EF4-FFF2-40B4-BE49-F238E27FC236}">
+                      <a16:creationId xmlns:a16="http://schemas.microsoft.com/office/drawing/2014/main" id="{8197019B-EE19-DEF3-A22B-D82FBFED563B}"/>
+                    </a:ext>
+                  </a:extLst>
+                </p:cNvPr>
+                <p:cNvSpPr txBox="1"/>
+                <p:nvPr/>
+              </p:nvSpPr>
+              <p:spPr>
+                <a:xfrm rot="21518147">
+                  <a:off x="10446969" y="5273683"/>
+                  <a:ext cx="663950" cy="246221"/>
+                </a:xfrm>
+                <a:prstGeom prst="rect">
+                  <a:avLst/>
+                </a:prstGeom>
+                <a:noFill/>
+              </p:spPr>
+              <p:txBody>
+                <a:bodyPr wrap="square" rtlCol="0">
+                  <a:spAutoFit/>
+                </a:bodyPr>
+                <a:lstStyle/>
+                <a:p>
+                  <a:pPr algn="ctr"/>
+                  <a:r>
+                    <a:rPr lang="es-MX" sz="1000" spc="50" dirty="0" err="1">
+                      <a:solidFill>
+                        <a:schemeClr val="tx1"/>
+                      </a:solidFill>
+                      <a:effectLst>
+                        <a:outerShdw blurRad="38100" dist="38100" dir="2700000" algn="tl">
+                          <a:srgbClr val="000000">
+                            <a:alpha val="43137"/>
+                          </a:srgbClr>
+                        </a:outerShdw>
+                      </a:effectLst>
+                      <a:latin typeface="Agency FB" panose="020B0503020202020204" pitchFamily="34" charset="0"/>
+                    </a:rPr>
+                    <a:t>inside</a:t>
+                  </a:r>
+                  <a:endParaRPr lang="es-MX" sz="700" spc="50" dirty="0">
+                    <a:solidFill>
+                      <a:schemeClr val="tx1"/>
+                    </a:solidFill>
+                    <a:effectLst>
+                      <a:outerShdw blurRad="38100" dist="38100" dir="2700000" algn="tl">
+                        <a:srgbClr val="000000">
+                          <a:alpha val="43137"/>
+                        </a:srgbClr>
+                      </a:outerShdw>
+                    </a:effectLst>
+                    <a:latin typeface="Agency FB" panose="020B0503020202020204" pitchFamily="34" charset="0"/>
+                  </a:endParaRPr>
+                </a:p>
+              </p:txBody>
+            </p:sp>
+          </p:grpSp>
+        </p:grpSp>
+        <p:sp>
+          <p:nvSpPr>
+            <p:cNvPr id="68" name="Elipse 1" descr="Satélite con relleno sólido">
+              <a:extLst>
+                <a:ext uri="{FF2B5EF4-FFF2-40B4-BE49-F238E27FC236}">
+                  <a16:creationId xmlns:a16="http://schemas.microsoft.com/office/drawing/2014/main" id="{6614EF6B-4132-829D-3A1C-23A46CFC8DDD}"/>
+                </a:ext>
+              </a:extLst>
+            </p:cNvPr>
+            <p:cNvSpPr/>
+            <p:nvPr/>
+          </p:nvSpPr>
+          <p:spPr>
+            <a:xfrm>
+              <a:off x="6135223" y="4655680"/>
+              <a:ext cx="421131" cy="421131"/>
+            </a:xfrm>
+            <a:prstGeom prst="ellipse">
+              <a:avLst/>
+            </a:prstGeom>
+            <a:blipFill dpi="0" rotWithShape="1">
+              <a:blip r:embed="rId3">
+                <a:extLst>
+                  <a:ext uri="{96DAC541-7B7A-43D3-8B79-37D633B846F1}">
+                    <asvg:svgBlip xmlns:asvg="http://schemas.microsoft.com/office/drawing/2016/SVG/main" r:embed="rId4"/>
+                  </a:ext>
+                </a:extLst>
+              </a:blip>
+              <a:srcRect/>
+              <a:stretch>
+                <a:fillRect/>
+              </a:stretch>
+            </a:blipFill>
+            <a:ln w="19050">
+              <a:solidFill>
+                <a:schemeClr val="tx1"/>
+              </a:solidFill>
+            </a:ln>
+          </p:spPr>
+          <p:style>
+            <a:lnRef idx="2">
+              <a:schemeClr val="accent1">
+                <a:shade val="50000"/>
+              </a:schemeClr>
+            </a:lnRef>
+            <a:fillRef idx="1">
+              <a:schemeClr val="accent1"/>
+            </a:fillRef>
+            <a:effectRef idx="0">
+              <a:schemeClr val="accent1"/>
+            </a:effectRef>
+            <a:fontRef idx="minor">
+              <a:schemeClr val="lt1"/>
+            </a:fontRef>
+          </p:style>
+          <p:txBody>
+            <a:bodyPr rtlCol="0" anchor="ctr"/>
+            <a:lstStyle/>
+            <a:p>
+              <a:pPr algn="ctr"/>
+              <a:endParaRPr lang="es-MX"/>
+            </a:p>
+          </p:txBody>
+        </p:sp>
+        <p:sp>
+          <p:nvSpPr>
+            <p:cNvPr id="69" name="Elipse 9" descr="Satélite con relleno sólido">
+              <a:extLst>
+                <a:ext uri="{FF2B5EF4-FFF2-40B4-BE49-F238E27FC236}">
+                  <a16:creationId xmlns:a16="http://schemas.microsoft.com/office/drawing/2014/main" id="{DDE2694D-77FB-CB30-F9AE-15979955AB65}"/>
+                </a:ext>
+              </a:extLst>
+            </p:cNvPr>
+            <p:cNvSpPr/>
+            <p:nvPr/>
+          </p:nvSpPr>
+          <p:spPr>
+            <a:xfrm>
+              <a:off x="5622326" y="4655680"/>
+              <a:ext cx="421131" cy="421131"/>
+            </a:xfrm>
+            <a:prstGeom prst="ellipse">
+              <a:avLst/>
+            </a:prstGeom>
+            <a:blipFill dpi="0" rotWithShape="1">
+              <a:blip r:embed="rId5">
+                <a:extLst>
+                  <a:ext uri="{28A0092B-C50C-407E-A947-70E740481C1C}">
+                    <a14:useLocalDpi xmlns:a14="http://schemas.microsoft.com/office/drawing/2010/main" val="0"/>
+                  </a:ext>
+                  <a:ext uri="{96DAC541-7B7A-43D3-8B79-37D633B846F1}">
+                    <asvg:svgBlip xmlns:asvg="http://schemas.microsoft.com/office/drawing/2016/SVG/main" r:embed="rId6"/>
+                  </a:ext>
+                </a:extLst>
+              </a:blip>
+              <a:srcRect/>
+              <a:stretch>
+                <a:fillRect/>
+              </a:stretch>
+            </a:blipFill>
+            <a:ln w="19050">
+              <a:solidFill>
+                <a:schemeClr val="tx1"/>
+              </a:solidFill>
+            </a:ln>
+          </p:spPr>
+          <p:style>
+            <a:lnRef idx="2">
+              <a:schemeClr val="accent1">
+                <a:shade val="50000"/>
+              </a:schemeClr>
+            </a:lnRef>
+            <a:fillRef idx="1">
+              <a:schemeClr val="accent1"/>
+            </a:fillRef>
+            <a:effectRef idx="0">
+              <a:schemeClr val="accent1"/>
+            </a:effectRef>
+            <a:fontRef idx="minor">
+              <a:schemeClr val="lt1"/>
+            </a:fontRef>
+          </p:style>
+          <p:txBody>
+            <a:bodyPr rtlCol="0" anchor="ctr"/>
+            <a:lstStyle/>
+            <a:p>
+              <a:pPr algn="ctr"/>
+              <a:endParaRPr lang="es-MX"/>
+            </a:p>
+          </p:txBody>
+        </p:sp>
+        <p:sp>
+          <p:nvSpPr>
+            <p:cNvPr id="70" name="Elipse 10" descr="Satélite con relleno sólido">
+              <a:extLst>
+                <a:ext uri="{FF2B5EF4-FFF2-40B4-BE49-F238E27FC236}">
+                  <a16:creationId xmlns:a16="http://schemas.microsoft.com/office/drawing/2014/main" id="{3F1B5F2C-3BFB-AC6D-BDBF-28F7C2A92406}"/>
+                </a:ext>
+              </a:extLst>
+            </p:cNvPr>
+            <p:cNvSpPr/>
+            <p:nvPr/>
+          </p:nvSpPr>
+          <p:spPr>
+            <a:xfrm>
+              <a:off x="4596532" y="4655680"/>
+              <a:ext cx="421131" cy="421131"/>
+            </a:xfrm>
+            <a:prstGeom prst="ellipse">
+              <a:avLst/>
+            </a:prstGeom>
+            <a:blipFill dpi="0" rotWithShape="1">
+              <a:blip r:embed="rId7">
+                <a:extLst>
+                  <a:ext uri="{96DAC541-7B7A-43D3-8B79-37D633B846F1}">
+                    <asvg:svgBlip xmlns:asvg="http://schemas.microsoft.com/office/drawing/2016/SVG/main" r:embed="rId8"/>
+                  </a:ext>
+                </a:extLst>
+              </a:blip>
+              <a:srcRect/>
+              <a:stretch>
+                <a:fillRect/>
+              </a:stretch>
+            </a:blipFill>
+            <a:ln w="19050">
+              <a:solidFill>
+                <a:schemeClr val="tx1"/>
+              </a:solidFill>
+            </a:ln>
+          </p:spPr>
+          <p:style>
+            <a:lnRef idx="2">
+              <a:schemeClr val="accent1">
+                <a:shade val="50000"/>
+              </a:schemeClr>
+            </a:lnRef>
+            <a:fillRef idx="1">
+              <a:schemeClr val="accent1"/>
+            </a:fillRef>
+            <a:effectRef idx="0">
+              <a:schemeClr val="accent1"/>
+            </a:effectRef>
+            <a:fontRef idx="minor">
+              <a:schemeClr val="lt1"/>
+            </a:fontRef>
+          </p:style>
+          <p:txBody>
+            <a:bodyPr rtlCol="0" anchor="ctr"/>
+            <a:lstStyle/>
+            <a:p>
+              <a:pPr algn="ctr"/>
+              <a:endParaRPr lang="es-MX"/>
+            </a:p>
+          </p:txBody>
+        </p:sp>
+        <p:sp>
+          <p:nvSpPr>
+            <p:cNvPr id="71" name="Elipse 14" descr="Satélite con relleno sólido">
+              <a:extLst>
+                <a:ext uri="{FF2B5EF4-FFF2-40B4-BE49-F238E27FC236}">
+                  <a16:creationId xmlns:a16="http://schemas.microsoft.com/office/drawing/2014/main" id="{24747A77-6C47-5988-BB9C-3BB852F0E7B1}"/>
+                </a:ext>
+              </a:extLst>
+            </p:cNvPr>
+            <p:cNvSpPr/>
+            <p:nvPr/>
+          </p:nvSpPr>
+          <p:spPr>
+            <a:xfrm>
+              <a:off x="6648119" y="4655680"/>
+              <a:ext cx="421131" cy="421131"/>
+            </a:xfrm>
+            <a:prstGeom prst="ellipse">
+              <a:avLst/>
+            </a:prstGeom>
+            <a:blipFill dpi="0" rotWithShape="1">
+              <a:blip r:embed="rId9">
+                <a:extLst>
+                  <a:ext uri="{96DAC541-7B7A-43D3-8B79-37D633B846F1}">
+                    <asvg:svgBlip xmlns:asvg="http://schemas.microsoft.com/office/drawing/2016/SVG/main" r:embed="rId10"/>
+                  </a:ext>
+                </a:extLst>
+              </a:blip>
+              <a:srcRect/>
+              <a:stretch>
+                <a:fillRect/>
+              </a:stretch>
+            </a:blipFill>
+            <a:ln w="19050">
+              <a:solidFill>
+                <a:schemeClr val="tx1"/>
+              </a:solidFill>
+            </a:ln>
+          </p:spPr>
+          <p:style>
+            <a:lnRef idx="2">
+              <a:schemeClr val="accent1">
+                <a:shade val="50000"/>
+              </a:schemeClr>
+            </a:lnRef>
+            <a:fillRef idx="1">
+              <a:schemeClr val="accent1"/>
+            </a:fillRef>
+            <a:effectRef idx="0">
+              <a:schemeClr val="accent1"/>
+            </a:effectRef>
+            <a:fontRef idx="minor">
+              <a:schemeClr val="lt1"/>
+            </a:fontRef>
+          </p:style>
+          <p:txBody>
+            <a:bodyPr rtlCol="0" anchor="ctr"/>
+            <a:lstStyle/>
+            <a:p>
+              <a:pPr algn="ctr"/>
+              <a:endParaRPr lang="es-MX"/>
+            </a:p>
+          </p:txBody>
+        </p:sp>
+        <p:sp>
+          <p:nvSpPr>
+            <p:cNvPr id="72" name="Elipse 17" descr="Satélite con relleno sólido">
+              <a:extLst>
+                <a:ext uri="{FF2B5EF4-FFF2-40B4-BE49-F238E27FC236}">
+                  <a16:creationId xmlns:a16="http://schemas.microsoft.com/office/drawing/2014/main" id="{858D533C-2A68-98BF-EA87-AA6F41725CFE}"/>
+                </a:ext>
+              </a:extLst>
+            </p:cNvPr>
+            <p:cNvSpPr/>
+            <p:nvPr/>
+          </p:nvSpPr>
+          <p:spPr>
+            <a:xfrm>
+              <a:off x="5109429" y="4655680"/>
+              <a:ext cx="421131" cy="421131"/>
+            </a:xfrm>
+            <a:prstGeom prst="ellipse">
+              <a:avLst/>
+            </a:prstGeom>
+            <a:blipFill dpi="0" rotWithShape="1">
+              <a:blip r:embed="rId11">
+                <a:extLst>
+                  <a:ext uri="{96DAC541-7B7A-43D3-8B79-37D633B846F1}">
+                    <asvg:svgBlip xmlns:asvg="http://schemas.microsoft.com/office/drawing/2016/SVG/main" r:embed="rId12"/>
+                  </a:ext>
+                </a:extLst>
+              </a:blip>
+              <a:srcRect/>
+              <a:stretch>
+                <a:fillRect/>
+              </a:stretch>
+            </a:blipFill>
+            <a:ln w="19050">
+              <a:solidFill>
+                <a:schemeClr val="tx1"/>
+              </a:solidFill>
+            </a:ln>
+          </p:spPr>
+          <p:style>
+            <a:lnRef idx="2">
+              <a:schemeClr val="accent1">
+                <a:shade val="50000"/>
+              </a:schemeClr>
+            </a:lnRef>
+            <a:fillRef idx="1">
+              <a:schemeClr val="accent1"/>
+            </a:fillRef>
+            <a:effectRef idx="0">
+              <a:schemeClr val="accent1"/>
+            </a:effectRef>
+            <a:fontRef idx="minor">
+              <a:schemeClr val="lt1"/>
+            </a:fontRef>
+          </p:style>
+          <p:txBody>
+            <a:bodyPr rtlCol="0" anchor="ctr"/>
+            <a:lstStyle/>
+            <a:p>
+              <a:pPr algn="ctr"/>
+              <a:endParaRPr lang="es-MX"/>
+            </a:p>
+          </p:txBody>
+        </p:sp>
+        <p:sp>
+          <p:nvSpPr>
+            <p:cNvPr id="73" name="Elipse 20" descr="Satélite con relleno sólido">
+              <a:extLst>
+                <a:ext uri="{FF2B5EF4-FFF2-40B4-BE49-F238E27FC236}">
+                  <a16:creationId xmlns:a16="http://schemas.microsoft.com/office/drawing/2014/main" id="{D0663F0B-6819-4536-FF1C-01360219C752}"/>
+                </a:ext>
+              </a:extLst>
+            </p:cNvPr>
+            <p:cNvSpPr/>
+            <p:nvPr/>
+          </p:nvSpPr>
+          <p:spPr>
+            <a:xfrm>
+              <a:off x="3571531" y="4652161"/>
+              <a:ext cx="421131" cy="421131"/>
+            </a:xfrm>
+            <a:prstGeom prst="ellipse">
+              <a:avLst/>
+            </a:prstGeom>
+            <a:blipFill dpi="0" rotWithShape="1">
+              <a:blip r:embed="rId13"/>
+              <a:srcRect/>
+              <a:stretch>
+                <a:fillRect/>
+              </a:stretch>
+            </a:blipFill>
+            <a:ln w="19050">
+              <a:solidFill>
+                <a:schemeClr val="tx1"/>
+              </a:solidFill>
+            </a:ln>
+          </p:spPr>
+          <p:style>
+            <a:lnRef idx="2">
+              <a:schemeClr val="accent1">
+                <a:shade val="50000"/>
+              </a:schemeClr>
+            </a:lnRef>
+            <a:fillRef idx="1">
+              <a:schemeClr val="accent1"/>
+            </a:fillRef>
+            <a:effectRef idx="0">
+              <a:schemeClr val="accent1"/>
+            </a:effectRef>
+            <a:fontRef idx="minor">
+              <a:schemeClr val="lt1"/>
+            </a:fontRef>
+          </p:style>
+          <p:txBody>
+            <a:bodyPr rtlCol="0" anchor="ctr"/>
+            <a:lstStyle/>
+            <a:p>
+              <a:pPr algn="ctr"/>
+              <a:endParaRPr lang="es-MX"/>
+            </a:p>
+          </p:txBody>
+        </p:sp>
+        <p:grpSp>
+          <p:nvGrpSpPr>
+            <p:cNvPr id="74" name="Grupo 21">
+              <a:extLst>
+                <a:ext uri="{FF2B5EF4-FFF2-40B4-BE49-F238E27FC236}">
+                  <a16:creationId xmlns:a16="http://schemas.microsoft.com/office/drawing/2014/main" id="{F7B1BC39-3225-3C00-05F6-0F53FD0575FA}"/>
+                </a:ext>
+              </a:extLst>
+            </p:cNvPr>
+            <p:cNvGrpSpPr/>
+            <p:nvPr/>
+          </p:nvGrpSpPr>
+          <p:grpSpPr>
+            <a:xfrm>
+              <a:off x="4082964" y="4656279"/>
+              <a:ext cx="421131" cy="421131"/>
+              <a:chOff x="5009770" y="3330967"/>
+              <a:chExt cx="421131" cy="421131"/>
+            </a:xfrm>
+          </p:grpSpPr>
+          <p:sp>
+            <p:nvSpPr>
+              <p:cNvPr id="75" name="Elipse 22" descr="Satélite con relleno sólido">
+                <a:extLst>
+                  <a:ext uri="{FF2B5EF4-FFF2-40B4-BE49-F238E27FC236}">
+                    <a16:creationId xmlns:a16="http://schemas.microsoft.com/office/drawing/2014/main" id="{71F2B792-A670-4734-C14A-2D8AF65AEFC0}"/>
+                  </a:ext>
+                </a:extLst>
+              </p:cNvPr>
+              <p:cNvSpPr/>
+              <p:nvPr/>
+            </p:nvSpPr>
+            <p:spPr>
+              <a:xfrm>
+                <a:off x="5009770" y="3330967"/>
+                <a:ext cx="421131" cy="421131"/>
+              </a:xfrm>
+              <a:prstGeom prst="ellipse">
+                <a:avLst/>
+              </a:prstGeom>
+              <a:blipFill dpi="0" rotWithShape="1">
+                <a:blip r:embed="rId14">
+                  <a:extLst>
+                    <a:ext uri="{96DAC541-7B7A-43D3-8B79-37D633B846F1}">
+                      <asvg:svgBlip xmlns:asvg="http://schemas.microsoft.com/office/drawing/2016/SVG/main" r:embed="rId15"/>
+                    </a:ext>
+                  </a:extLst>
+                </a:blip>
+                <a:srcRect/>
+                <a:stretch>
+                  <a:fillRect/>
+                </a:stretch>
+              </a:blipFill>
+              <a:ln w="19050">
+                <a:solidFill>
+                  <a:schemeClr val="tx1"/>
+                </a:solidFill>
+              </a:ln>
+            </p:spPr>
+            <p:style>
+              <a:lnRef idx="2">
+                <a:schemeClr val="accent1">
+                  <a:shade val="50000"/>
+                </a:schemeClr>
+              </a:lnRef>
+              <a:fillRef idx="1">
+                <a:schemeClr val="accent1"/>
+              </a:fillRef>
+              <a:effectRef idx="0">
+                <a:schemeClr val="accent1"/>
+              </a:effectRef>
+              <a:fontRef idx="minor">
+                <a:schemeClr val="lt1"/>
+              </a:fontRef>
+            </p:style>
+            <p:txBody>
+              <a:bodyPr rtlCol="0" anchor="ctr"/>
+              <a:lstStyle/>
+              <a:p>
+                <a:pPr algn="ctr"/>
+                <a:endParaRPr lang="es-MX"/>
+              </a:p>
+            </p:txBody>
+          </p:sp>
+          <p:pic>
+            <p:nvPicPr>
+              <p:cNvPr id="76" name="Gráfico 23" descr="Planta con relleno sólido">
+                <a:extLst>
+                  <a:ext uri="{FF2B5EF4-FFF2-40B4-BE49-F238E27FC236}">
+                    <a16:creationId xmlns:a16="http://schemas.microsoft.com/office/drawing/2014/main" id="{1199605D-90DD-BEC7-16D2-9673896CCAD9}"/>
+                  </a:ext>
+                </a:extLst>
+              </p:cNvPr>
+              <p:cNvPicPr>
+                <a:picLocks noChangeAspect="1"/>
+              </p:cNvPicPr>
+              <p:nvPr/>
+            </p:nvPicPr>
+            <p:blipFill>
+              <a:blip r:embed="rId16">
+                <a:extLst>
+                  <a:ext uri="{28A0092B-C50C-407E-A947-70E740481C1C}">
+                    <a14:useLocalDpi xmlns:a14="http://schemas.microsoft.com/office/drawing/2010/main" val="0"/>
+                  </a:ext>
+                  <a:ext uri="{96DAC541-7B7A-43D3-8B79-37D633B846F1}">
+                    <asvg:svgBlip xmlns:asvg="http://schemas.microsoft.com/office/drawing/2016/SVG/main" r:embed="rId17"/>
+                  </a:ext>
+                </a:extLst>
+              </a:blip>
+              <a:stretch>
+                <a:fillRect/>
+              </a:stretch>
+            </p:blipFill>
+            <p:spPr>
+              <a:xfrm rot="1309914">
+                <a:off x="5075084" y="3396168"/>
+                <a:ext cx="238483" cy="238483"/>
+              </a:xfrm>
+              <a:prstGeom prst="rect">
+                <a:avLst/>
+              </a:prstGeom>
+            </p:spPr>
+          </p:pic>
+        </p:grpSp>
+      </p:grpSp>
+      <p:grpSp>
+        <p:nvGrpSpPr>
+          <p:cNvPr id="83" name="Group 82">
+            <a:extLst>
+              <a:ext uri="{FF2B5EF4-FFF2-40B4-BE49-F238E27FC236}">
+                <a16:creationId xmlns:a16="http://schemas.microsoft.com/office/drawing/2014/main" id="{C7DD3B75-A7F7-741E-6435-2576705FC2D0}"/>
+              </a:ext>
+            </a:extLst>
+          </p:cNvPr>
+          <p:cNvGrpSpPr/>
+          <p:nvPr/>
+        </p:nvGrpSpPr>
+        <p:grpSpPr>
+          <a:xfrm>
+            <a:off x="6357926" y="5288971"/>
+            <a:ext cx="5028774" cy="550264"/>
+            <a:chOff x="3570738" y="4587594"/>
+            <a:chExt cx="5028774" cy="550264"/>
+          </a:xfrm>
+        </p:grpSpPr>
+        <p:sp>
+          <p:nvSpPr>
+            <p:cNvPr id="84" name="Elipse 23" descr="Satélite con relleno sólido">
+              <a:extLst>
+                <a:ext uri="{FF2B5EF4-FFF2-40B4-BE49-F238E27FC236}">
+                  <a16:creationId xmlns:a16="http://schemas.microsoft.com/office/drawing/2014/main" id="{43EFF8AE-1638-7D8A-A399-D95D99F78DF8}"/>
+                </a:ext>
+              </a:extLst>
+            </p:cNvPr>
+            <p:cNvSpPr/>
+            <p:nvPr/>
+          </p:nvSpPr>
+          <p:spPr>
+            <a:xfrm>
+              <a:off x="6135223" y="4655680"/>
+              <a:ext cx="421131" cy="421131"/>
+            </a:xfrm>
+            <a:prstGeom prst="ellipse">
+              <a:avLst/>
+            </a:prstGeom>
+            <a:blipFill dpi="0" rotWithShape="1">
+              <a:blip r:embed="rId3">
+                <a:extLst>
+                  <a:ext uri="{96DAC541-7B7A-43D3-8B79-37D633B846F1}">
+                    <asvg:svgBlip xmlns:asvg="http://schemas.microsoft.com/office/drawing/2016/SVG/main" r:embed="rId4"/>
+                  </a:ext>
+                </a:extLst>
+              </a:blip>
+              <a:srcRect/>
+              <a:stretch>
+                <a:fillRect/>
+              </a:stretch>
+            </a:blipFill>
+            <a:ln w="19050">
+              <a:solidFill>
+                <a:schemeClr val="tx1"/>
+              </a:solidFill>
+            </a:ln>
+          </p:spPr>
+          <p:style>
+            <a:lnRef idx="2">
+              <a:schemeClr val="accent1">
+                <a:shade val="50000"/>
+              </a:schemeClr>
+            </a:lnRef>
+            <a:fillRef idx="1">
+              <a:schemeClr val="accent1"/>
+            </a:fillRef>
+            <a:effectRef idx="0">
+              <a:schemeClr val="accent1"/>
+            </a:effectRef>
+            <a:fontRef idx="minor">
+              <a:schemeClr val="lt1"/>
+            </a:fontRef>
+          </p:style>
+          <p:txBody>
+            <a:bodyPr rtlCol="0" anchor="ctr"/>
+            <a:lstStyle/>
+            <a:p>
+              <a:pPr algn="ctr"/>
+              <a:endParaRPr lang="es-MX"/>
+            </a:p>
+          </p:txBody>
+        </p:sp>
+        <p:sp>
+          <p:nvSpPr>
+            <p:cNvPr id="85" name="Elipse 25" descr="Satélite con relleno sólido">
+              <a:extLst>
+                <a:ext uri="{FF2B5EF4-FFF2-40B4-BE49-F238E27FC236}">
+                  <a16:creationId xmlns:a16="http://schemas.microsoft.com/office/drawing/2014/main" id="{0E7D6676-FA43-6876-99D7-37B8318F85C2}"/>
+                </a:ext>
+              </a:extLst>
+            </p:cNvPr>
+            <p:cNvSpPr/>
+            <p:nvPr/>
+          </p:nvSpPr>
+          <p:spPr>
+            <a:xfrm>
+              <a:off x="5622326" y="4655680"/>
+              <a:ext cx="421131" cy="421131"/>
+            </a:xfrm>
+            <a:prstGeom prst="ellipse">
+              <a:avLst/>
+            </a:prstGeom>
+            <a:blipFill dpi="0" rotWithShape="1">
+              <a:blip r:embed="rId5">
+                <a:extLst>
+                  <a:ext uri="{28A0092B-C50C-407E-A947-70E740481C1C}">
+                    <a14:useLocalDpi xmlns:a14="http://schemas.microsoft.com/office/drawing/2010/main" val="0"/>
+                  </a:ext>
+                  <a:ext uri="{96DAC541-7B7A-43D3-8B79-37D633B846F1}">
+                    <asvg:svgBlip xmlns:asvg="http://schemas.microsoft.com/office/drawing/2016/SVG/main" r:embed="rId6"/>
+                  </a:ext>
+                </a:extLst>
+              </a:blip>
+              <a:srcRect/>
+              <a:stretch>
+                <a:fillRect/>
+              </a:stretch>
+            </a:blipFill>
+            <a:ln w="19050">
+              <a:solidFill>
+                <a:schemeClr val="tx1"/>
+              </a:solidFill>
+            </a:ln>
+          </p:spPr>
+          <p:style>
+            <a:lnRef idx="2">
+              <a:schemeClr val="accent1">
+                <a:shade val="50000"/>
+              </a:schemeClr>
+            </a:lnRef>
+            <a:fillRef idx="1">
+              <a:schemeClr val="accent1"/>
+            </a:fillRef>
+            <a:effectRef idx="0">
+              <a:schemeClr val="accent1"/>
+            </a:effectRef>
+            <a:fontRef idx="minor">
+              <a:schemeClr val="lt1"/>
+            </a:fontRef>
+          </p:style>
+          <p:txBody>
+            <a:bodyPr rtlCol="0" anchor="ctr"/>
+            <a:lstStyle/>
+            <a:p>
+              <a:pPr algn="ctr"/>
+              <a:endParaRPr lang="es-MX"/>
+            </a:p>
+          </p:txBody>
+        </p:sp>
+        <p:sp>
+          <p:nvSpPr>
+            <p:cNvPr id="86" name="Elipse 26" descr="Satélite con relleno sólido">
+              <a:extLst>
+                <a:ext uri="{FF2B5EF4-FFF2-40B4-BE49-F238E27FC236}">
+                  <a16:creationId xmlns:a16="http://schemas.microsoft.com/office/drawing/2014/main" id="{D341E2AB-A426-C5CA-14D4-B83EEBBF6435}"/>
+                </a:ext>
+              </a:extLst>
+            </p:cNvPr>
+            <p:cNvSpPr/>
+            <p:nvPr/>
+          </p:nvSpPr>
+          <p:spPr>
+            <a:xfrm>
+              <a:off x="4596532" y="4655680"/>
+              <a:ext cx="421131" cy="421131"/>
+            </a:xfrm>
+            <a:prstGeom prst="ellipse">
+              <a:avLst/>
+            </a:prstGeom>
+            <a:blipFill dpi="0" rotWithShape="1">
+              <a:blip r:embed="rId7">
+                <a:extLst>
+                  <a:ext uri="{96DAC541-7B7A-43D3-8B79-37D633B846F1}">
+                    <asvg:svgBlip xmlns:asvg="http://schemas.microsoft.com/office/drawing/2016/SVG/main" r:embed="rId8"/>
+                  </a:ext>
+                </a:extLst>
+              </a:blip>
+              <a:srcRect/>
+              <a:stretch>
+                <a:fillRect/>
+              </a:stretch>
+            </a:blipFill>
+            <a:ln w="19050">
+              <a:solidFill>
+                <a:schemeClr val="tx1"/>
+              </a:solidFill>
+            </a:ln>
+          </p:spPr>
+          <p:style>
+            <a:lnRef idx="2">
+              <a:schemeClr val="accent1">
+                <a:shade val="50000"/>
+              </a:schemeClr>
+            </a:lnRef>
+            <a:fillRef idx="1">
+              <a:schemeClr val="accent1"/>
+            </a:fillRef>
+            <a:effectRef idx="0">
+              <a:schemeClr val="accent1"/>
+            </a:effectRef>
+            <a:fontRef idx="minor">
+              <a:schemeClr val="lt1"/>
+            </a:fontRef>
+          </p:style>
+          <p:txBody>
+            <a:bodyPr rtlCol="0" anchor="ctr"/>
+            <a:lstStyle/>
+            <a:p>
+              <a:pPr algn="ctr"/>
+              <a:endParaRPr lang="es-MX"/>
+            </a:p>
+          </p:txBody>
+        </p:sp>
+        <p:sp>
+          <p:nvSpPr>
+            <p:cNvPr id="87" name="Elipse 27" descr="Satélite con relleno sólido">
+              <a:extLst>
+                <a:ext uri="{FF2B5EF4-FFF2-40B4-BE49-F238E27FC236}">
+                  <a16:creationId xmlns:a16="http://schemas.microsoft.com/office/drawing/2014/main" id="{37EF39A5-E554-2E5A-9A84-1DAD65B629DD}"/>
+                </a:ext>
+              </a:extLst>
+            </p:cNvPr>
+            <p:cNvSpPr/>
+            <p:nvPr/>
+          </p:nvSpPr>
+          <p:spPr>
+            <a:xfrm>
+              <a:off x="6648119" y="4655680"/>
+              <a:ext cx="421131" cy="421131"/>
+            </a:xfrm>
+            <a:prstGeom prst="ellipse">
+              <a:avLst/>
+            </a:prstGeom>
+            <a:blipFill dpi="0" rotWithShape="1">
+              <a:blip r:embed="rId9">
+                <a:extLst>
+                  <a:ext uri="{96DAC541-7B7A-43D3-8B79-37D633B846F1}">
+                    <asvg:svgBlip xmlns:asvg="http://schemas.microsoft.com/office/drawing/2016/SVG/main" r:embed="rId10"/>
+                  </a:ext>
+                </a:extLst>
+              </a:blip>
+              <a:srcRect/>
+              <a:stretch>
+                <a:fillRect/>
+              </a:stretch>
+            </a:blipFill>
+            <a:ln w="19050">
+              <a:solidFill>
+                <a:schemeClr val="tx1"/>
+              </a:solidFill>
+            </a:ln>
+          </p:spPr>
+          <p:style>
+            <a:lnRef idx="2">
+              <a:schemeClr val="accent1">
+                <a:shade val="50000"/>
+              </a:schemeClr>
+            </a:lnRef>
+            <a:fillRef idx="1">
+              <a:schemeClr val="accent1"/>
+            </a:fillRef>
+            <a:effectRef idx="0">
+              <a:schemeClr val="accent1"/>
+            </a:effectRef>
+            <a:fontRef idx="minor">
+              <a:schemeClr val="lt1"/>
+            </a:fontRef>
+          </p:style>
+          <p:txBody>
+            <a:bodyPr rtlCol="0" anchor="ctr"/>
+            <a:lstStyle/>
+            <a:p>
+              <a:pPr algn="ctr"/>
+              <a:endParaRPr lang="es-MX"/>
+            </a:p>
+          </p:txBody>
+        </p:sp>
+        <p:sp>
+          <p:nvSpPr>
+            <p:cNvPr id="88" name="Elipse 30" descr="Satélite con relleno sólido">
+              <a:extLst>
+                <a:ext uri="{FF2B5EF4-FFF2-40B4-BE49-F238E27FC236}">
+                  <a16:creationId xmlns:a16="http://schemas.microsoft.com/office/drawing/2014/main" id="{DE2EB374-3B85-AB31-62FE-C506FAB91742}"/>
+                </a:ext>
+              </a:extLst>
+            </p:cNvPr>
+            <p:cNvSpPr/>
+            <p:nvPr/>
+          </p:nvSpPr>
+          <p:spPr>
+            <a:xfrm>
+              <a:off x="3570738" y="4655680"/>
+              <a:ext cx="421131" cy="421131"/>
+            </a:xfrm>
+            <a:prstGeom prst="ellipse">
+              <a:avLst/>
+            </a:prstGeom>
+            <a:blipFill dpi="0" rotWithShape="1">
+              <a:blip r:embed="rId18">
+                <a:extLst>
+                  <a:ext uri="{96DAC541-7B7A-43D3-8B79-37D633B846F1}">
+                    <asvg:svgBlip xmlns:asvg="http://schemas.microsoft.com/office/drawing/2016/SVG/main" r:embed="rId19"/>
+                  </a:ext>
+                </a:extLst>
+              </a:blip>
+              <a:srcRect/>
+              <a:stretch>
+                <a:fillRect/>
+              </a:stretch>
+            </a:blipFill>
+            <a:ln w="19050">
+              <a:solidFill>
+                <a:schemeClr val="tx1"/>
+              </a:solidFill>
+            </a:ln>
+          </p:spPr>
+          <p:style>
+            <a:lnRef idx="2">
+              <a:schemeClr val="accent1">
+                <a:shade val="50000"/>
+              </a:schemeClr>
+            </a:lnRef>
+            <a:fillRef idx="1">
+              <a:schemeClr val="accent1"/>
+            </a:fillRef>
+            <a:effectRef idx="0">
+              <a:schemeClr val="accent1"/>
+            </a:effectRef>
+            <a:fontRef idx="minor">
+              <a:schemeClr val="lt1"/>
+            </a:fontRef>
+          </p:style>
+          <p:txBody>
+            <a:bodyPr rtlCol="0" anchor="ctr"/>
+            <a:lstStyle/>
+            <a:p>
+              <a:pPr algn="ctr"/>
+              <a:endParaRPr lang="es-MX"/>
+            </a:p>
+          </p:txBody>
+        </p:sp>
+        <p:sp>
+          <p:nvSpPr>
+            <p:cNvPr id="89" name="Elipse 31" descr="Satélite con relleno sólido">
+              <a:extLst>
+                <a:ext uri="{FF2B5EF4-FFF2-40B4-BE49-F238E27FC236}">
+                  <a16:creationId xmlns:a16="http://schemas.microsoft.com/office/drawing/2014/main" id="{60F96A26-3B7B-739B-FDFC-6892A0A4D93E}"/>
+                </a:ext>
+              </a:extLst>
+            </p:cNvPr>
+            <p:cNvSpPr/>
+            <p:nvPr/>
+          </p:nvSpPr>
+          <p:spPr>
+            <a:xfrm>
+              <a:off x="5109429" y="4655680"/>
+              <a:ext cx="421131" cy="421131"/>
+            </a:xfrm>
+            <a:prstGeom prst="ellipse">
+              <a:avLst/>
+            </a:prstGeom>
+            <a:blipFill dpi="0" rotWithShape="1">
+              <a:blip r:embed="rId11">
+                <a:extLst>
+                  <a:ext uri="{96DAC541-7B7A-43D3-8B79-37D633B846F1}">
+                    <asvg:svgBlip xmlns:asvg="http://schemas.microsoft.com/office/drawing/2016/SVG/main" r:embed="rId12"/>
+                  </a:ext>
+                </a:extLst>
+              </a:blip>
+              <a:srcRect/>
+              <a:stretch>
+                <a:fillRect/>
+              </a:stretch>
+            </a:blipFill>
+            <a:ln w="19050">
+              <a:solidFill>
+                <a:schemeClr val="tx1"/>
+              </a:solidFill>
+            </a:ln>
+          </p:spPr>
+          <p:style>
+            <a:lnRef idx="2">
+              <a:schemeClr val="accent1">
+                <a:shade val="50000"/>
+              </a:schemeClr>
+            </a:lnRef>
+            <a:fillRef idx="1">
+              <a:schemeClr val="accent1"/>
+            </a:fillRef>
+            <a:effectRef idx="0">
+              <a:schemeClr val="accent1"/>
+            </a:effectRef>
+            <a:fontRef idx="minor">
+              <a:schemeClr val="lt1"/>
+            </a:fontRef>
+          </p:style>
+          <p:txBody>
+            <a:bodyPr rtlCol="0" anchor="ctr"/>
+            <a:lstStyle/>
+            <a:p>
+              <a:pPr algn="ctr"/>
+              <a:endParaRPr lang="es-MX"/>
+            </a:p>
+          </p:txBody>
+        </p:sp>
+        <p:grpSp>
+          <p:nvGrpSpPr>
+            <p:cNvPr id="90" name="Grupo 59">
+              <a:extLst>
+                <a:ext uri="{FF2B5EF4-FFF2-40B4-BE49-F238E27FC236}">
+                  <a16:creationId xmlns:a16="http://schemas.microsoft.com/office/drawing/2014/main" id="{FE696A3C-F0B4-7F66-07E4-A3A2F4E8B0E6}"/>
+                </a:ext>
+              </a:extLst>
+            </p:cNvPr>
+            <p:cNvGrpSpPr/>
+            <p:nvPr/>
+          </p:nvGrpSpPr>
+          <p:grpSpPr>
+            <a:xfrm>
+              <a:off x="4082964" y="4656279"/>
+              <a:ext cx="421131" cy="421131"/>
+              <a:chOff x="5009770" y="3330967"/>
+              <a:chExt cx="421131" cy="421131"/>
+            </a:xfrm>
+          </p:grpSpPr>
+          <p:sp>
+            <p:nvSpPr>
+              <p:cNvPr id="98" name="Elipse 60" descr="Satélite con relleno sólido">
+                <a:extLst>
+                  <a:ext uri="{FF2B5EF4-FFF2-40B4-BE49-F238E27FC236}">
+                    <a16:creationId xmlns:a16="http://schemas.microsoft.com/office/drawing/2014/main" id="{1BD971EE-43ED-6790-0956-990282C38C23}"/>
+                  </a:ext>
+                </a:extLst>
+              </p:cNvPr>
+              <p:cNvSpPr/>
+              <p:nvPr/>
+            </p:nvSpPr>
+            <p:spPr>
+              <a:xfrm>
+                <a:off x="5009770" y="3330967"/>
+                <a:ext cx="421131" cy="421131"/>
+              </a:xfrm>
+              <a:prstGeom prst="ellipse">
+                <a:avLst/>
+              </a:prstGeom>
+              <a:blipFill dpi="0" rotWithShape="1">
+                <a:blip r:embed="rId14">
+                  <a:extLst>
+                    <a:ext uri="{96DAC541-7B7A-43D3-8B79-37D633B846F1}">
+                      <asvg:svgBlip xmlns:asvg="http://schemas.microsoft.com/office/drawing/2016/SVG/main" r:embed="rId15"/>
+                    </a:ext>
+                  </a:extLst>
+                </a:blip>
+                <a:srcRect/>
+                <a:stretch>
+                  <a:fillRect/>
+                </a:stretch>
+              </a:blipFill>
+              <a:ln w="19050">
+                <a:solidFill>
+                  <a:schemeClr val="tx1"/>
+                </a:solidFill>
+              </a:ln>
+            </p:spPr>
+            <p:style>
+              <a:lnRef idx="2">
+                <a:schemeClr val="accent1">
+                  <a:shade val="50000"/>
+                </a:schemeClr>
+              </a:lnRef>
+              <a:fillRef idx="1">
+                <a:schemeClr val="accent1"/>
+              </a:fillRef>
+              <a:effectRef idx="0">
+                <a:schemeClr val="accent1"/>
+              </a:effectRef>
+              <a:fontRef idx="minor">
+                <a:schemeClr val="lt1"/>
+              </a:fontRef>
+            </p:style>
+            <p:txBody>
+              <a:bodyPr rtlCol="0" anchor="ctr"/>
+              <a:lstStyle/>
+              <a:p>
+                <a:pPr algn="ctr"/>
+                <a:endParaRPr lang="es-MX"/>
+              </a:p>
+            </p:txBody>
+          </p:sp>
+          <p:pic>
+            <p:nvPicPr>
+              <p:cNvPr id="99" name="Gráfico 61" descr="Planta con relleno sólido">
+                <a:extLst>
+                  <a:ext uri="{FF2B5EF4-FFF2-40B4-BE49-F238E27FC236}">
+                    <a16:creationId xmlns:a16="http://schemas.microsoft.com/office/drawing/2014/main" id="{40D93E8E-2BEB-F55A-7167-A43B7FC01490}"/>
+                  </a:ext>
+                </a:extLst>
+              </p:cNvPr>
+              <p:cNvPicPr>
+                <a:picLocks noChangeAspect="1"/>
+              </p:cNvPicPr>
+              <p:nvPr/>
+            </p:nvPicPr>
+            <p:blipFill>
+              <a:blip r:embed="rId16">
+                <a:extLst>
+                  <a:ext uri="{28A0092B-C50C-407E-A947-70E740481C1C}">
+                    <a14:useLocalDpi xmlns:a14="http://schemas.microsoft.com/office/drawing/2010/main" val="0"/>
+                  </a:ext>
+                  <a:ext uri="{96DAC541-7B7A-43D3-8B79-37D633B846F1}">
+                    <asvg:svgBlip xmlns:asvg="http://schemas.microsoft.com/office/drawing/2016/SVG/main" r:embed="rId17"/>
+                  </a:ext>
+                </a:extLst>
+              </a:blip>
+              <a:stretch>
+                <a:fillRect/>
+              </a:stretch>
+            </p:blipFill>
+            <p:spPr>
+              <a:xfrm rot="1309914">
+                <a:off x="5075084" y="3396168"/>
+                <a:ext cx="238483" cy="238483"/>
+              </a:xfrm>
+              <a:prstGeom prst="rect">
+                <a:avLst/>
+              </a:prstGeom>
+            </p:spPr>
+          </p:pic>
+        </p:grpSp>
+        <p:grpSp>
+          <p:nvGrpSpPr>
+            <p:cNvPr id="91" name="Grupo 63">
+              <a:extLst>
+                <a:ext uri="{FF2B5EF4-FFF2-40B4-BE49-F238E27FC236}">
+                  <a16:creationId xmlns:a16="http://schemas.microsoft.com/office/drawing/2014/main" id="{69A69893-7212-7225-8C74-E0230DE3A92B}"/>
+                </a:ext>
+              </a:extLst>
+            </p:cNvPr>
+            <p:cNvGrpSpPr/>
+            <p:nvPr/>
+          </p:nvGrpSpPr>
+          <p:grpSpPr>
+            <a:xfrm>
+              <a:off x="7935562" y="4587594"/>
+              <a:ext cx="663950" cy="550264"/>
+              <a:chOff x="7992055" y="4655844"/>
+              <a:chExt cx="663950" cy="550264"/>
+            </a:xfrm>
+          </p:grpSpPr>
+          <p:sp>
+            <p:nvSpPr>
+              <p:cNvPr id="92" name="Flecha: curvada hacia abajo 64">
+                <a:extLst>
+                  <a:ext uri="{FF2B5EF4-FFF2-40B4-BE49-F238E27FC236}">
+                    <a16:creationId xmlns:a16="http://schemas.microsoft.com/office/drawing/2014/main" id="{CBAF3573-9F88-AEAF-7143-CA4061C93FAE}"/>
+                  </a:ext>
+                </a:extLst>
+              </p:cNvPr>
+              <p:cNvSpPr/>
+              <p:nvPr/>
+            </p:nvSpPr>
+            <p:spPr>
+              <a:xfrm rot="3187469">
+                <a:off x="8253074" y="4747701"/>
+                <a:ext cx="416560" cy="232845"/>
+              </a:xfrm>
+              <a:prstGeom prst="curvedDownArrow">
+                <a:avLst/>
+              </a:prstGeom>
+            </p:spPr>
+            <p:style>
+              <a:lnRef idx="2">
+                <a:schemeClr val="accent1">
+                  <a:shade val="50000"/>
+                </a:schemeClr>
+              </a:lnRef>
+              <a:fillRef idx="1">
+                <a:schemeClr val="accent1"/>
+              </a:fillRef>
+              <a:effectRef idx="0">
+                <a:schemeClr val="accent1"/>
+              </a:effectRef>
+              <a:fontRef idx="minor">
+                <a:schemeClr val="lt1"/>
+              </a:fontRef>
+            </p:style>
+            <p:txBody>
+              <a:bodyPr rtlCol="0" anchor="ctr"/>
+              <a:lstStyle/>
+              <a:p>
+                <a:pPr algn="ctr"/>
+                <a:endParaRPr lang="es-MX">
+                  <a:solidFill>
+                    <a:schemeClr val="tx1"/>
+                  </a:solidFill>
+                </a:endParaRPr>
+              </a:p>
+            </p:txBody>
+          </p:sp>
+          <p:sp>
+            <p:nvSpPr>
+              <p:cNvPr id="93" name="Flecha: curvada hacia abajo 65">
+                <a:extLst>
+                  <a:ext uri="{FF2B5EF4-FFF2-40B4-BE49-F238E27FC236}">
+                    <a16:creationId xmlns:a16="http://schemas.microsoft.com/office/drawing/2014/main" id="{6EE47D0C-617F-5EB5-2F9D-0BE550868151}"/>
+                  </a:ext>
+                </a:extLst>
+              </p:cNvPr>
+              <p:cNvSpPr/>
+              <p:nvPr/>
+            </p:nvSpPr>
+            <p:spPr>
+              <a:xfrm rot="14656350">
+                <a:off x="7965809" y="4881405"/>
+                <a:ext cx="416560" cy="232845"/>
+              </a:xfrm>
+              <a:prstGeom prst="curvedDownArrow">
+                <a:avLst/>
+              </a:prstGeom>
+            </p:spPr>
+            <p:style>
+              <a:lnRef idx="2">
+                <a:schemeClr val="accent1">
+                  <a:shade val="50000"/>
+                </a:schemeClr>
+              </a:lnRef>
+              <a:fillRef idx="1">
+                <a:schemeClr val="accent1"/>
+              </a:fillRef>
+              <a:effectRef idx="0">
+                <a:schemeClr val="accent1"/>
+              </a:effectRef>
+              <a:fontRef idx="minor">
+                <a:schemeClr val="lt1"/>
+              </a:fontRef>
+            </p:style>
+            <p:txBody>
+              <a:bodyPr rtlCol="0" anchor="ctr"/>
+              <a:lstStyle/>
+              <a:p>
+                <a:pPr algn="ctr"/>
+                <a:endParaRPr lang="es-MX">
+                  <a:solidFill>
+                    <a:schemeClr val="tx1"/>
+                  </a:solidFill>
+                </a:endParaRPr>
+              </a:p>
+            </p:txBody>
+          </p:sp>
+          <p:sp>
+            <p:nvSpPr>
+              <p:cNvPr id="94" name="Rectángulo 66">
+                <a:extLst>
+                  <a:ext uri="{FF2B5EF4-FFF2-40B4-BE49-F238E27FC236}">
+                    <a16:creationId xmlns:a16="http://schemas.microsoft.com/office/drawing/2014/main" id="{0F73AF1C-2F04-4048-DB9B-03269DEF6BB3}"/>
+                  </a:ext>
+                </a:extLst>
+              </p:cNvPr>
+              <p:cNvSpPr/>
+              <p:nvPr/>
+            </p:nvSpPr>
+            <p:spPr>
+              <a:xfrm rot="19990860">
+                <a:off x="8380258" y="5051594"/>
+                <a:ext cx="63302" cy="63302"/>
+              </a:xfrm>
+              <a:prstGeom prst="rect">
+                <a:avLst/>
+              </a:prstGeom>
+            </p:spPr>
+            <p:style>
+              <a:lnRef idx="2">
+                <a:schemeClr val="accent1">
+                  <a:shade val="50000"/>
+                </a:schemeClr>
+              </a:lnRef>
+              <a:fillRef idx="1">
+                <a:schemeClr val="accent1"/>
+              </a:fillRef>
+              <a:effectRef idx="0">
+                <a:schemeClr val="accent1"/>
+              </a:effectRef>
+              <a:fontRef idx="minor">
+                <a:schemeClr val="lt1"/>
+              </a:fontRef>
+            </p:style>
+            <p:txBody>
+              <a:bodyPr rtlCol="0" anchor="ctr"/>
+              <a:lstStyle/>
+              <a:p>
+                <a:pPr algn="ctr"/>
+                <a:endParaRPr lang="es-MX"/>
+              </a:p>
+            </p:txBody>
+          </p:sp>
+          <p:grpSp>
+            <p:nvGrpSpPr>
+              <p:cNvPr id="95" name="Grupo 67">
+                <a:extLst>
+                  <a:ext uri="{FF2B5EF4-FFF2-40B4-BE49-F238E27FC236}">
+                    <a16:creationId xmlns:a16="http://schemas.microsoft.com/office/drawing/2014/main" id="{14123D1D-A414-3BDE-9701-9C05346B3E08}"/>
+                  </a:ext>
+                </a:extLst>
+              </p:cNvPr>
+              <p:cNvGrpSpPr/>
+              <p:nvPr/>
+            </p:nvGrpSpPr>
+            <p:grpSpPr>
+              <a:xfrm rot="19602821">
+                <a:off x="7992055" y="4756102"/>
+                <a:ext cx="663950" cy="344959"/>
+                <a:chOff x="10446969" y="5174945"/>
+                <a:chExt cx="663950" cy="344959"/>
+              </a:xfrm>
+            </p:grpSpPr>
+            <p:sp>
+              <p:nvSpPr>
+                <p:cNvPr id="96" name="CuadroTexto 68">
+                  <a:extLst>
+                    <a:ext uri="{FF2B5EF4-FFF2-40B4-BE49-F238E27FC236}">
+                      <a16:creationId xmlns:a16="http://schemas.microsoft.com/office/drawing/2014/main" id="{212575B9-716A-28DA-601E-B29A23F8F006}"/>
+                    </a:ext>
+                  </a:extLst>
+                </p:cNvPr>
+                <p:cNvSpPr txBox="1"/>
+                <p:nvPr/>
+              </p:nvSpPr>
+              <p:spPr>
+                <a:xfrm rot="21482985">
+                  <a:off x="10480118" y="5174945"/>
+                  <a:ext cx="469891" cy="253916"/>
+                </a:xfrm>
+                <a:prstGeom prst="rect">
+                  <a:avLst/>
+                </a:prstGeom>
+                <a:noFill/>
+              </p:spPr>
+              <p:txBody>
+                <a:bodyPr wrap="square" rtlCol="0">
+                  <a:spAutoFit/>
+                </a:bodyPr>
+                <a:lstStyle/>
+                <a:p>
+                  <a:pPr algn="ctr"/>
+                  <a:r>
+                    <a:rPr lang="es-MX" sz="1050" b="1" spc="100" dirty="0">
+                      <a:solidFill>
+                        <a:schemeClr val="tx1"/>
+                      </a:solidFill>
+                      <a:effectLst>
+                        <a:outerShdw blurRad="38100" dist="38100" dir="2700000" algn="tl">
+                          <a:srgbClr val="000000">
+                            <a:alpha val="43137"/>
+                          </a:srgbClr>
+                        </a:outerShdw>
+                      </a:effectLst>
+                      <a:latin typeface="Agency FB" panose="020B0503020202020204" pitchFamily="34" charset="0"/>
+                    </a:rPr>
+                    <a:t>Gaia</a:t>
+                  </a:r>
+                  <a:endParaRPr lang="es-MX" sz="900" b="1" spc="100" dirty="0">
+                    <a:solidFill>
+                      <a:schemeClr val="tx1"/>
+                    </a:solidFill>
+                    <a:effectLst>
+                      <a:outerShdw blurRad="38100" dist="38100" dir="2700000" algn="tl">
+                        <a:srgbClr val="000000">
+                          <a:alpha val="43137"/>
+                        </a:srgbClr>
+                      </a:outerShdw>
+                    </a:effectLst>
+                    <a:latin typeface="Agency FB" panose="020B0503020202020204" pitchFamily="34" charset="0"/>
+                  </a:endParaRPr>
+                </a:p>
+              </p:txBody>
+            </p:sp>
+            <p:sp>
+              <p:nvSpPr>
+                <p:cNvPr id="97" name="CuadroTexto 69">
+                  <a:extLst>
+                    <a:ext uri="{FF2B5EF4-FFF2-40B4-BE49-F238E27FC236}">
+                      <a16:creationId xmlns:a16="http://schemas.microsoft.com/office/drawing/2014/main" id="{1B36A246-0A3E-3F74-8232-8EDA5907D817}"/>
+                    </a:ext>
+                  </a:extLst>
+                </p:cNvPr>
+                <p:cNvSpPr txBox="1"/>
+                <p:nvPr/>
+              </p:nvSpPr>
+              <p:spPr>
+                <a:xfrm rot="21518147">
+                  <a:off x="10446969" y="5273683"/>
+                  <a:ext cx="663950" cy="246221"/>
+                </a:xfrm>
+                <a:prstGeom prst="rect">
+                  <a:avLst/>
+                </a:prstGeom>
+                <a:noFill/>
+              </p:spPr>
+              <p:txBody>
+                <a:bodyPr wrap="square" rtlCol="0">
+                  <a:spAutoFit/>
+                </a:bodyPr>
+                <a:lstStyle/>
+                <a:p>
+                  <a:pPr algn="ctr"/>
+                  <a:r>
+                    <a:rPr lang="es-MX" sz="1000" spc="50" dirty="0" err="1">
+                      <a:solidFill>
+                        <a:schemeClr val="tx1"/>
+                      </a:solidFill>
+                      <a:effectLst>
+                        <a:outerShdw blurRad="38100" dist="38100" dir="2700000" algn="tl">
+                          <a:srgbClr val="000000">
+                            <a:alpha val="43137"/>
+                          </a:srgbClr>
+                        </a:outerShdw>
+                      </a:effectLst>
+                      <a:latin typeface="Agency FB" panose="020B0503020202020204" pitchFamily="34" charset="0"/>
+                    </a:rPr>
+                    <a:t>inside</a:t>
+                  </a:r>
+                  <a:endParaRPr lang="es-MX" sz="700" spc="50" dirty="0">
+                    <a:solidFill>
+                      <a:schemeClr val="tx1"/>
+                    </a:solidFill>
+                    <a:effectLst>
+                      <a:outerShdw blurRad="38100" dist="38100" dir="2700000" algn="tl">
+                        <a:srgbClr val="000000">
+                          <a:alpha val="43137"/>
+                        </a:srgbClr>
+                      </a:outerShdw>
+                    </a:effectLst>
+                    <a:latin typeface="Agency FB" panose="020B0503020202020204" pitchFamily="34" charset="0"/>
+                  </a:endParaRPr>
+                </a:p>
+              </p:txBody>
+            </p:sp>
+          </p:grpSp>
+        </p:grpSp>
+      </p:grpSp>
+      <p:pic>
+        <p:nvPicPr>
+          <p:cNvPr id="100" name="Marcador de posición de contenido 5">
+            <a:extLst>
+              <a:ext uri="{FF2B5EF4-FFF2-40B4-BE49-F238E27FC236}">
+                <a16:creationId xmlns:a16="http://schemas.microsoft.com/office/drawing/2014/main" id="{5E442D7C-C488-A163-CA28-7D6A79894CF8}"/>
+              </a:ext>
+            </a:extLst>
+          </p:cNvPr>
+          <p:cNvPicPr>
+            <a:picLocks noGrp="1" noChangeAspect="1"/>
+          </p:cNvPicPr>
+          <p:nvPr/>
+        </p:nvPicPr>
+        <p:blipFill>
+          <a:blip r:embed="rId2"/>
+          <a:stretch>
+            <a:fillRect/>
+          </a:stretch>
+        </p:blipFill>
+        <p:spPr>
+          <a:xfrm>
+            <a:off x="887932" y="3736356"/>
+            <a:ext cx="2777315" cy="654866"/>
+          </a:xfrm>
+          <a:prstGeom prst="rect">
+            <a:avLst/>
+          </a:prstGeom>
+          <a:effectLst/>
+        </p:spPr>
+      </p:pic>
+      <p:cxnSp>
+        <p:nvCxnSpPr>
+          <p:cNvPr id="101" name="Conector recto 6">
+            <a:extLst>
+              <a:ext uri="{FF2B5EF4-FFF2-40B4-BE49-F238E27FC236}">
+                <a16:creationId xmlns:a16="http://schemas.microsoft.com/office/drawing/2014/main" id="{B6686E39-6A9E-5018-6CCD-B0A5349AE7FE}"/>
+              </a:ext>
+            </a:extLst>
+          </p:cNvPr>
+          <p:cNvCxnSpPr>
+            <a:cxnSpLocks/>
+          </p:cNvCxnSpPr>
+          <p:nvPr/>
+        </p:nvCxnSpPr>
+        <p:spPr>
+          <a:xfrm>
+            <a:off x="887932" y="4387702"/>
+            <a:ext cx="4995336" cy="0"/>
+          </a:xfrm>
+          <a:prstGeom prst="line">
+            <a:avLst/>
+          </a:prstGeom>
+          <a:effectLst>
+            <a:outerShdw blurRad="50800" dist="38100" dir="2700000" algn="tl" rotWithShape="0">
+              <a:prstClr val="black">
+                <a:alpha val="40000"/>
+              </a:prstClr>
+            </a:outerShdw>
+          </a:effectLst>
+        </p:spPr>
+        <p:style>
+          <a:lnRef idx="3">
+            <a:schemeClr val="dk1"/>
+          </a:lnRef>
+          <a:fillRef idx="0">
+            <a:schemeClr val="dk1"/>
+          </a:fillRef>
+          <a:effectRef idx="2">
+            <a:schemeClr val="dk1"/>
+          </a:effectRef>
+          <a:fontRef idx="minor">
+            <a:schemeClr val="tx1"/>
+          </a:fontRef>
+        </p:style>
+      </p:cxnSp>
+      <p:pic>
+        <p:nvPicPr>
+          <p:cNvPr id="102" name="Marcador de posición de contenido 5">
+            <a:extLst>
+              <a:ext uri="{FF2B5EF4-FFF2-40B4-BE49-F238E27FC236}">
+                <a16:creationId xmlns:a16="http://schemas.microsoft.com/office/drawing/2014/main" id="{18036677-5A42-82BA-27C9-7F7491CA378D}"/>
+              </a:ext>
+            </a:extLst>
+          </p:cNvPr>
+          <p:cNvPicPr>
+            <a:picLocks noGrp="1" noChangeAspect="1"/>
+          </p:cNvPicPr>
+          <p:nvPr/>
+        </p:nvPicPr>
+        <p:blipFill>
+          <a:blip r:embed="rId2"/>
+          <a:stretch>
+            <a:fillRect/>
+          </a:stretch>
+        </p:blipFill>
+        <p:spPr>
+          <a:xfrm>
+            <a:off x="6094602" y="3736356"/>
+            <a:ext cx="2777315" cy="654866"/>
+          </a:xfrm>
+          <a:prstGeom prst="rect">
+            <a:avLst/>
+          </a:prstGeom>
+          <a:effectLst/>
+        </p:spPr>
+      </p:pic>
+      <p:cxnSp>
+        <p:nvCxnSpPr>
+          <p:cNvPr id="103" name="Conector recto 6">
+            <a:extLst>
+              <a:ext uri="{FF2B5EF4-FFF2-40B4-BE49-F238E27FC236}">
+                <a16:creationId xmlns:a16="http://schemas.microsoft.com/office/drawing/2014/main" id="{5A66C3BB-C3FB-F4C1-442B-8CB3AB262522}"/>
+              </a:ext>
+            </a:extLst>
+          </p:cNvPr>
+          <p:cNvCxnSpPr>
+            <a:cxnSpLocks/>
+          </p:cNvCxnSpPr>
+          <p:nvPr/>
+        </p:nvCxnSpPr>
+        <p:spPr>
+          <a:xfrm>
+            <a:off x="6094602" y="4387702"/>
+            <a:ext cx="4995336" cy="0"/>
+          </a:xfrm>
+          <a:prstGeom prst="line">
+            <a:avLst/>
+          </a:prstGeom>
+          <a:effectLst>
+            <a:outerShdw blurRad="50800" dist="38100" dir="2700000" algn="tl" rotWithShape="0">
+              <a:prstClr val="black">
+                <a:alpha val="40000"/>
+              </a:prstClr>
+            </a:outerShdw>
+          </a:effectLst>
+        </p:spPr>
+        <p:style>
+          <a:lnRef idx="3">
+            <a:schemeClr val="dk1"/>
+          </a:lnRef>
+          <a:fillRef idx="0">
+            <a:schemeClr val="dk1"/>
+          </a:fillRef>
+          <a:effectRef idx="2">
+            <a:schemeClr val="dk1"/>
+          </a:effectRef>
+          <a:fontRef idx="minor">
+            <a:schemeClr val="tx1"/>
+          </a:fontRef>
+        </p:style>
+      </p:cxnSp>
+      <p:pic>
+        <p:nvPicPr>
+          <p:cNvPr id="104" name="Marcador de posición de contenido 5">
+            <a:extLst>
+              <a:ext uri="{FF2B5EF4-FFF2-40B4-BE49-F238E27FC236}">
+                <a16:creationId xmlns:a16="http://schemas.microsoft.com/office/drawing/2014/main" id="{08A7780B-072F-1B05-1E50-EF2D6F3A5F78}"/>
+              </a:ext>
+            </a:extLst>
+          </p:cNvPr>
+          <p:cNvPicPr>
+            <a:picLocks noGrp="1" noChangeAspect="1"/>
+          </p:cNvPicPr>
+          <p:nvPr/>
+        </p:nvPicPr>
+        <p:blipFill>
+          <a:blip r:embed="rId2"/>
+          <a:stretch>
+            <a:fillRect/>
+          </a:stretch>
+        </p:blipFill>
+        <p:spPr>
+          <a:xfrm>
+            <a:off x="887932" y="4405149"/>
+            <a:ext cx="2777315" cy="654866"/>
+          </a:xfrm>
+          <a:prstGeom prst="rect">
+            <a:avLst/>
+          </a:prstGeom>
+          <a:effectLst/>
+        </p:spPr>
+      </p:pic>
+      <p:cxnSp>
+        <p:nvCxnSpPr>
+          <p:cNvPr id="105" name="Conector recto 6">
+            <a:extLst>
+              <a:ext uri="{FF2B5EF4-FFF2-40B4-BE49-F238E27FC236}">
+                <a16:creationId xmlns:a16="http://schemas.microsoft.com/office/drawing/2014/main" id="{87590B59-EA23-E014-9951-60E02191CAD3}"/>
+              </a:ext>
+            </a:extLst>
+          </p:cNvPr>
+          <p:cNvCxnSpPr>
+            <a:cxnSpLocks/>
+          </p:cNvCxnSpPr>
+          <p:nvPr/>
+        </p:nvCxnSpPr>
+        <p:spPr>
+          <a:xfrm>
+            <a:off x="887932" y="5056495"/>
+            <a:ext cx="4995336" cy="0"/>
+          </a:xfrm>
+          <a:prstGeom prst="line">
+            <a:avLst/>
+          </a:prstGeom>
+          <a:effectLst>
+            <a:outerShdw blurRad="50800" dist="38100" dir="2700000" algn="tl" rotWithShape="0">
+              <a:prstClr val="black">
+                <a:alpha val="40000"/>
+              </a:prstClr>
+            </a:outerShdw>
+          </a:effectLst>
+        </p:spPr>
+        <p:style>
+          <a:lnRef idx="3">
+            <a:schemeClr val="dk1"/>
+          </a:lnRef>
+          <a:fillRef idx="0">
+            <a:schemeClr val="dk1"/>
+          </a:fillRef>
+          <a:effectRef idx="2">
+            <a:schemeClr val="dk1"/>
+          </a:effectRef>
+          <a:fontRef idx="minor">
+            <a:schemeClr val="tx1"/>
+          </a:fontRef>
+        </p:style>
+      </p:cxnSp>
+      <p:pic>
+        <p:nvPicPr>
+          <p:cNvPr id="106" name="Marcador de posición de contenido 5">
+            <a:extLst>
+              <a:ext uri="{FF2B5EF4-FFF2-40B4-BE49-F238E27FC236}">
+                <a16:creationId xmlns:a16="http://schemas.microsoft.com/office/drawing/2014/main" id="{A3D7F0B4-6B9A-5C93-A8A4-EB669484EA4D}"/>
+              </a:ext>
+            </a:extLst>
+          </p:cNvPr>
+          <p:cNvPicPr>
+            <a:picLocks noGrp="1" noChangeAspect="1"/>
+          </p:cNvPicPr>
+          <p:nvPr/>
+        </p:nvPicPr>
+        <p:blipFill>
+          <a:blip r:embed="rId2"/>
+          <a:stretch>
+            <a:fillRect/>
+          </a:stretch>
+        </p:blipFill>
+        <p:spPr>
+          <a:xfrm>
+            <a:off x="6094602" y="4405149"/>
+            <a:ext cx="2777315" cy="654866"/>
+          </a:xfrm>
+          <a:prstGeom prst="rect">
+            <a:avLst/>
+          </a:prstGeom>
+          <a:effectLst/>
+        </p:spPr>
+      </p:pic>
+      <p:cxnSp>
+        <p:nvCxnSpPr>
+          <p:cNvPr id="107" name="Conector recto 6">
+            <a:extLst>
+              <a:ext uri="{FF2B5EF4-FFF2-40B4-BE49-F238E27FC236}">
+                <a16:creationId xmlns:a16="http://schemas.microsoft.com/office/drawing/2014/main" id="{B939DD05-3FFE-BDF5-EAA0-D500CBB25E3F}"/>
+              </a:ext>
+            </a:extLst>
+          </p:cNvPr>
+          <p:cNvCxnSpPr>
+            <a:cxnSpLocks/>
+          </p:cNvCxnSpPr>
+          <p:nvPr/>
+        </p:nvCxnSpPr>
+        <p:spPr>
+          <a:xfrm>
+            <a:off x="6094602" y="5056495"/>
+            <a:ext cx="4995336" cy="0"/>
+          </a:xfrm>
+          <a:prstGeom prst="line">
+            <a:avLst/>
+          </a:prstGeom>
+          <a:effectLst>
+            <a:outerShdw blurRad="50800" dist="38100" dir="2700000" algn="tl" rotWithShape="0">
+              <a:prstClr val="black">
+                <a:alpha val="40000"/>
+              </a:prstClr>
+            </a:outerShdw>
+          </a:effectLst>
+        </p:spPr>
+        <p:style>
+          <a:lnRef idx="3">
+            <a:schemeClr val="dk1"/>
+          </a:lnRef>
+          <a:fillRef idx="0">
+            <a:schemeClr val="dk1"/>
+          </a:fillRef>
+          <a:effectRef idx="2">
+            <a:schemeClr val="dk1"/>
+          </a:effectRef>
+          <a:fontRef idx="minor">
+            <a:schemeClr val="tx1"/>
+          </a:fontRef>
+        </p:style>
+      </p:cxnSp>
+    </p:spTree>
+    <p:extLst>
+      <p:ext uri="{BB962C8B-B14F-4D97-AF65-F5344CB8AC3E}">
+        <p14:creationId xmlns:p14="http://schemas.microsoft.com/office/powerpoint/2010/main" val="982990170"/>
+      </p:ext>
+    </p:extLst>
+  </p:cSld>
+  <p:clrMapOvr>
+    <a:masterClrMapping/>
+  </p:clrMapOvr>
+</p:sld>
+</file>
+
 <file path=ppt/slides/slide2.xml><?xml version="1.0" encoding="utf-8"?>
 <p:sld xmlns:a="http://schemas.openxmlformats.org/drawingml/2006/main" xmlns:r="http://schemas.openxmlformats.org/officeDocument/2006/relationships" xmlns:p="http://schemas.openxmlformats.org/presentationml/2006/main">
   <p:cSld>

--- a/Documentación/Protocolos/Carátulas equipos [Autoguardado].pptx
+++ b/Documentación/Protocolos/Carátulas equipos [Autoguardado].pptx
@@ -16,9 +16,14 @@
     <p:sldId id="261" r:id="rId10"/>
     <p:sldId id="263" r:id="rId11"/>
     <p:sldId id="264" r:id="rId12"/>
-    <p:sldId id="262" r:id="rId13"/>
-    <p:sldId id="265" r:id="rId14"/>
-    <p:sldId id="269" r:id="rId15"/>
+    <p:sldId id="270" r:id="rId13"/>
+    <p:sldId id="271" r:id="rId14"/>
+    <p:sldId id="274" r:id="rId15"/>
+    <p:sldId id="272" r:id="rId16"/>
+    <p:sldId id="273" r:id="rId17"/>
+    <p:sldId id="262" r:id="rId18"/>
+    <p:sldId id="265" r:id="rId19"/>
+    <p:sldId id="269" r:id="rId20"/>
   </p:sldIdLst>
   <p:sldSz cx="12192000" cy="6858000"/>
   <p:notesSz cx="7010400" cy="9296400"/>
@@ -10886,7 +10891,7 @@
           <a:p>
             <a:fld id="{95AF202D-7720-4F33-A7BB-C60F29491137}" type="datetimeFigureOut">
               <a:rPr lang="es-MX" smtClean="0"/>
-              <a:t>24/10/2024</a:t>
+              <a:t>23/09/2025</a:t>
             </a:fld>
             <a:endParaRPr lang="es-MX"/>
           </a:p>
@@ -10940,7 +10945,7 @@
           <a:p>
             <a:fld id="{C2E5FF3C-936A-463C-8FD6-482040EC2D06}" type="slidenum">
               <a:rPr lang="es-MX" smtClean="0"/>
-              <a:t>‹#›</a:t>
+              <a:t>‹Nº›</a:t>
             </a:fld>
             <a:endParaRPr lang="es-MX"/>
           </a:p>
@@ -11086,7 +11091,7 @@
           <a:p>
             <a:fld id="{95AF202D-7720-4F33-A7BB-C60F29491137}" type="datetimeFigureOut">
               <a:rPr lang="es-MX" smtClean="0"/>
-              <a:t>24/10/2024</a:t>
+              <a:t>23/09/2025</a:t>
             </a:fld>
             <a:endParaRPr lang="es-MX"/>
           </a:p>
@@ -11140,7 +11145,7 @@
           <a:p>
             <a:fld id="{C2E5FF3C-936A-463C-8FD6-482040EC2D06}" type="slidenum">
               <a:rPr lang="es-MX" smtClean="0"/>
-              <a:t>‹#›</a:t>
+              <a:t>‹Nº›</a:t>
             </a:fld>
             <a:endParaRPr lang="es-MX"/>
           </a:p>
@@ -11296,7 +11301,7 @@
           <a:p>
             <a:fld id="{95AF202D-7720-4F33-A7BB-C60F29491137}" type="datetimeFigureOut">
               <a:rPr lang="es-MX" smtClean="0"/>
-              <a:t>24/10/2024</a:t>
+              <a:t>23/09/2025</a:t>
             </a:fld>
             <a:endParaRPr lang="es-MX"/>
           </a:p>
@@ -11350,7 +11355,7 @@
           <a:p>
             <a:fld id="{C2E5FF3C-936A-463C-8FD6-482040EC2D06}" type="slidenum">
               <a:rPr lang="es-MX" smtClean="0"/>
-              <a:t>‹#›</a:t>
+              <a:t>‹Nº›</a:t>
             </a:fld>
             <a:endParaRPr lang="es-MX"/>
           </a:p>
@@ -11496,7 +11501,7 @@
           <a:p>
             <a:fld id="{95AF202D-7720-4F33-A7BB-C60F29491137}" type="datetimeFigureOut">
               <a:rPr lang="es-MX" smtClean="0"/>
-              <a:t>24/10/2024</a:t>
+              <a:t>23/09/2025</a:t>
             </a:fld>
             <a:endParaRPr lang="es-MX"/>
           </a:p>
@@ -11550,7 +11555,7 @@
           <a:p>
             <a:fld id="{C2E5FF3C-936A-463C-8FD6-482040EC2D06}" type="slidenum">
               <a:rPr lang="es-MX" smtClean="0"/>
-              <a:t>‹#›</a:t>
+              <a:t>‹Nº›</a:t>
             </a:fld>
             <a:endParaRPr lang="es-MX"/>
           </a:p>
@@ -11772,7 +11777,7 @@
           <a:p>
             <a:fld id="{95AF202D-7720-4F33-A7BB-C60F29491137}" type="datetimeFigureOut">
               <a:rPr lang="es-MX" smtClean="0"/>
-              <a:t>24/10/2024</a:t>
+              <a:t>23/09/2025</a:t>
             </a:fld>
             <a:endParaRPr lang="es-MX"/>
           </a:p>
@@ -11826,7 +11831,7 @@
           <a:p>
             <a:fld id="{C2E5FF3C-936A-463C-8FD6-482040EC2D06}" type="slidenum">
               <a:rPr lang="es-MX" smtClean="0"/>
-              <a:t>‹#›</a:t>
+              <a:t>‹Nº›</a:t>
             </a:fld>
             <a:endParaRPr lang="es-MX"/>
           </a:p>
@@ -12040,7 +12045,7 @@
           <a:p>
             <a:fld id="{95AF202D-7720-4F33-A7BB-C60F29491137}" type="datetimeFigureOut">
               <a:rPr lang="es-MX" smtClean="0"/>
-              <a:t>24/10/2024</a:t>
+              <a:t>23/09/2025</a:t>
             </a:fld>
             <a:endParaRPr lang="es-MX"/>
           </a:p>
@@ -12094,7 +12099,7 @@
           <a:p>
             <a:fld id="{C2E5FF3C-936A-463C-8FD6-482040EC2D06}" type="slidenum">
               <a:rPr lang="es-MX" smtClean="0"/>
-              <a:t>‹#›</a:t>
+              <a:t>‹Nº›</a:t>
             </a:fld>
             <a:endParaRPr lang="es-MX"/>
           </a:p>
@@ -12455,7 +12460,7 @@
           <a:p>
             <a:fld id="{95AF202D-7720-4F33-A7BB-C60F29491137}" type="datetimeFigureOut">
               <a:rPr lang="es-MX" smtClean="0"/>
-              <a:t>24/10/2024</a:t>
+              <a:t>23/09/2025</a:t>
             </a:fld>
             <a:endParaRPr lang="es-MX"/>
           </a:p>
@@ -12509,7 +12514,7 @@
           <a:p>
             <a:fld id="{C2E5FF3C-936A-463C-8FD6-482040EC2D06}" type="slidenum">
               <a:rPr lang="es-MX" smtClean="0"/>
-              <a:t>‹#›</a:t>
+              <a:t>‹Nº›</a:t>
             </a:fld>
             <a:endParaRPr lang="es-MX"/>
           </a:p>
@@ -12597,7 +12602,7 @@
           <a:p>
             <a:fld id="{95AF202D-7720-4F33-A7BB-C60F29491137}" type="datetimeFigureOut">
               <a:rPr lang="es-MX" smtClean="0"/>
-              <a:t>24/10/2024</a:t>
+              <a:t>23/09/2025</a:t>
             </a:fld>
             <a:endParaRPr lang="es-MX"/>
           </a:p>
@@ -12651,7 +12656,7 @@
           <a:p>
             <a:fld id="{C2E5FF3C-936A-463C-8FD6-482040EC2D06}" type="slidenum">
               <a:rPr lang="es-MX" smtClean="0"/>
-              <a:t>‹#›</a:t>
+              <a:t>‹Nº›</a:t>
             </a:fld>
             <a:endParaRPr lang="es-MX"/>
           </a:p>
@@ -12710,7 +12715,7 @@
           <a:p>
             <a:fld id="{95AF202D-7720-4F33-A7BB-C60F29491137}" type="datetimeFigureOut">
               <a:rPr lang="es-MX" smtClean="0"/>
-              <a:t>24/10/2024</a:t>
+              <a:t>23/09/2025</a:t>
             </a:fld>
             <a:endParaRPr lang="es-MX"/>
           </a:p>
@@ -12764,7 +12769,7 @@
           <a:p>
             <a:fld id="{C2E5FF3C-936A-463C-8FD6-482040EC2D06}" type="slidenum">
               <a:rPr lang="es-MX" smtClean="0"/>
-              <a:t>‹#›</a:t>
+              <a:t>‹Nº›</a:t>
             </a:fld>
             <a:endParaRPr lang="es-MX"/>
           </a:p>
@@ -13023,7 +13028,7 @@
           <a:p>
             <a:fld id="{95AF202D-7720-4F33-A7BB-C60F29491137}" type="datetimeFigureOut">
               <a:rPr lang="es-MX" smtClean="0"/>
-              <a:t>24/10/2024</a:t>
+              <a:t>23/09/2025</a:t>
             </a:fld>
             <a:endParaRPr lang="es-MX"/>
           </a:p>
@@ -13077,7 +13082,7 @@
           <a:p>
             <a:fld id="{C2E5FF3C-936A-463C-8FD6-482040EC2D06}" type="slidenum">
               <a:rPr lang="es-MX" smtClean="0"/>
-              <a:t>‹#›</a:t>
+              <a:t>‹Nº›</a:t>
             </a:fld>
             <a:endParaRPr lang="es-MX"/>
           </a:p>
@@ -13312,7 +13317,7 @@
           <a:p>
             <a:fld id="{95AF202D-7720-4F33-A7BB-C60F29491137}" type="datetimeFigureOut">
               <a:rPr lang="es-MX" smtClean="0"/>
-              <a:t>24/10/2024</a:t>
+              <a:t>23/09/2025</a:t>
             </a:fld>
             <a:endParaRPr lang="es-MX"/>
           </a:p>
@@ -13366,7 +13371,7 @@
           <a:p>
             <a:fld id="{C2E5FF3C-936A-463C-8FD6-482040EC2D06}" type="slidenum">
               <a:rPr lang="es-MX" smtClean="0"/>
-              <a:t>‹#›</a:t>
+              <a:t>‹Nº›</a:t>
             </a:fld>
             <a:endParaRPr lang="es-MX"/>
           </a:p>
@@ -13555,7 +13560,7 @@
           <a:p>
             <a:fld id="{95AF202D-7720-4F33-A7BB-C60F29491137}" type="datetimeFigureOut">
               <a:rPr lang="es-MX" smtClean="0"/>
-              <a:t>24/10/2024</a:t>
+              <a:t>23/09/2025</a:t>
             </a:fld>
             <a:endParaRPr lang="es-MX"/>
           </a:p>
@@ -13645,7 +13650,7 @@
           <a:p>
             <a:fld id="{C2E5FF3C-936A-463C-8FD6-482040EC2D06}" type="slidenum">
               <a:rPr lang="es-MX" smtClean="0"/>
-              <a:t>‹#›</a:t>
+              <a:t>‹Nº›</a:t>
             </a:fld>
             <a:endParaRPr lang="es-MX"/>
           </a:p>
@@ -16361,7 +16366,13 @@
           <a:prstGeom prst="rect">
             <a:avLst/>
           </a:prstGeom>
-          <a:effectLst/>
+          <a:effectLst>
+            <a:outerShdw blurRad="50800" dist="38100" dir="2700000" algn="tl" rotWithShape="0">
+              <a:prstClr val="black">
+                <a:alpha val="40000"/>
+              </a:prstClr>
+            </a:outerShdw>
+          </a:effectLst>
         </p:spPr>
       </p:pic>
       <p:cxnSp>
@@ -16424,7 +16435,7 @@
         <p:spPr>
           <a:xfrm>
             <a:off x="5622326" y="3432519"/>
-            <a:ext cx="2955450" cy="338554"/>
+            <a:ext cx="2955450" cy="400110"/>
           </a:xfrm>
           <a:prstGeom prst="rect">
             <a:avLst/>
@@ -16439,7 +16450,7 @@
           <a:p>
             <a:pPr algn="r"/>
             <a:r>
-              <a:rPr lang="es-MX" sz="1600" i="1" dirty="0">
+              <a:rPr lang="es-MX" sz="2000" i="1" dirty="0" err="1">
                 <a:effectLst>
                   <a:outerShdw blurRad="38100" dist="38100" dir="2700000" algn="tl">
                     <a:srgbClr val="000000">
@@ -16447,9 +16458,22 @@
                     </a:srgbClr>
                   </a:outerShdw>
                 </a:effectLst>
-                <a:latin typeface="Agency FB" panose="020B0503020202020204" pitchFamily="34" charset="0"/>
+                <a:latin typeface="+mj-lt"/>
               </a:rPr>
-              <a:t>Movimiento continuo Serie Pv66      treme</a:t>
+              <a:t>Pivot</a:t>
+            </a:r>
+            <a:r>
+              <a:rPr lang="es-MX" sz="2000" i="1" dirty="0">
+                <a:effectLst>
+                  <a:outerShdw blurRad="38100" dist="38100" dir="2700000" algn="tl">
+                    <a:srgbClr val="000000">
+                      <a:alpha val="43137"/>
+                    </a:srgbClr>
+                  </a:outerShdw>
+                </a:effectLst>
+                <a:latin typeface="+mj-lt"/>
+              </a:rPr>
+              <a:t> Control</a:t>
             </a:r>
           </a:p>
         </p:txBody>
@@ -17004,346 +17028,6 @@
           </p:spPr>
         </p:pic>
       </p:grpSp>
-      <p:pic>
-        <p:nvPicPr>
-          <p:cNvPr id="63" name="Imagen 62">
-            <a:extLst>
-              <a:ext uri="{FF2B5EF4-FFF2-40B4-BE49-F238E27FC236}">
-                <a16:creationId xmlns:a16="http://schemas.microsoft.com/office/drawing/2014/main" id="{00A0E995-6A8F-59C3-FF25-E6352AFCAED0}"/>
-              </a:ext>
-            </a:extLst>
-          </p:cNvPr>
-          <p:cNvPicPr>
-            <a:picLocks noChangeAspect="1"/>
-          </p:cNvPicPr>
-          <p:nvPr/>
-        </p:nvPicPr>
-        <p:blipFill>
-          <a:blip r:embed="rId20"/>
-          <a:stretch>
-            <a:fillRect/>
-          </a:stretch>
-        </p:blipFill>
-        <p:spPr>
-          <a:xfrm rot="157431">
-            <a:off x="7904058" y="3379899"/>
-            <a:ext cx="283326" cy="443794"/>
-          </a:xfrm>
-          <a:prstGeom prst="rect">
-            <a:avLst/>
-          </a:prstGeom>
-        </p:spPr>
-      </p:pic>
-      <p:grpSp>
-        <p:nvGrpSpPr>
-          <p:cNvPr id="64" name="Grupo 63">
-            <a:extLst>
-              <a:ext uri="{FF2B5EF4-FFF2-40B4-BE49-F238E27FC236}">
-                <a16:creationId xmlns:a16="http://schemas.microsoft.com/office/drawing/2014/main" id="{441BE447-B975-C6E9-2831-0124E775EDB9}"/>
-              </a:ext>
-            </a:extLst>
-          </p:cNvPr>
-          <p:cNvGrpSpPr/>
-          <p:nvPr/>
-        </p:nvGrpSpPr>
-        <p:grpSpPr>
-          <a:xfrm>
-            <a:off x="7935562" y="4587594"/>
-            <a:ext cx="663950" cy="550264"/>
-            <a:chOff x="7992055" y="4655844"/>
-            <a:chExt cx="663950" cy="550264"/>
-          </a:xfrm>
-        </p:grpSpPr>
-        <p:sp>
-          <p:nvSpPr>
-            <p:cNvPr id="65" name="Flecha: curvada hacia abajo 64">
-              <a:extLst>
-                <a:ext uri="{FF2B5EF4-FFF2-40B4-BE49-F238E27FC236}">
-                  <a16:creationId xmlns:a16="http://schemas.microsoft.com/office/drawing/2014/main" id="{464D39B0-D5C6-7159-C0CC-04984F33B805}"/>
-                </a:ext>
-              </a:extLst>
-            </p:cNvPr>
-            <p:cNvSpPr/>
-            <p:nvPr/>
-          </p:nvSpPr>
-          <p:spPr>
-            <a:xfrm rot="3187469">
-              <a:off x="8253074" y="4747701"/>
-              <a:ext cx="416560" cy="232845"/>
-            </a:xfrm>
-            <a:prstGeom prst="curvedDownArrow">
-              <a:avLst/>
-            </a:prstGeom>
-          </p:spPr>
-          <p:style>
-            <a:lnRef idx="2">
-              <a:schemeClr val="accent1">
-                <a:shade val="50000"/>
-              </a:schemeClr>
-            </a:lnRef>
-            <a:fillRef idx="1">
-              <a:schemeClr val="accent1"/>
-            </a:fillRef>
-            <a:effectRef idx="0">
-              <a:schemeClr val="accent1"/>
-            </a:effectRef>
-            <a:fontRef idx="minor">
-              <a:schemeClr val="lt1"/>
-            </a:fontRef>
-          </p:style>
-          <p:txBody>
-            <a:bodyPr rtlCol="0" anchor="ctr"/>
-            <a:lstStyle/>
-            <a:p>
-              <a:pPr algn="ctr"/>
-              <a:endParaRPr lang="es-MX">
-                <a:solidFill>
-                  <a:schemeClr val="tx1"/>
-                </a:solidFill>
-              </a:endParaRPr>
-            </a:p>
-          </p:txBody>
-        </p:sp>
-        <p:sp>
-          <p:nvSpPr>
-            <p:cNvPr id="66" name="Flecha: curvada hacia abajo 65">
-              <a:extLst>
-                <a:ext uri="{FF2B5EF4-FFF2-40B4-BE49-F238E27FC236}">
-                  <a16:creationId xmlns:a16="http://schemas.microsoft.com/office/drawing/2014/main" id="{D2E0B506-BFF8-1F3C-3D40-0CE1B562DBFA}"/>
-                </a:ext>
-              </a:extLst>
-            </p:cNvPr>
-            <p:cNvSpPr/>
-            <p:nvPr/>
-          </p:nvSpPr>
-          <p:spPr>
-            <a:xfrm rot="14656350">
-              <a:off x="7965809" y="4881405"/>
-              <a:ext cx="416560" cy="232845"/>
-            </a:xfrm>
-            <a:prstGeom prst="curvedDownArrow">
-              <a:avLst/>
-            </a:prstGeom>
-          </p:spPr>
-          <p:style>
-            <a:lnRef idx="2">
-              <a:schemeClr val="accent1">
-                <a:shade val="50000"/>
-              </a:schemeClr>
-            </a:lnRef>
-            <a:fillRef idx="1">
-              <a:schemeClr val="accent1"/>
-            </a:fillRef>
-            <a:effectRef idx="0">
-              <a:schemeClr val="accent1"/>
-            </a:effectRef>
-            <a:fontRef idx="minor">
-              <a:schemeClr val="lt1"/>
-            </a:fontRef>
-          </p:style>
-          <p:txBody>
-            <a:bodyPr rtlCol="0" anchor="ctr"/>
-            <a:lstStyle/>
-            <a:p>
-              <a:pPr algn="ctr"/>
-              <a:endParaRPr lang="es-MX">
-                <a:solidFill>
-                  <a:schemeClr val="tx1"/>
-                </a:solidFill>
-              </a:endParaRPr>
-            </a:p>
-          </p:txBody>
-        </p:sp>
-        <p:sp>
-          <p:nvSpPr>
-            <p:cNvPr id="67" name="Rectángulo 66">
-              <a:extLst>
-                <a:ext uri="{FF2B5EF4-FFF2-40B4-BE49-F238E27FC236}">
-                  <a16:creationId xmlns:a16="http://schemas.microsoft.com/office/drawing/2014/main" id="{EF0979B1-B861-4E84-8DE2-053CA8E8209E}"/>
-                </a:ext>
-              </a:extLst>
-            </p:cNvPr>
-            <p:cNvSpPr/>
-            <p:nvPr/>
-          </p:nvSpPr>
-          <p:spPr>
-            <a:xfrm rot="19990860">
-              <a:off x="8380258" y="5051594"/>
-              <a:ext cx="63302" cy="63302"/>
-            </a:xfrm>
-            <a:prstGeom prst="rect">
-              <a:avLst/>
-            </a:prstGeom>
-          </p:spPr>
-          <p:style>
-            <a:lnRef idx="2">
-              <a:schemeClr val="accent1">
-                <a:shade val="50000"/>
-              </a:schemeClr>
-            </a:lnRef>
-            <a:fillRef idx="1">
-              <a:schemeClr val="accent1"/>
-            </a:fillRef>
-            <a:effectRef idx="0">
-              <a:schemeClr val="accent1"/>
-            </a:effectRef>
-            <a:fontRef idx="minor">
-              <a:schemeClr val="lt1"/>
-            </a:fontRef>
-          </p:style>
-          <p:txBody>
-            <a:bodyPr rtlCol="0" anchor="ctr"/>
-            <a:lstStyle/>
-            <a:p>
-              <a:pPr algn="ctr"/>
-              <a:endParaRPr lang="es-MX"/>
-            </a:p>
-          </p:txBody>
-        </p:sp>
-        <p:grpSp>
-          <p:nvGrpSpPr>
-            <p:cNvPr id="68" name="Grupo 67">
-              <a:extLst>
-                <a:ext uri="{FF2B5EF4-FFF2-40B4-BE49-F238E27FC236}">
-                  <a16:creationId xmlns:a16="http://schemas.microsoft.com/office/drawing/2014/main" id="{8A480A62-D725-CA39-6CA1-767B4C5B9066}"/>
-                </a:ext>
-              </a:extLst>
-            </p:cNvPr>
-            <p:cNvGrpSpPr/>
-            <p:nvPr/>
-          </p:nvGrpSpPr>
-          <p:grpSpPr>
-            <a:xfrm rot="19602821">
-              <a:off x="7992055" y="4756102"/>
-              <a:ext cx="663950" cy="344959"/>
-              <a:chOff x="10446969" y="5174945"/>
-              <a:chExt cx="663950" cy="344959"/>
-            </a:xfrm>
-          </p:grpSpPr>
-          <p:sp>
-            <p:nvSpPr>
-              <p:cNvPr id="69" name="CuadroTexto 68">
-                <a:extLst>
-                  <a:ext uri="{FF2B5EF4-FFF2-40B4-BE49-F238E27FC236}">
-                    <a16:creationId xmlns:a16="http://schemas.microsoft.com/office/drawing/2014/main" id="{149FF7C9-7335-71AA-0F44-E3F324D20C74}"/>
-                  </a:ext>
-                </a:extLst>
-              </p:cNvPr>
-              <p:cNvSpPr txBox="1"/>
-              <p:nvPr/>
-            </p:nvSpPr>
-            <p:spPr>
-              <a:xfrm rot="21482985">
-                <a:off x="10480118" y="5174945"/>
-                <a:ext cx="469891" cy="253916"/>
-              </a:xfrm>
-              <a:prstGeom prst="rect">
-                <a:avLst/>
-              </a:prstGeom>
-              <a:noFill/>
-            </p:spPr>
-            <p:txBody>
-              <a:bodyPr wrap="square" rtlCol="0">
-                <a:spAutoFit/>
-              </a:bodyPr>
-              <a:lstStyle/>
-              <a:p>
-                <a:pPr algn="ctr"/>
-                <a:r>
-                  <a:rPr lang="es-MX" sz="1050" b="1" spc="100" dirty="0">
-                    <a:solidFill>
-                      <a:schemeClr val="tx1"/>
-                    </a:solidFill>
-                    <a:effectLst>
-                      <a:outerShdw blurRad="38100" dist="38100" dir="2700000" algn="tl">
-                        <a:srgbClr val="000000">
-                          <a:alpha val="43137"/>
-                        </a:srgbClr>
-                      </a:outerShdw>
-                    </a:effectLst>
-                    <a:latin typeface="Agency FB" panose="020B0503020202020204" pitchFamily="34" charset="0"/>
-                  </a:rPr>
-                  <a:t>Gaia</a:t>
-                </a:r>
-                <a:endParaRPr lang="es-MX" sz="900" b="1" spc="100" dirty="0">
-                  <a:solidFill>
-                    <a:schemeClr val="tx1"/>
-                  </a:solidFill>
-                  <a:effectLst>
-                    <a:outerShdw blurRad="38100" dist="38100" dir="2700000" algn="tl">
-                      <a:srgbClr val="000000">
-                        <a:alpha val="43137"/>
-                      </a:srgbClr>
-                    </a:outerShdw>
-                  </a:effectLst>
-                  <a:latin typeface="Agency FB" panose="020B0503020202020204" pitchFamily="34" charset="0"/>
-                </a:endParaRPr>
-              </a:p>
-            </p:txBody>
-          </p:sp>
-          <p:sp>
-            <p:nvSpPr>
-              <p:cNvPr id="70" name="CuadroTexto 69">
-                <a:extLst>
-                  <a:ext uri="{FF2B5EF4-FFF2-40B4-BE49-F238E27FC236}">
-                    <a16:creationId xmlns:a16="http://schemas.microsoft.com/office/drawing/2014/main" id="{5D724B93-5889-590C-0671-CDF12A41CA62}"/>
-                  </a:ext>
-                </a:extLst>
-              </p:cNvPr>
-              <p:cNvSpPr txBox="1"/>
-              <p:nvPr/>
-            </p:nvSpPr>
-            <p:spPr>
-              <a:xfrm rot="21518147">
-                <a:off x="10446969" y="5273683"/>
-                <a:ext cx="663950" cy="246221"/>
-              </a:xfrm>
-              <a:prstGeom prst="rect">
-                <a:avLst/>
-              </a:prstGeom>
-              <a:noFill/>
-            </p:spPr>
-            <p:txBody>
-              <a:bodyPr wrap="square" rtlCol="0">
-                <a:spAutoFit/>
-              </a:bodyPr>
-              <a:lstStyle/>
-              <a:p>
-                <a:pPr algn="ctr"/>
-                <a:r>
-                  <a:rPr lang="es-MX" sz="1000" spc="50" dirty="0" err="1">
-                    <a:solidFill>
-                      <a:schemeClr val="tx1"/>
-                    </a:solidFill>
-                    <a:effectLst>
-                      <a:outerShdw blurRad="38100" dist="38100" dir="2700000" algn="tl">
-                        <a:srgbClr val="000000">
-                          <a:alpha val="43137"/>
-                        </a:srgbClr>
-                      </a:outerShdw>
-                    </a:effectLst>
-                    <a:latin typeface="Agency FB" panose="020B0503020202020204" pitchFamily="34" charset="0"/>
-                  </a:rPr>
-                  <a:t>inside</a:t>
-                </a:r>
-                <a:endParaRPr lang="es-MX" sz="700" spc="50" dirty="0">
-                  <a:solidFill>
-                    <a:schemeClr val="tx1"/>
-                  </a:solidFill>
-                  <a:effectLst>
-                    <a:outerShdw blurRad="38100" dist="38100" dir="2700000" algn="tl">
-                      <a:srgbClr val="000000">
-                        <a:alpha val="43137"/>
-                      </a:srgbClr>
-                    </a:outerShdw>
-                  </a:effectLst>
-                  <a:latin typeface="Agency FB" panose="020B0503020202020204" pitchFamily="34" charset="0"/>
-                </a:endParaRPr>
-              </a:p>
-            </p:txBody>
-          </p:sp>
-        </p:grpSp>
-      </p:grpSp>
     </p:spTree>
     <p:extLst>
       <p:ext uri="{BB962C8B-B14F-4D97-AF65-F5344CB8AC3E}">
@@ -17593,11 +17277,12 @@
           <a:bodyPr wrap="square" rtlCol="0">
             <a:spAutoFit/>
           </a:bodyPr>
-          <a:lstStyle/>
-          <a:p>
-            <a:pPr algn="r"/>
-            <a:r>
-              <a:rPr lang="es-MX" sz="1600" i="1" dirty="0">
+          <a:lstStyle>
+            <a:defPPr>
+              <a:defRPr lang="es-MX"/>
+            </a:defPPr>
+            <a:lvl1pPr algn="r">
+              <a:defRPr sz="2000" i="1">
                 <a:effectLst>
                   <a:outerShdw blurRad="38100" dist="38100" dir="2700000" algn="tl">
                     <a:srgbClr val="000000">
@@ -17605,9 +17290,18 @@
                     </a:srgbClr>
                   </a:outerShdw>
                 </a:effectLst>
-                <a:latin typeface="Agency FB" panose="020B0503020202020204" pitchFamily="34" charset="0"/>
-              </a:rPr>
-              <a:t>Riegos estacionarios Serie AG7      treme</a:t>
+                <a:latin typeface="+mj-lt"/>
+              </a:defRPr>
+            </a:lvl1pPr>
+          </a:lstStyle>
+          <a:p>
+            <a:r>
+              <a:rPr lang="es-MX" dirty="0" err="1"/>
+              <a:t>Drip</a:t>
+            </a:r>
+            <a:r>
+              <a:rPr lang="es-MX" dirty="0"/>
+              <a:t> Control</a:t>
             </a:r>
           </a:p>
         </p:txBody>
@@ -17651,316 +17345,6 @@
           </a:effectLst>
         </p:spPr>
       </p:pic>
-      <p:grpSp>
-        <p:nvGrpSpPr>
-          <p:cNvPr id="44" name="Grupo 43">
-            <a:extLst>
-              <a:ext uri="{FF2B5EF4-FFF2-40B4-BE49-F238E27FC236}">
-                <a16:creationId xmlns:a16="http://schemas.microsoft.com/office/drawing/2014/main" id="{20EDF030-7A9D-F807-C74E-72738886596E}"/>
-              </a:ext>
-            </a:extLst>
-          </p:cNvPr>
-          <p:cNvGrpSpPr/>
-          <p:nvPr/>
-        </p:nvGrpSpPr>
-        <p:grpSpPr>
-          <a:xfrm>
-            <a:off x="7935562" y="4587594"/>
-            <a:ext cx="663950" cy="550264"/>
-            <a:chOff x="7992055" y="4655844"/>
-            <a:chExt cx="663950" cy="550264"/>
-          </a:xfrm>
-        </p:grpSpPr>
-        <p:sp>
-          <p:nvSpPr>
-            <p:cNvPr id="46" name="Flecha: curvada hacia abajo 45">
-              <a:extLst>
-                <a:ext uri="{FF2B5EF4-FFF2-40B4-BE49-F238E27FC236}">
-                  <a16:creationId xmlns:a16="http://schemas.microsoft.com/office/drawing/2014/main" id="{A61E67B9-5781-4C62-B721-8FC27E49A9E8}"/>
-                </a:ext>
-              </a:extLst>
-            </p:cNvPr>
-            <p:cNvSpPr/>
-            <p:nvPr/>
-          </p:nvSpPr>
-          <p:spPr>
-            <a:xfrm rot="3187469">
-              <a:off x="8253074" y="4747701"/>
-              <a:ext cx="416560" cy="232845"/>
-            </a:xfrm>
-            <a:prstGeom prst="curvedDownArrow">
-              <a:avLst/>
-            </a:prstGeom>
-          </p:spPr>
-          <p:style>
-            <a:lnRef idx="2">
-              <a:schemeClr val="accent1">
-                <a:shade val="50000"/>
-              </a:schemeClr>
-            </a:lnRef>
-            <a:fillRef idx="1">
-              <a:schemeClr val="accent1"/>
-            </a:fillRef>
-            <a:effectRef idx="0">
-              <a:schemeClr val="accent1"/>
-            </a:effectRef>
-            <a:fontRef idx="minor">
-              <a:schemeClr val="lt1"/>
-            </a:fontRef>
-          </p:style>
-          <p:txBody>
-            <a:bodyPr rtlCol="0" anchor="ctr"/>
-            <a:lstStyle/>
-            <a:p>
-              <a:pPr algn="ctr"/>
-              <a:endParaRPr lang="es-MX">
-                <a:solidFill>
-                  <a:schemeClr val="tx1"/>
-                </a:solidFill>
-              </a:endParaRPr>
-            </a:p>
-          </p:txBody>
-        </p:sp>
-        <p:sp>
-          <p:nvSpPr>
-            <p:cNvPr id="47" name="Flecha: curvada hacia abajo 46">
-              <a:extLst>
-                <a:ext uri="{FF2B5EF4-FFF2-40B4-BE49-F238E27FC236}">
-                  <a16:creationId xmlns:a16="http://schemas.microsoft.com/office/drawing/2014/main" id="{31707654-1F93-31AA-4A44-14F85EA595D6}"/>
-                </a:ext>
-              </a:extLst>
-            </p:cNvPr>
-            <p:cNvSpPr/>
-            <p:nvPr/>
-          </p:nvSpPr>
-          <p:spPr>
-            <a:xfrm rot="14656350">
-              <a:off x="7965809" y="4881405"/>
-              <a:ext cx="416560" cy="232845"/>
-            </a:xfrm>
-            <a:prstGeom prst="curvedDownArrow">
-              <a:avLst/>
-            </a:prstGeom>
-          </p:spPr>
-          <p:style>
-            <a:lnRef idx="2">
-              <a:schemeClr val="accent1">
-                <a:shade val="50000"/>
-              </a:schemeClr>
-            </a:lnRef>
-            <a:fillRef idx="1">
-              <a:schemeClr val="accent1"/>
-            </a:fillRef>
-            <a:effectRef idx="0">
-              <a:schemeClr val="accent1"/>
-            </a:effectRef>
-            <a:fontRef idx="minor">
-              <a:schemeClr val="lt1"/>
-            </a:fontRef>
-          </p:style>
-          <p:txBody>
-            <a:bodyPr rtlCol="0" anchor="ctr"/>
-            <a:lstStyle/>
-            <a:p>
-              <a:pPr algn="ctr"/>
-              <a:endParaRPr lang="es-MX">
-                <a:solidFill>
-                  <a:schemeClr val="tx1"/>
-                </a:solidFill>
-              </a:endParaRPr>
-            </a:p>
-          </p:txBody>
-        </p:sp>
-        <p:sp>
-          <p:nvSpPr>
-            <p:cNvPr id="48" name="Rectángulo 47">
-              <a:extLst>
-                <a:ext uri="{FF2B5EF4-FFF2-40B4-BE49-F238E27FC236}">
-                  <a16:creationId xmlns:a16="http://schemas.microsoft.com/office/drawing/2014/main" id="{C3C52267-29C3-C636-42CB-8C018BE45C90}"/>
-                </a:ext>
-              </a:extLst>
-            </p:cNvPr>
-            <p:cNvSpPr/>
-            <p:nvPr/>
-          </p:nvSpPr>
-          <p:spPr>
-            <a:xfrm rot="19990860">
-              <a:off x="8380258" y="5051594"/>
-              <a:ext cx="63302" cy="63302"/>
-            </a:xfrm>
-            <a:prstGeom prst="rect">
-              <a:avLst/>
-            </a:prstGeom>
-          </p:spPr>
-          <p:style>
-            <a:lnRef idx="2">
-              <a:schemeClr val="accent1">
-                <a:shade val="50000"/>
-              </a:schemeClr>
-            </a:lnRef>
-            <a:fillRef idx="1">
-              <a:schemeClr val="accent1"/>
-            </a:fillRef>
-            <a:effectRef idx="0">
-              <a:schemeClr val="accent1"/>
-            </a:effectRef>
-            <a:fontRef idx="minor">
-              <a:schemeClr val="lt1"/>
-            </a:fontRef>
-          </p:style>
-          <p:txBody>
-            <a:bodyPr rtlCol="0" anchor="ctr"/>
-            <a:lstStyle/>
-            <a:p>
-              <a:pPr algn="ctr"/>
-              <a:endParaRPr lang="es-MX"/>
-            </a:p>
-          </p:txBody>
-        </p:sp>
-        <p:grpSp>
-          <p:nvGrpSpPr>
-            <p:cNvPr id="49" name="Grupo 48">
-              <a:extLst>
-                <a:ext uri="{FF2B5EF4-FFF2-40B4-BE49-F238E27FC236}">
-                  <a16:creationId xmlns:a16="http://schemas.microsoft.com/office/drawing/2014/main" id="{1572940C-55B6-ECDE-706A-1A67FEEFF42E}"/>
-                </a:ext>
-              </a:extLst>
-            </p:cNvPr>
-            <p:cNvGrpSpPr/>
-            <p:nvPr/>
-          </p:nvGrpSpPr>
-          <p:grpSpPr>
-            <a:xfrm rot="19602821">
-              <a:off x="7992055" y="4756102"/>
-              <a:ext cx="663950" cy="344959"/>
-              <a:chOff x="10446969" y="5174945"/>
-              <a:chExt cx="663950" cy="344959"/>
-            </a:xfrm>
-          </p:grpSpPr>
-          <p:sp>
-            <p:nvSpPr>
-              <p:cNvPr id="50" name="CuadroTexto 49">
-                <a:extLst>
-                  <a:ext uri="{FF2B5EF4-FFF2-40B4-BE49-F238E27FC236}">
-                    <a16:creationId xmlns:a16="http://schemas.microsoft.com/office/drawing/2014/main" id="{D3686ED7-B406-B46D-184C-CE7CE31C56BB}"/>
-                  </a:ext>
-                </a:extLst>
-              </p:cNvPr>
-              <p:cNvSpPr txBox="1"/>
-              <p:nvPr/>
-            </p:nvSpPr>
-            <p:spPr>
-              <a:xfrm rot="21482985">
-                <a:off x="10480118" y="5174945"/>
-                <a:ext cx="469891" cy="253916"/>
-              </a:xfrm>
-              <a:prstGeom prst="rect">
-                <a:avLst/>
-              </a:prstGeom>
-              <a:noFill/>
-            </p:spPr>
-            <p:txBody>
-              <a:bodyPr wrap="square" rtlCol="0">
-                <a:spAutoFit/>
-              </a:bodyPr>
-              <a:lstStyle/>
-              <a:p>
-                <a:pPr algn="ctr"/>
-                <a:r>
-                  <a:rPr lang="es-MX" sz="1050" b="1" spc="100" dirty="0">
-                    <a:solidFill>
-                      <a:schemeClr val="tx1"/>
-                    </a:solidFill>
-                    <a:effectLst>
-                      <a:outerShdw blurRad="38100" dist="38100" dir="2700000" algn="tl">
-                        <a:srgbClr val="000000">
-                          <a:alpha val="43137"/>
-                        </a:srgbClr>
-                      </a:outerShdw>
-                    </a:effectLst>
-                    <a:latin typeface="Agency FB" panose="020B0503020202020204" pitchFamily="34" charset="0"/>
-                  </a:rPr>
-                  <a:t>Gaia</a:t>
-                </a:r>
-                <a:endParaRPr lang="es-MX" sz="900" b="1" spc="100" dirty="0">
-                  <a:solidFill>
-                    <a:schemeClr val="tx1"/>
-                  </a:solidFill>
-                  <a:effectLst>
-                    <a:outerShdw blurRad="38100" dist="38100" dir="2700000" algn="tl">
-                      <a:srgbClr val="000000">
-                        <a:alpha val="43137"/>
-                      </a:srgbClr>
-                    </a:outerShdw>
-                  </a:effectLst>
-                  <a:latin typeface="Agency FB" panose="020B0503020202020204" pitchFamily="34" charset="0"/>
-                </a:endParaRPr>
-              </a:p>
-            </p:txBody>
-          </p:sp>
-          <p:sp>
-            <p:nvSpPr>
-              <p:cNvPr id="51" name="CuadroTexto 50">
-                <a:extLst>
-                  <a:ext uri="{FF2B5EF4-FFF2-40B4-BE49-F238E27FC236}">
-                    <a16:creationId xmlns:a16="http://schemas.microsoft.com/office/drawing/2014/main" id="{FB7A8D8B-C6E1-744A-AACE-68558CD7CCB0}"/>
-                  </a:ext>
-                </a:extLst>
-              </p:cNvPr>
-              <p:cNvSpPr txBox="1"/>
-              <p:nvPr/>
-            </p:nvSpPr>
-            <p:spPr>
-              <a:xfrm rot="21518147">
-                <a:off x="10446969" y="5273683"/>
-                <a:ext cx="663950" cy="246221"/>
-              </a:xfrm>
-              <a:prstGeom prst="rect">
-                <a:avLst/>
-              </a:prstGeom>
-              <a:noFill/>
-            </p:spPr>
-            <p:txBody>
-              <a:bodyPr wrap="square" rtlCol="0">
-                <a:spAutoFit/>
-              </a:bodyPr>
-              <a:lstStyle/>
-              <a:p>
-                <a:pPr algn="ctr"/>
-                <a:r>
-                  <a:rPr lang="es-MX" sz="1000" spc="50" dirty="0" err="1">
-                    <a:solidFill>
-                      <a:schemeClr val="tx1"/>
-                    </a:solidFill>
-                    <a:effectLst>
-                      <a:outerShdw blurRad="38100" dist="38100" dir="2700000" algn="tl">
-                        <a:srgbClr val="000000">
-                          <a:alpha val="43137"/>
-                        </a:srgbClr>
-                      </a:outerShdw>
-                    </a:effectLst>
-                    <a:latin typeface="Agency FB" panose="020B0503020202020204" pitchFamily="34" charset="0"/>
-                  </a:rPr>
-                  <a:t>inside</a:t>
-                </a:r>
-                <a:endParaRPr lang="es-MX" sz="700" spc="50" dirty="0">
-                  <a:solidFill>
-                    <a:schemeClr val="tx1"/>
-                  </a:solidFill>
-                  <a:effectLst>
-                    <a:outerShdw blurRad="38100" dist="38100" dir="2700000" algn="tl">
-                      <a:srgbClr val="000000">
-                        <a:alpha val="43137"/>
-                      </a:srgbClr>
-                    </a:outerShdw>
-                  </a:effectLst>
-                  <a:latin typeface="Agency FB" panose="020B0503020202020204" pitchFamily="34" charset="0"/>
-                </a:endParaRPr>
-              </a:p>
-            </p:txBody>
-          </p:sp>
-        </p:grpSp>
-      </p:grpSp>
       <p:sp>
         <p:nvSpPr>
           <p:cNvPr id="2" name="Elipse 1" descr="Satélite con relleno sólido">
@@ -18466,12 +17850,2367 @@
           </p:spPr>
         </p:pic>
       </p:grpSp>
+    </p:spTree>
+    <p:extLst>
+      <p:ext uri="{BB962C8B-B14F-4D97-AF65-F5344CB8AC3E}">
+        <p14:creationId xmlns:p14="http://schemas.microsoft.com/office/powerpoint/2010/main" val="4135138042"/>
+      </p:ext>
+    </p:extLst>
+  </p:cSld>
+  <p:clrMapOvr>
+    <a:masterClrMapping/>
+  </p:clrMapOvr>
+</p:sld>
+</file>
+
+<file path=ppt/slides/slide12.xml><?xml version="1.0" encoding="utf-8"?>
+<p:sld xmlns:a="http://schemas.openxmlformats.org/drawingml/2006/main" xmlns:r="http://schemas.openxmlformats.org/officeDocument/2006/relationships" xmlns:p="http://schemas.openxmlformats.org/presentationml/2006/main">
+  <p:cSld>
+    <p:spTree>
+      <p:nvGrpSpPr>
+        <p:cNvPr id="1" name=""/>
+        <p:cNvGrpSpPr/>
+        <p:nvPr/>
+      </p:nvGrpSpPr>
+      <p:grpSpPr>
+        <a:xfrm>
+          <a:off x="0" y="0"/>
+          <a:ext cx="0" cy="0"/>
+          <a:chOff x="0" y="0"/>
+          <a:chExt cx="0" cy="0"/>
+        </a:xfrm>
+      </p:grpSpPr>
+      <p:sp>
+        <p:nvSpPr>
+          <p:cNvPr id="17" name="Rectángulo: esquinas redondeadas 16">
+            <a:extLst>
+              <a:ext uri="{FF2B5EF4-FFF2-40B4-BE49-F238E27FC236}">
+                <a16:creationId xmlns:a16="http://schemas.microsoft.com/office/drawing/2014/main" id="{AED42456-AF7C-42D1-B1BB-A9FF95193C2E}"/>
+              </a:ext>
+            </a:extLst>
+          </p:cNvPr>
+          <p:cNvSpPr/>
+          <p:nvPr/>
+        </p:nvSpPr>
+        <p:spPr>
+          <a:xfrm>
+            <a:off x="3305999" y="1535481"/>
+            <a:ext cx="5580000" cy="3780000"/>
+          </a:xfrm>
+          <a:prstGeom prst="roundRect">
+            <a:avLst>
+              <a:gd name="adj" fmla="val 5638"/>
+            </a:avLst>
+          </a:prstGeom>
+          <a:blipFill>
+            <a:blip r:embed="rId2"/>
+            <a:stretch>
+              <a:fillRect/>
+            </a:stretch>
+          </a:blipFill>
+          <a:ln w="19050">
+            <a:solidFill>
+              <a:schemeClr val="tx1"/>
+            </a:solidFill>
+          </a:ln>
+        </p:spPr>
+        <p:style>
+          <a:lnRef idx="2">
+            <a:schemeClr val="accent1">
+              <a:shade val="50000"/>
+            </a:schemeClr>
+          </a:lnRef>
+          <a:fillRef idx="1">
+            <a:schemeClr val="accent1"/>
+          </a:fillRef>
+          <a:effectRef idx="0">
+            <a:schemeClr val="accent1"/>
+          </a:effectRef>
+          <a:fontRef idx="minor">
+            <a:schemeClr val="lt1"/>
+          </a:fontRef>
+        </p:style>
+        <p:txBody>
+          <a:bodyPr rtlCol="0" anchor="ctr"/>
+          <a:lstStyle/>
+          <a:p>
+            <a:pPr algn="ctr"/>
+            <a:endParaRPr lang="es-MX"/>
+          </a:p>
+        </p:txBody>
+      </p:sp>
       <p:pic>
         <p:nvPicPr>
-          <p:cNvPr id="25" name="Imagen 24">
+          <p:cNvPr id="6" name="Marcador de posición de contenido 5">
             <a:extLst>
               <a:ext uri="{FF2B5EF4-FFF2-40B4-BE49-F238E27FC236}">
-                <a16:creationId xmlns:a16="http://schemas.microsoft.com/office/drawing/2014/main" id="{8FF9F097-83BF-C98F-DBCB-44D34AFC6889}"/>
+                <a16:creationId xmlns:a16="http://schemas.microsoft.com/office/drawing/2014/main" id="{0033AF28-464A-0F85-EF8E-177D89BDAAC4}"/>
+              </a:ext>
+            </a:extLst>
+          </p:cNvPr>
+          <p:cNvPicPr>
+            <a:picLocks noGrp="1" noChangeAspect="1"/>
+          </p:cNvPicPr>
+          <p:nvPr/>
+        </p:nvPicPr>
+        <p:blipFill>
+          <a:blip r:embed="rId3"/>
+          <a:stretch>
+            <a:fillRect/>
+          </a:stretch>
+        </p:blipFill>
+        <p:spPr>
+          <a:xfrm>
+            <a:off x="3582440" y="2774135"/>
+            <a:ext cx="2777315" cy="654866"/>
+          </a:xfrm>
+          <a:prstGeom prst="rect">
+            <a:avLst/>
+          </a:prstGeom>
+          <a:effectLst>
+            <a:outerShdw blurRad="50800" dist="38100" dir="2700000" algn="tl" rotWithShape="0">
+              <a:prstClr val="black">
+                <a:alpha val="40000"/>
+              </a:prstClr>
+            </a:outerShdw>
+          </a:effectLst>
+        </p:spPr>
+      </p:pic>
+      <p:cxnSp>
+        <p:nvCxnSpPr>
+          <p:cNvPr id="7" name="Conector recto 6">
+            <a:extLst>
+              <a:ext uri="{FF2B5EF4-FFF2-40B4-BE49-F238E27FC236}">
+                <a16:creationId xmlns:a16="http://schemas.microsoft.com/office/drawing/2014/main" id="{7A4799EA-F15E-4CB2-8F51-85A3E43A3101}"/>
+              </a:ext>
+            </a:extLst>
+          </p:cNvPr>
+          <p:cNvCxnSpPr>
+            <a:cxnSpLocks/>
+          </p:cNvCxnSpPr>
+          <p:nvPr/>
+        </p:nvCxnSpPr>
+        <p:spPr>
+          <a:xfrm>
+            <a:off x="3582440" y="3425481"/>
+            <a:ext cx="4995336" cy="0"/>
+          </a:xfrm>
+          <a:prstGeom prst="line">
+            <a:avLst/>
+          </a:prstGeom>
+          <a:effectLst>
+            <a:outerShdw blurRad="50800" dist="38100" dir="2700000" algn="tl" rotWithShape="0">
+              <a:prstClr val="black">
+                <a:alpha val="40000"/>
+              </a:prstClr>
+            </a:outerShdw>
+          </a:effectLst>
+        </p:spPr>
+        <p:style>
+          <a:lnRef idx="3">
+            <a:schemeClr val="dk1"/>
+          </a:lnRef>
+          <a:fillRef idx="0">
+            <a:schemeClr val="dk1"/>
+          </a:fillRef>
+          <a:effectRef idx="2">
+            <a:schemeClr val="dk1"/>
+          </a:effectRef>
+          <a:fontRef idx="minor">
+            <a:schemeClr val="tx1"/>
+          </a:fontRef>
+        </p:style>
+      </p:cxnSp>
+      <p:sp>
+        <p:nvSpPr>
+          <p:cNvPr id="8" name="CuadroTexto 7">
+            <a:extLst>
+              <a:ext uri="{FF2B5EF4-FFF2-40B4-BE49-F238E27FC236}">
+                <a16:creationId xmlns:a16="http://schemas.microsoft.com/office/drawing/2014/main" id="{81D89563-FAE7-D3FC-AE0A-C2705F84D05B}"/>
+              </a:ext>
+            </a:extLst>
+          </p:cNvPr>
+          <p:cNvSpPr txBox="1"/>
+          <p:nvPr/>
+        </p:nvSpPr>
+        <p:spPr>
+          <a:xfrm>
+            <a:off x="5622326" y="3432519"/>
+            <a:ext cx="2955450" cy="400110"/>
+          </a:xfrm>
+          <a:prstGeom prst="rect">
+            <a:avLst/>
+          </a:prstGeom>
+          <a:noFill/>
+        </p:spPr>
+        <p:txBody>
+          <a:bodyPr wrap="square" rtlCol="0">
+            <a:spAutoFit/>
+          </a:bodyPr>
+          <a:lstStyle/>
+          <a:p>
+            <a:pPr algn="r"/>
+            <a:r>
+              <a:rPr lang="es-MX" sz="2000" i="1" dirty="0" err="1">
+                <a:effectLst>
+                  <a:outerShdw blurRad="38100" dist="38100" dir="2700000" algn="tl">
+                    <a:srgbClr val="000000">
+                      <a:alpha val="43137"/>
+                    </a:srgbClr>
+                  </a:outerShdw>
+                </a:effectLst>
+                <a:latin typeface="+mj-lt"/>
+              </a:rPr>
+              <a:t>Pivot</a:t>
+            </a:r>
+            <a:r>
+              <a:rPr lang="es-MX" sz="2000" i="1" dirty="0">
+                <a:effectLst>
+                  <a:outerShdw blurRad="38100" dist="38100" dir="2700000" algn="tl">
+                    <a:srgbClr val="000000">
+                      <a:alpha val="43137"/>
+                    </a:srgbClr>
+                  </a:outerShdw>
+                </a:effectLst>
+                <a:latin typeface="+mj-lt"/>
+              </a:rPr>
+              <a:t> Control</a:t>
+            </a:r>
+          </a:p>
+        </p:txBody>
+      </p:sp>
+      <p:pic>
+        <p:nvPicPr>
+          <p:cNvPr id="12" name="Imagen 11">
+            <a:extLst>
+              <a:ext uri="{FF2B5EF4-FFF2-40B4-BE49-F238E27FC236}">
+                <a16:creationId xmlns:a16="http://schemas.microsoft.com/office/drawing/2014/main" id="{75CBA1C0-B9F8-D397-E74E-7065802A6C84}"/>
+              </a:ext>
+            </a:extLst>
+          </p:cNvPr>
+          <p:cNvPicPr>
+            <a:picLocks noChangeAspect="1"/>
+          </p:cNvPicPr>
+          <p:nvPr/>
+        </p:nvPicPr>
+        <p:blipFill>
+          <a:blip r:embed="rId4"/>
+          <a:stretch>
+            <a:fillRect/>
+          </a:stretch>
+        </p:blipFill>
+        <p:spPr>
+          <a:xfrm>
+            <a:off x="5542198" y="1846635"/>
+            <a:ext cx="1107603" cy="1107603"/>
+          </a:xfrm>
+          <a:prstGeom prst="rect">
+            <a:avLst/>
+          </a:prstGeom>
+          <a:effectLst>
+            <a:outerShdw blurRad="50800" dist="38100" dir="2700000" algn="tl" rotWithShape="0">
+              <a:prstClr val="black">
+                <a:alpha val="40000"/>
+              </a:prstClr>
+            </a:outerShdw>
+          </a:effectLst>
+        </p:spPr>
+      </p:pic>
+      <p:sp>
+        <p:nvSpPr>
+          <p:cNvPr id="24" name="Elipse 23" descr="Satélite con relleno sólido">
+            <a:extLst>
+              <a:ext uri="{FF2B5EF4-FFF2-40B4-BE49-F238E27FC236}">
+                <a16:creationId xmlns:a16="http://schemas.microsoft.com/office/drawing/2014/main" id="{2DA7B772-128A-1DEA-DEB1-41463FF8CFB5}"/>
+              </a:ext>
+            </a:extLst>
+          </p:cNvPr>
+          <p:cNvSpPr/>
+          <p:nvPr/>
+        </p:nvSpPr>
+        <p:spPr>
+          <a:xfrm>
+            <a:off x="6135223" y="4655680"/>
+            <a:ext cx="421131" cy="421131"/>
+          </a:xfrm>
+          <a:prstGeom prst="ellipse">
+            <a:avLst/>
+          </a:prstGeom>
+          <a:blipFill dpi="0" rotWithShape="1">
+            <a:blip r:embed="rId5">
+              <a:extLst>
+                <a:ext uri="{96DAC541-7B7A-43D3-8B79-37D633B846F1}">
+                  <asvg:svgBlip xmlns:asvg="http://schemas.microsoft.com/office/drawing/2016/SVG/main" r:embed="rId6"/>
+                </a:ext>
+              </a:extLst>
+            </a:blip>
+            <a:srcRect/>
+            <a:stretch>
+              <a:fillRect/>
+            </a:stretch>
+          </a:blipFill>
+          <a:ln w="19050">
+            <a:solidFill>
+              <a:schemeClr val="tx1"/>
+            </a:solidFill>
+          </a:ln>
+        </p:spPr>
+        <p:style>
+          <a:lnRef idx="2">
+            <a:schemeClr val="accent1">
+              <a:shade val="50000"/>
+            </a:schemeClr>
+          </a:lnRef>
+          <a:fillRef idx="1">
+            <a:schemeClr val="accent1"/>
+          </a:fillRef>
+          <a:effectRef idx="0">
+            <a:schemeClr val="accent1"/>
+          </a:effectRef>
+          <a:fontRef idx="minor">
+            <a:schemeClr val="lt1"/>
+          </a:fontRef>
+        </p:style>
+        <p:txBody>
+          <a:bodyPr rtlCol="0" anchor="ctr"/>
+          <a:lstStyle/>
+          <a:p>
+            <a:pPr algn="ctr"/>
+            <a:endParaRPr lang="es-MX"/>
+          </a:p>
+        </p:txBody>
+      </p:sp>
+      <p:sp>
+        <p:nvSpPr>
+          <p:cNvPr id="26" name="Elipse 25" descr="Satélite con relleno sólido">
+            <a:extLst>
+              <a:ext uri="{FF2B5EF4-FFF2-40B4-BE49-F238E27FC236}">
+                <a16:creationId xmlns:a16="http://schemas.microsoft.com/office/drawing/2014/main" id="{C72A8453-DB18-5128-53A1-EBA23F20F0D1}"/>
+              </a:ext>
+            </a:extLst>
+          </p:cNvPr>
+          <p:cNvSpPr/>
+          <p:nvPr/>
+        </p:nvSpPr>
+        <p:spPr>
+          <a:xfrm>
+            <a:off x="5622326" y="4655680"/>
+            <a:ext cx="421131" cy="421131"/>
+          </a:xfrm>
+          <a:prstGeom prst="ellipse">
+            <a:avLst/>
+          </a:prstGeom>
+          <a:blipFill dpi="0" rotWithShape="1">
+            <a:blip r:embed="rId7">
+              <a:extLst>
+                <a:ext uri="{28A0092B-C50C-407E-A947-70E740481C1C}">
+                  <a14:useLocalDpi xmlns:a14="http://schemas.microsoft.com/office/drawing/2010/main" val="0"/>
+                </a:ext>
+                <a:ext uri="{96DAC541-7B7A-43D3-8B79-37D633B846F1}">
+                  <asvg:svgBlip xmlns:asvg="http://schemas.microsoft.com/office/drawing/2016/SVG/main" r:embed="rId8"/>
+                </a:ext>
+              </a:extLst>
+            </a:blip>
+            <a:srcRect/>
+            <a:stretch>
+              <a:fillRect/>
+            </a:stretch>
+          </a:blipFill>
+          <a:ln w="19050">
+            <a:solidFill>
+              <a:schemeClr val="tx1"/>
+            </a:solidFill>
+          </a:ln>
+        </p:spPr>
+        <p:style>
+          <a:lnRef idx="2">
+            <a:schemeClr val="accent1">
+              <a:shade val="50000"/>
+            </a:schemeClr>
+          </a:lnRef>
+          <a:fillRef idx="1">
+            <a:schemeClr val="accent1"/>
+          </a:fillRef>
+          <a:effectRef idx="0">
+            <a:schemeClr val="accent1"/>
+          </a:effectRef>
+          <a:fontRef idx="minor">
+            <a:schemeClr val="lt1"/>
+          </a:fontRef>
+        </p:style>
+        <p:txBody>
+          <a:bodyPr rtlCol="0" anchor="ctr"/>
+          <a:lstStyle/>
+          <a:p>
+            <a:pPr algn="ctr"/>
+            <a:endParaRPr lang="es-MX"/>
+          </a:p>
+        </p:txBody>
+      </p:sp>
+      <p:sp>
+        <p:nvSpPr>
+          <p:cNvPr id="27" name="Elipse 26" descr="Satélite con relleno sólido">
+            <a:extLst>
+              <a:ext uri="{FF2B5EF4-FFF2-40B4-BE49-F238E27FC236}">
+                <a16:creationId xmlns:a16="http://schemas.microsoft.com/office/drawing/2014/main" id="{8F5AA977-B07F-5EFC-5201-C23E3F8600E0}"/>
+              </a:ext>
+            </a:extLst>
+          </p:cNvPr>
+          <p:cNvSpPr/>
+          <p:nvPr/>
+        </p:nvSpPr>
+        <p:spPr>
+          <a:xfrm>
+            <a:off x="4596532" y="4655680"/>
+            <a:ext cx="421131" cy="421131"/>
+          </a:xfrm>
+          <a:prstGeom prst="ellipse">
+            <a:avLst/>
+          </a:prstGeom>
+          <a:blipFill dpi="0" rotWithShape="1">
+            <a:blip r:embed="rId9">
+              <a:extLst>
+                <a:ext uri="{96DAC541-7B7A-43D3-8B79-37D633B846F1}">
+                  <asvg:svgBlip xmlns:asvg="http://schemas.microsoft.com/office/drawing/2016/SVG/main" r:embed="rId10"/>
+                </a:ext>
+              </a:extLst>
+            </a:blip>
+            <a:srcRect/>
+            <a:stretch>
+              <a:fillRect/>
+            </a:stretch>
+          </a:blipFill>
+          <a:ln w="19050">
+            <a:solidFill>
+              <a:schemeClr val="tx1"/>
+            </a:solidFill>
+          </a:ln>
+        </p:spPr>
+        <p:style>
+          <a:lnRef idx="2">
+            <a:schemeClr val="accent1">
+              <a:shade val="50000"/>
+            </a:schemeClr>
+          </a:lnRef>
+          <a:fillRef idx="1">
+            <a:schemeClr val="accent1"/>
+          </a:fillRef>
+          <a:effectRef idx="0">
+            <a:schemeClr val="accent1"/>
+          </a:effectRef>
+          <a:fontRef idx="minor">
+            <a:schemeClr val="lt1"/>
+          </a:fontRef>
+        </p:style>
+        <p:txBody>
+          <a:bodyPr rtlCol="0" anchor="ctr"/>
+          <a:lstStyle/>
+          <a:p>
+            <a:pPr algn="ctr"/>
+            <a:endParaRPr lang="es-MX"/>
+          </a:p>
+        </p:txBody>
+      </p:sp>
+      <p:sp>
+        <p:nvSpPr>
+          <p:cNvPr id="28" name="Elipse 27" descr="Satélite con relleno sólido">
+            <a:extLst>
+              <a:ext uri="{FF2B5EF4-FFF2-40B4-BE49-F238E27FC236}">
+                <a16:creationId xmlns:a16="http://schemas.microsoft.com/office/drawing/2014/main" id="{90F648E1-6A85-669C-2D72-97F255218D11}"/>
+              </a:ext>
+            </a:extLst>
+          </p:cNvPr>
+          <p:cNvSpPr/>
+          <p:nvPr/>
+        </p:nvSpPr>
+        <p:spPr>
+          <a:xfrm>
+            <a:off x="6648119" y="4655680"/>
+            <a:ext cx="421131" cy="421131"/>
+          </a:xfrm>
+          <a:prstGeom prst="ellipse">
+            <a:avLst/>
+          </a:prstGeom>
+          <a:blipFill dpi="0" rotWithShape="1">
+            <a:blip r:embed="rId11">
+              <a:extLst>
+                <a:ext uri="{96DAC541-7B7A-43D3-8B79-37D633B846F1}">
+                  <asvg:svgBlip xmlns:asvg="http://schemas.microsoft.com/office/drawing/2016/SVG/main" r:embed="rId12"/>
+                </a:ext>
+              </a:extLst>
+            </a:blip>
+            <a:srcRect/>
+            <a:stretch>
+              <a:fillRect/>
+            </a:stretch>
+          </a:blipFill>
+          <a:ln w="19050">
+            <a:solidFill>
+              <a:schemeClr val="tx1"/>
+            </a:solidFill>
+          </a:ln>
+        </p:spPr>
+        <p:style>
+          <a:lnRef idx="2">
+            <a:schemeClr val="accent1">
+              <a:shade val="50000"/>
+            </a:schemeClr>
+          </a:lnRef>
+          <a:fillRef idx="1">
+            <a:schemeClr val="accent1"/>
+          </a:fillRef>
+          <a:effectRef idx="0">
+            <a:schemeClr val="accent1"/>
+          </a:effectRef>
+          <a:fontRef idx="minor">
+            <a:schemeClr val="lt1"/>
+          </a:fontRef>
+        </p:style>
+        <p:txBody>
+          <a:bodyPr rtlCol="0" anchor="ctr"/>
+          <a:lstStyle/>
+          <a:p>
+            <a:pPr algn="ctr"/>
+            <a:endParaRPr lang="es-MX"/>
+          </a:p>
+        </p:txBody>
+      </p:sp>
+      <p:sp>
+        <p:nvSpPr>
+          <p:cNvPr id="31" name="Elipse 30" descr="Satélite con relleno sólido">
+            <a:extLst>
+              <a:ext uri="{FF2B5EF4-FFF2-40B4-BE49-F238E27FC236}">
+                <a16:creationId xmlns:a16="http://schemas.microsoft.com/office/drawing/2014/main" id="{CB0A9B60-6007-50EC-35B6-F8B0C8A69839}"/>
+              </a:ext>
+            </a:extLst>
+          </p:cNvPr>
+          <p:cNvSpPr/>
+          <p:nvPr/>
+        </p:nvSpPr>
+        <p:spPr>
+          <a:xfrm>
+            <a:off x="3570738" y="4655680"/>
+            <a:ext cx="421131" cy="421131"/>
+          </a:xfrm>
+          <a:prstGeom prst="ellipse">
+            <a:avLst/>
+          </a:prstGeom>
+          <a:blipFill dpi="0" rotWithShape="1">
+            <a:blip r:embed="rId13">
+              <a:extLst>
+                <a:ext uri="{96DAC541-7B7A-43D3-8B79-37D633B846F1}">
+                  <asvg:svgBlip xmlns:asvg="http://schemas.microsoft.com/office/drawing/2016/SVG/main" r:embed="rId14"/>
+                </a:ext>
+              </a:extLst>
+            </a:blip>
+            <a:srcRect/>
+            <a:stretch>
+              <a:fillRect/>
+            </a:stretch>
+          </a:blipFill>
+          <a:ln w="19050">
+            <a:solidFill>
+              <a:schemeClr val="tx1"/>
+            </a:solidFill>
+          </a:ln>
+        </p:spPr>
+        <p:style>
+          <a:lnRef idx="2">
+            <a:schemeClr val="accent1">
+              <a:shade val="50000"/>
+            </a:schemeClr>
+          </a:lnRef>
+          <a:fillRef idx="1">
+            <a:schemeClr val="accent1"/>
+          </a:fillRef>
+          <a:effectRef idx="0">
+            <a:schemeClr val="accent1"/>
+          </a:effectRef>
+          <a:fontRef idx="minor">
+            <a:schemeClr val="lt1"/>
+          </a:fontRef>
+        </p:style>
+        <p:txBody>
+          <a:bodyPr rtlCol="0" anchor="ctr"/>
+          <a:lstStyle/>
+          <a:p>
+            <a:pPr algn="ctr"/>
+            <a:endParaRPr lang="es-MX"/>
+          </a:p>
+        </p:txBody>
+      </p:sp>
+      <p:sp>
+        <p:nvSpPr>
+          <p:cNvPr id="32" name="Elipse 31" descr="Satélite con relleno sólido">
+            <a:extLst>
+              <a:ext uri="{FF2B5EF4-FFF2-40B4-BE49-F238E27FC236}">
+                <a16:creationId xmlns:a16="http://schemas.microsoft.com/office/drawing/2014/main" id="{2D9A0307-559B-EB28-66D2-2E6A7FE383DE}"/>
+              </a:ext>
+            </a:extLst>
+          </p:cNvPr>
+          <p:cNvSpPr/>
+          <p:nvPr/>
+        </p:nvSpPr>
+        <p:spPr>
+          <a:xfrm>
+            <a:off x="5109429" y="4655680"/>
+            <a:ext cx="421131" cy="421131"/>
+          </a:xfrm>
+          <a:prstGeom prst="ellipse">
+            <a:avLst/>
+          </a:prstGeom>
+          <a:blipFill dpi="0" rotWithShape="1">
+            <a:blip r:embed="rId15">
+              <a:extLst>
+                <a:ext uri="{96DAC541-7B7A-43D3-8B79-37D633B846F1}">
+                  <asvg:svgBlip xmlns:asvg="http://schemas.microsoft.com/office/drawing/2016/SVG/main" r:embed="rId16"/>
+                </a:ext>
+              </a:extLst>
+            </a:blip>
+            <a:srcRect/>
+            <a:stretch>
+              <a:fillRect/>
+            </a:stretch>
+          </a:blipFill>
+          <a:ln w="19050">
+            <a:solidFill>
+              <a:schemeClr val="tx1"/>
+            </a:solidFill>
+          </a:ln>
+        </p:spPr>
+        <p:style>
+          <a:lnRef idx="2">
+            <a:schemeClr val="accent1">
+              <a:shade val="50000"/>
+            </a:schemeClr>
+          </a:lnRef>
+          <a:fillRef idx="1">
+            <a:schemeClr val="accent1"/>
+          </a:fillRef>
+          <a:effectRef idx="0">
+            <a:schemeClr val="accent1"/>
+          </a:effectRef>
+          <a:fontRef idx="minor">
+            <a:schemeClr val="lt1"/>
+          </a:fontRef>
+        </p:style>
+        <p:txBody>
+          <a:bodyPr rtlCol="0" anchor="ctr"/>
+          <a:lstStyle/>
+          <a:p>
+            <a:pPr algn="ctr"/>
+            <a:endParaRPr lang="es-MX"/>
+          </a:p>
+        </p:txBody>
+      </p:sp>
+      <p:grpSp>
+        <p:nvGrpSpPr>
+          <p:cNvPr id="60" name="Grupo 59">
+            <a:extLst>
+              <a:ext uri="{FF2B5EF4-FFF2-40B4-BE49-F238E27FC236}">
+                <a16:creationId xmlns:a16="http://schemas.microsoft.com/office/drawing/2014/main" id="{C0B08284-1601-15A5-C86F-4670A5D603A8}"/>
+              </a:ext>
+            </a:extLst>
+          </p:cNvPr>
+          <p:cNvGrpSpPr/>
+          <p:nvPr/>
+        </p:nvGrpSpPr>
+        <p:grpSpPr>
+          <a:xfrm>
+            <a:off x="4082964" y="4656279"/>
+            <a:ext cx="421131" cy="421131"/>
+            <a:chOff x="5009770" y="3330967"/>
+            <a:chExt cx="421131" cy="421131"/>
+          </a:xfrm>
+        </p:grpSpPr>
+        <p:sp>
+          <p:nvSpPr>
+            <p:cNvPr id="61" name="Elipse 60" descr="Satélite con relleno sólido">
+              <a:extLst>
+                <a:ext uri="{FF2B5EF4-FFF2-40B4-BE49-F238E27FC236}">
+                  <a16:creationId xmlns:a16="http://schemas.microsoft.com/office/drawing/2014/main" id="{BA6DA723-262D-C9E4-8E49-BC8BE58B81C2}"/>
+                </a:ext>
+              </a:extLst>
+            </p:cNvPr>
+            <p:cNvSpPr/>
+            <p:nvPr/>
+          </p:nvSpPr>
+          <p:spPr>
+            <a:xfrm>
+              <a:off x="5009770" y="3330967"/>
+              <a:ext cx="421131" cy="421131"/>
+            </a:xfrm>
+            <a:prstGeom prst="ellipse">
+              <a:avLst/>
+            </a:prstGeom>
+            <a:blipFill dpi="0" rotWithShape="1">
+              <a:blip r:embed="rId17">
+                <a:extLst>
+                  <a:ext uri="{96DAC541-7B7A-43D3-8B79-37D633B846F1}">
+                    <asvg:svgBlip xmlns:asvg="http://schemas.microsoft.com/office/drawing/2016/SVG/main" r:embed="rId18"/>
+                  </a:ext>
+                </a:extLst>
+              </a:blip>
+              <a:srcRect/>
+              <a:stretch>
+                <a:fillRect/>
+              </a:stretch>
+            </a:blipFill>
+            <a:ln w="19050">
+              <a:solidFill>
+                <a:schemeClr val="tx1"/>
+              </a:solidFill>
+            </a:ln>
+          </p:spPr>
+          <p:style>
+            <a:lnRef idx="2">
+              <a:schemeClr val="accent1">
+                <a:shade val="50000"/>
+              </a:schemeClr>
+            </a:lnRef>
+            <a:fillRef idx="1">
+              <a:schemeClr val="accent1"/>
+            </a:fillRef>
+            <a:effectRef idx="0">
+              <a:schemeClr val="accent1"/>
+            </a:effectRef>
+            <a:fontRef idx="minor">
+              <a:schemeClr val="lt1"/>
+            </a:fontRef>
+          </p:style>
+          <p:txBody>
+            <a:bodyPr rtlCol="0" anchor="ctr"/>
+            <a:lstStyle/>
+            <a:p>
+              <a:pPr algn="ctr"/>
+              <a:endParaRPr lang="es-MX"/>
+            </a:p>
+          </p:txBody>
+        </p:sp>
+        <p:pic>
+          <p:nvPicPr>
+            <p:cNvPr id="62" name="Gráfico 61" descr="Planta con relleno sólido">
+              <a:extLst>
+                <a:ext uri="{FF2B5EF4-FFF2-40B4-BE49-F238E27FC236}">
+                  <a16:creationId xmlns:a16="http://schemas.microsoft.com/office/drawing/2014/main" id="{28541FD8-4AFA-930A-097B-E08C2491BA2A}"/>
+                </a:ext>
+              </a:extLst>
+            </p:cNvPr>
+            <p:cNvPicPr>
+              <a:picLocks noChangeAspect="1"/>
+            </p:cNvPicPr>
+            <p:nvPr/>
+          </p:nvPicPr>
+          <p:blipFill>
+            <a:blip r:embed="rId19">
+              <a:extLst>
+                <a:ext uri="{28A0092B-C50C-407E-A947-70E740481C1C}">
+                  <a14:useLocalDpi xmlns:a14="http://schemas.microsoft.com/office/drawing/2010/main" val="0"/>
+                </a:ext>
+                <a:ext uri="{96DAC541-7B7A-43D3-8B79-37D633B846F1}">
+                  <asvg:svgBlip xmlns:asvg="http://schemas.microsoft.com/office/drawing/2016/SVG/main" r:embed="rId20"/>
+                </a:ext>
+              </a:extLst>
+            </a:blip>
+            <a:stretch>
+              <a:fillRect/>
+            </a:stretch>
+          </p:blipFill>
+          <p:spPr>
+            <a:xfrm rot="1309914">
+              <a:off x="5075084" y="3396168"/>
+              <a:ext cx="238483" cy="238483"/>
+            </a:xfrm>
+            <a:prstGeom prst="rect">
+              <a:avLst/>
+            </a:prstGeom>
+          </p:spPr>
+        </p:pic>
+      </p:grpSp>
+      <p:pic>
+        <p:nvPicPr>
+          <p:cNvPr id="73" name="Imagen 72">
+            <a:extLst>
+              <a:ext uri="{FF2B5EF4-FFF2-40B4-BE49-F238E27FC236}">
+                <a16:creationId xmlns:a16="http://schemas.microsoft.com/office/drawing/2014/main" id="{2DDB2F3F-7317-4F42-9C91-9326B1B31FFB}"/>
+              </a:ext>
+            </a:extLst>
+          </p:cNvPr>
+          <p:cNvPicPr>
+            <a:picLocks noChangeAspect="1"/>
+          </p:cNvPicPr>
+          <p:nvPr/>
+        </p:nvPicPr>
+        <p:blipFill>
+          <a:blip r:embed="rId21">
+            <a:extLst>
+              <a:ext uri="{BEBA8EAE-BF5A-486C-A8C5-ECC9F3942E4B}">
+                <a14:imgProps xmlns:a14="http://schemas.microsoft.com/office/drawing/2010/main">
+                  <a14:imgLayer r:embed="rId22">
+                    <a14:imgEffect>
+                      <a14:brightnessContrast bright="-10000" contrast="63000"/>
+                    </a14:imgEffect>
+                  </a14:imgLayer>
+                </a14:imgProps>
+              </a:ext>
+            </a:extLst>
+          </a:blip>
+          <a:stretch>
+            <a:fillRect/>
+          </a:stretch>
+        </p:blipFill>
+        <p:spPr>
+          <a:xfrm>
+            <a:off x="7794062" y="4366726"/>
+            <a:ext cx="810555" cy="810555"/>
+          </a:xfrm>
+          <a:prstGeom prst="rect">
+            <a:avLst/>
+          </a:prstGeom>
+        </p:spPr>
+      </p:pic>
+    </p:spTree>
+    <p:extLst>
+      <p:ext uri="{BB962C8B-B14F-4D97-AF65-F5344CB8AC3E}">
+        <p14:creationId xmlns:p14="http://schemas.microsoft.com/office/powerpoint/2010/main" val="3130399108"/>
+      </p:ext>
+    </p:extLst>
+  </p:cSld>
+  <p:clrMapOvr>
+    <a:masterClrMapping/>
+  </p:clrMapOvr>
+</p:sld>
+</file>
+
+<file path=ppt/slides/slide13.xml><?xml version="1.0" encoding="utf-8"?>
+<p:sld xmlns:a="http://schemas.openxmlformats.org/drawingml/2006/main" xmlns:r="http://schemas.openxmlformats.org/officeDocument/2006/relationships" xmlns:p="http://schemas.openxmlformats.org/presentationml/2006/main">
+  <p:cSld>
+    <p:spTree>
+      <p:nvGrpSpPr>
+        <p:cNvPr id="1" name=""/>
+        <p:cNvGrpSpPr/>
+        <p:nvPr/>
+      </p:nvGrpSpPr>
+      <p:grpSpPr>
+        <a:xfrm>
+          <a:off x="0" y="0"/>
+          <a:ext cx="0" cy="0"/>
+          <a:chOff x="0" y="0"/>
+          <a:chExt cx="0" cy="0"/>
+        </a:xfrm>
+      </p:grpSpPr>
+      <p:sp>
+        <p:nvSpPr>
+          <p:cNvPr id="4" name="Rectángulo: esquinas redondeadas 3">
+            <a:extLst>
+              <a:ext uri="{FF2B5EF4-FFF2-40B4-BE49-F238E27FC236}">
+                <a16:creationId xmlns:a16="http://schemas.microsoft.com/office/drawing/2014/main" id="{A9D7B28F-BD9D-63F6-579B-5BEAB5A034AD}"/>
+              </a:ext>
+            </a:extLst>
+          </p:cNvPr>
+          <p:cNvSpPr/>
+          <p:nvPr/>
+        </p:nvSpPr>
+        <p:spPr>
+          <a:xfrm>
+            <a:off x="3305999" y="1535481"/>
+            <a:ext cx="5580000" cy="3780000"/>
+          </a:xfrm>
+          <a:prstGeom prst="roundRect">
+            <a:avLst>
+              <a:gd name="adj" fmla="val 5638"/>
+            </a:avLst>
+          </a:prstGeom>
+          <a:blipFill>
+            <a:blip r:embed="rId2"/>
+            <a:stretch>
+              <a:fillRect/>
+            </a:stretch>
+          </a:blipFill>
+          <a:ln w="19050">
+            <a:solidFill>
+              <a:schemeClr val="tx1"/>
+            </a:solidFill>
+          </a:ln>
+        </p:spPr>
+        <p:style>
+          <a:lnRef idx="2">
+            <a:schemeClr val="accent1">
+              <a:shade val="50000"/>
+            </a:schemeClr>
+          </a:lnRef>
+          <a:fillRef idx="1">
+            <a:schemeClr val="accent1"/>
+          </a:fillRef>
+          <a:effectRef idx="0">
+            <a:schemeClr val="accent1"/>
+          </a:effectRef>
+          <a:fontRef idx="minor">
+            <a:schemeClr val="lt1"/>
+          </a:fontRef>
+        </p:style>
+        <p:txBody>
+          <a:bodyPr rtlCol="0" anchor="ctr"/>
+          <a:lstStyle/>
+          <a:p>
+            <a:pPr algn="ctr"/>
+            <a:endParaRPr lang="es-MX"/>
+          </a:p>
+        </p:txBody>
+      </p:sp>
+      <p:pic>
+        <p:nvPicPr>
+          <p:cNvPr id="6" name="Marcador de posición de contenido 5">
+            <a:extLst>
+              <a:ext uri="{FF2B5EF4-FFF2-40B4-BE49-F238E27FC236}">
+                <a16:creationId xmlns:a16="http://schemas.microsoft.com/office/drawing/2014/main" id="{0033AF28-464A-0F85-EF8E-177D89BDAAC4}"/>
+              </a:ext>
+            </a:extLst>
+          </p:cNvPr>
+          <p:cNvPicPr>
+            <a:picLocks noGrp="1" noChangeAspect="1"/>
+          </p:cNvPicPr>
+          <p:nvPr/>
+        </p:nvPicPr>
+        <p:blipFill>
+          <a:blip r:embed="rId3"/>
+          <a:stretch>
+            <a:fillRect/>
+          </a:stretch>
+        </p:blipFill>
+        <p:spPr>
+          <a:xfrm>
+            <a:off x="3582440" y="2774135"/>
+            <a:ext cx="2777315" cy="654866"/>
+          </a:xfrm>
+          <a:prstGeom prst="rect">
+            <a:avLst/>
+          </a:prstGeom>
+          <a:effectLst>
+            <a:outerShdw blurRad="50800" dist="38100" dir="2700000" algn="tl" rotWithShape="0">
+              <a:prstClr val="black">
+                <a:alpha val="40000"/>
+              </a:prstClr>
+            </a:outerShdw>
+          </a:effectLst>
+        </p:spPr>
+      </p:pic>
+      <p:cxnSp>
+        <p:nvCxnSpPr>
+          <p:cNvPr id="7" name="Conector recto 6">
+            <a:extLst>
+              <a:ext uri="{FF2B5EF4-FFF2-40B4-BE49-F238E27FC236}">
+                <a16:creationId xmlns:a16="http://schemas.microsoft.com/office/drawing/2014/main" id="{7A4799EA-F15E-4CB2-8F51-85A3E43A3101}"/>
+              </a:ext>
+            </a:extLst>
+          </p:cNvPr>
+          <p:cNvCxnSpPr>
+            <a:cxnSpLocks/>
+          </p:cNvCxnSpPr>
+          <p:nvPr/>
+        </p:nvCxnSpPr>
+        <p:spPr>
+          <a:xfrm>
+            <a:off x="3582440" y="3425481"/>
+            <a:ext cx="4995336" cy="0"/>
+          </a:xfrm>
+          <a:prstGeom prst="line">
+            <a:avLst/>
+          </a:prstGeom>
+          <a:effectLst>
+            <a:outerShdw blurRad="50800" dist="38100" dir="2700000" algn="tl" rotWithShape="0">
+              <a:prstClr val="black">
+                <a:alpha val="40000"/>
+              </a:prstClr>
+            </a:outerShdw>
+          </a:effectLst>
+        </p:spPr>
+        <p:style>
+          <a:lnRef idx="3">
+            <a:schemeClr val="dk1"/>
+          </a:lnRef>
+          <a:fillRef idx="0">
+            <a:schemeClr val="dk1"/>
+          </a:fillRef>
+          <a:effectRef idx="2">
+            <a:schemeClr val="dk1"/>
+          </a:effectRef>
+          <a:fontRef idx="minor">
+            <a:schemeClr val="tx1"/>
+          </a:fontRef>
+        </p:style>
+      </p:cxnSp>
+      <p:sp>
+        <p:nvSpPr>
+          <p:cNvPr id="8" name="CuadroTexto 7">
+            <a:extLst>
+              <a:ext uri="{FF2B5EF4-FFF2-40B4-BE49-F238E27FC236}">
+                <a16:creationId xmlns:a16="http://schemas.microsoft.com/office/drawing/2014/main" id="{81D89563-FAE7-D3FC-AE0A-C2705F84D05B}"/>
+              </a:ext>
+            </a:extLst>
+          </p:cNvPr>
+          <p:cNvSpPr txBox="1"/>
+          <p:nvPr/>
+        </p:nvSpPr>
+        <p:spPr>
+          <a:xfrm>
+            <a:off x="5476240" y="3432519"/>
+            <a:ext cx="3101535" cy="338554"/>
+          </a:xfrm>
+          <a:prstGeom prst="rect">
+            <a:avLst/>
+          </a:prstGeom>
+          <a:noFill/>
+        </p:spPr>
+        <p:txBody>
+          <a:bodyPr wrap="square" rtlCol="0">
+            <a:spAutoFit/>
+          </a:bodyPr>
+          <a:lstStyle>
+            <a:defPPr>
+              <a:defRPr lang="es-MX"/>
+            </a:defPPr>
+            <a:lvl1pPr algn="r">
+              <a:defRPr sz="2000" i="1">
+                <a:effectLst>
+                  <a:outerShdw blurRad="38100" dist="38100" dir="2700000" algn="tl">
+                    <a:srgbClr val="000000">
+                      <a:alpha val="43137"/>
+                    </a:srgbClr>
+                  </a:outerShdw>
+                </a:effectLst>
+                <a:latin typeface="+mj-lt"/>
+              </a:defRPr>
+            </a:lvl1pPr>
+          </a:lstStyle>
+          <a:p>
+            <a:r>
+              <a:rPr lang="es-MX" dirty="0" err="1"/>
+              <a:t>Drip</a:t>
+            </a:r>
+            <a:r>
+              <a:rPr lang="es-MX" dirty="0"/>
+              <a:t> Control</a:t>
+            </a:r>
+          </a:p>
+        </p:txBody>
+      </p:sp>
+      <p:pic>
+        <p:nvPicPr>
+          <p:cNvPr id="12" name="Imagen 11">
+            <a:extLst>
+              <a:ext uri="{FF2B5EF4-FFF2-40B4-BE49-F238E27FC236}">
+                <a16:creationId xmlns:a16="http://schemas.microsoft.com/office/drawing/2014/main" id="{75CBA1C0-B9F8-D397-E74E-7065802A6C84}"/>
+              </a:ext>
+            </a:extLst>
+          </p:cNvPr>
+          <p:cNvPicPr>
+            <a:picLocks noChangeAspect="1"/>
+          </p:cNvPicPr>
+          <p:nvPr/>
+        </p:nvPicPr>
+        <p:blipFill>
+          <a:blip r:embed="rId4"/>
+          <a:stretch>
+            <a:fillRect/>
+          </a:stretch>
+        </p:blipFill>
+        <p:spPr>
+          <a:xfrm>
+            <a:off x="5542198" y="1846635"/>
+            <a:ext cx="1107603" cy="1107603"/>
+          </a:xfrm>
+          <a:prstGeom prst="rect">
+            <a:avLst/>
+          </a:prstGeom>
+          <a:effectLst>
+            <a:outerShdw blurRad="50800" dist="38100" dir="2700000" algn="tl" rotWithShape="0">
+              <a:prstClr val="black">
+                <a:alpha val="40000"/>
+              </a:prstClr>
+            </a:outerShdw>
+          </a:effectLst>
+        </p:spPr>
+      </p:pic>
+      <p:sp>
+        <p:nvSpPr>
+          <p:cNvPr id="2" name="Elipse 1" descr="Satélite con relleno sólido">
+            <a:extLst>
+              <a:ext uri="{FF2B5EF4-FFF2-40B4-BE49-F238E27FC236}">
+                <a16:creationId xmlns:a16="http://schemas.microsoft.com/office/drawing/2014/main" id="{948EB965-8504-6371-4DEA-37D924136454}"/>
+              </a:ext>
+            </a:extLst>
+          </p:cNvPr>
+          <p:cNvSpPr/>
+          <p:nvPr/>
+        </p:nvSpPr>
+        <p:spPr>
+          <a:xfrm>
+            <a:off x="6135223" y="4655680"/>
+            <a:ext cx="421131" cy="421131"/>
+          </a:xfrm>
+          <a:prstGeom prst="ellipse">
+            <a:avLst/>
+          </a:prstGeom>
+          <a:blipFill dpi="0" rotWithShape="1">
+            <a:blip r:embed="rId5">
+              <a:extLst>
+                <a:ext uri="{96DAC541-7B7A-43D3-8B79-37D633B846F1}">
+                  <asvg:svgBlip xmlns:asvg="http://schemas.microsoft.com/office/drawing/2016/SVG/main" r:embed="rId6"/>
+                </a:ext>
+              </a:extLst>
+            </a:blip>
+            <a:srcRect/>
+            <a:stretch>
+              <a:fillRect/>
+            </a:stretch>
+          </a:blipFill>
+          <a:ln w="19050">
+            <a:solidFill>
+              <a:schemeClr val="tx1"/>
+            </a:solidFill>
+          </a:ln>
+        </p:spPr>
+        <p:style>
+          <a:lnRef idx="2">
+            <a:schemeClr val="accent1">
+              <a:shade val="50000"/>
+            </a:schemeClr>
+          </a:lnRef>
+          <a:fillRef idx="1">
+            <a:schemeClr val="accent1"/>
+          </a:fillRef>
+          <a:effectRef idx="0">
+            <a:schemeClr val="accent1"/>
+          </a:effectRef>
+          <a:fontRef idx="minor">
+            <a:schemeClr val="lt1"/>
+          </a:fontRef>
+        </p:style>
+        <p:txBody>
+          <a:bodyPr rtlCol="0" anchor="ctr"/>
+          <a:lstStyle/>
+          <a:p>
+            <a:pPr algn="ctr"/>
+            <a:endParaRPr lang="es-MX"/>
+          </a:p>
+        </p:txBody>
+      </p:sp>
+      <p:sp>
+        <p:nvSpPr>
+          <p:cNvPr id="10" name="Elipse 9" descr="Satélite con relleno sólido">
+            <a:extLst>
+              <a:ext uri="{FF2B5EF4-FFF2-40B4-BE49-F238E27FC236}">
+                <a16:creationId xmlns:a16="http://schemas.microsoft.com/office/drawing/2014/main" id="{C2157C25-3998-475D-814D-2D8BF1F87C74}"/>
+              </a:ext>
+            </a:extLst>
+          </p:cNvPr>
+          <p:cNvSpPr/>
+          <p:nvPr/>
+        </p:nvSpPr>
+        <p:spPr>
+          <a:xfrm>
+            <a:off x="5622326" y="4655680"/>
+            <a:ext cx="421131" cy="421131"/>
+          </a:xfrm>
+          <a:prstGeom prst="ellipse">
+            <a:avLst/>
+          </a:prstGeom>
+          <a:blipFill dpi="0" rotWithShape="1">
+            <a:blip r:embed="rId7">
+              <a:extLst>
+                <a:ext uri="{28A0092B-C50C-407E-A947-70E740481C1C}">
+                  <a14:useLocalDpi xmlns:a14="http://schemas.microsoft.com/office/drawing/2010/main" val="0"/>
+                </a:ext>
+                <a:ext uri="{96DAC541-7B7A-43D3-8B79-37D633B846F1}">
+                  <asvg:svgBlip xmlns:asvg="http://schemas.microsoft.com/office/drawing/2016/SVG/main" r:embed="rId8"/>
+                </a:ext>
+              </a:extLst>
+            </a:blip>
+            <a:srcRect/>
+            <a:stretch>
+              <a:fillRect/>
+            </a:stretch>
+          </a:blipFill>
+          <a:ln w="19050">
+            <a:solidFill>
+              <a:schemeClr val="tx1"/>
+            </a:solidFill>
+          </a:ln>
+        </p:spPr>
+        <p:style>
+          <a:lnRef idx="2">
+            <a:schemeClr val="accent1">
+              <a:shade val="50000"/>
+            </a:schemeClr>
+          </a:lnRef>
+          <a:fillRef idx="1">
+            <a:schemeClr val="accent1"/>
+          </a:fillRef>
+          <a:effectRef idx="0">
+            <a:schemeClr val="accent1"/>
+          </a:effectRef>
+          <a:fontRef idx="minor">
+            <a:schemeClr val="lt1"/>
+          </a:fontRef>
+        </p:style>
+        <p:txBody>
+          <a:bodyPr rtlCol="0" anchor="ctr"/>
+          <a:lstStyle/>
+          <a:p>
+            <a:pPr algn="ctr"/>
+            <a:endParaRPr lang="es-MX"/>
+          </a:p>
+        </p:txBody>
+      </p:sp>
+      <p:sp>
+        <p:nvSpPr>
+          <p:cNvPr id="11" name="Elipse 10" descr="Satélite con relleno sólido">
+            <a:extLst>
+              <a:ext uri="{FF2B5EF4-FFF2-40B4-BE49-F238E27FC236}">
+                <a16:creationId xmlns:a16="http://schemas.microsoft.com/office/drawing/2014/main" id="{644CC9FB-6C5E-4E83-79D3-A962824C367E}"/>
+              </a:ext>
+            </a:extLst>
+          </p:cNvPr>
+          <p:cNvSpPr/>
+          <p:nvPr/>
+        </p:nvSpPr>
+        <p:spPr>
+          <a:xfrm>
+            <a:off x="4596532" y="4655680"/>
+            <a:ext cx="421131" cy="421131"/>
+          </a:xfrm>
+          <a:prstGeom prst="ellipse">
+            <a:avLst/>
+          </a:prstGeom>
+          <a:blipFill dpi="0" rotWithShape="1">
+            <a:blip r:embed="rId9">
+              <a:extLst>
+                <a:ext uri="{96DAC541-7B7A-43D3-8B79-37D633B846F1}">
+                  <asvg:svgBlip xmlns:asvg="http://schemas.microsoft.com/office/drawing/2016/SVG/main" r:embed="rId10"/>
+                </a:ext>
+              </a:extLst>
+            </a:blip>
+            <a:srcRect/>
+            <a:stretch>
+              <a:fillRect/>
+            </a:stretch>
+          </a:blipFill>
+          <a:ln w="19050">
+            <a:solidFill>
+              <a:schemeClr val="tx1"/>
+            </a:solidFill>
+          </a:ln>
+        </p:spPr>
+        <p:style>
+          <a:lnRef idx="2">
+            <a:schemeClr val="accent1">
+              <a:shade val="50000"/>
+            </a:schemeClr>
+          </a:lnRef>
+          <a:fillRef idx="1">
+            <a:schemeClr val="accent1"/>
+          </a:fillRef>
+          <a:effectRef idx="0">
+            <a:schemeClr val="accent1"/>
+          </a:effectRef>
+          <a:fontRef idx="minor">
+            <a:schemeClr val="lt1"/>
+          </a:fontRef>
+        </p:style>
+        <p:txBody>
+          <a:bodyPr rtlCol="0" anchor="ctr"/>
+          <a:lstStyle/>
+          <a:p>
+            <a:pPr algn="ctr"/>
+            <a:endParaRPr lang="es-MX"/>
+          </a:p>
+        </p:txBody>
+      </p:sp>
+      <p:sp>
+        <p:nvSpPr>
+          <p:cNvPr id="15" name="Elipse 14" descr="Satélite con relleno sólido">
+            <a:extLst>
+              <a:ext uri="{FF2B5EF4-FFF2-40B4-BE49-F238E27FC236}">
+                <a16:creationId xmlns:a16="http://schemas.microsoft.com/office/drawing/2014/main" id="{39794654-45DE-73B4-4F96-A7A3B719464A}"/>
+              </a:ext>
+            </a:extLst>
+          </p:cNvPr>
+          <p:cNvSpPr/>
+          <p:nvPr/>
+        </p:nvSpPr>
+        <p:spPr>
+          <a:xfrm>
+            <a:off x="6648119" y="4655680"/>
+            <a:ext cx="421131" cy="421131"/>
+          </a:xfrm>
+          <a:prstGeom prst="ellipse">
+            <a:avLst/>
+          </a:prstGeom>
+          <a:blipFill dpi="0" rotWithShape="1">
+            <a:blip r:embed="rId11">
+              <a:extLst>
+                <a:ext uri="{96DAC541-7B7A-43D3-8B79-37D633B846F1}">
+                  <asvg:svgBlip xmlns:asvg="http://schemas.microsoft.com/office/drawing/2016/SVG/main" r:embed="rId12"/>
+                </a:ext>
+              </a:extLst>
+            </a:blip>
+            <a:srcRect/>
+            <a:stretch>
+              <a:fillRect/>
+            </a:stretch>
+          </a:blipFill>
+          <a:ln w="19050">
+            <a:solidFill>
+              <a:schemeClr val="tx1"/>
+            </a:solidFill>
+          </a:ln>
+        </p:spPr>
+        <p:style>
+          <a:lnRef idx="2">
+            <a:schemeClr val="accent1">
+              <a:shade val="50000"/>
+            </a:schemeClr>
+          </a:lnRef>
+          <a:fillRef idx="1">
+            <a:schemeClr val="accent1"/>
+          </a:fillRef>
+          <a:effectRef idx="0">
+            <a:schemeClr val="accent1"/>
+          </a:effectRef>
+          <a:fontRef idx="minor">
+            <a:schemeClr val="lt1"/>
+          </a:fontRef>
+        </p:style>
+        <p:txBody>
+          <a:bodyPr rtlCol="0" anchor="ctr"/>
+          <a:lstStyle/>
+          <a:p>
+            <a:pPr algn="ctr"/>
+            <a:endParaRPr lang="es-MX"/>
+          </a:p>
+        </p:txBody>
+      </p:sp>
+      <p:sp>
+        <p:nvSpPr>
+          <p:cNvPr id="18" name="Elipse 17" descr="Satélite con relleno sólido">
+            <a:extLst>
+              <a:ext uri="{FF2B5EF4-FFF2-40B4-BE49-F238E27FC236}">
+                <a16:creationId xmlns:a16="http://schemas.microsoft.com/office/drawing/2014/main" id="{5D93DA95-7933-91AD-16AD-3DA29C0EBD00}"/>
+              </a:ext>
+            </a:extLst>
+          </p:cNvPr>
+          <p:cNvSpPr/>
+          <p:nvPr/>
+        </p:nvSpPr>
+        <p:spPr>
+          <a:xfrm>
+            <a:off x="5109429" y="4655680"/>
+            <a:ext cx="421131" cy="421131"/>
+          </a:xfrm>
+          <a:prstGeom prst="ellipse">
+            <a:avLst/>
+          </a:prstGeom>
+          <a:blipFill dpi="0" rotWithShape="1">
+            <a:blip r:embed="rId13">
+              <a:extLst>
+                <a:ext uri="{96DAC541-7B7A-43D3-8B79-37D633B846F1}">
+                  <asvg:svgBlip xmlns:asvg="http://schemas.microsoft.com/office/drawing/2016/SVG/main" r:embed="rId14"/>
+                </a:ext>
+              </a:extLst>
+            </a:blip>
+            <a:srcRect/>
+            <a:stretch>
+              <a:fillRect/>
+            </a:stretch>
+          </a:blipFill>
+          <a:ln w="19050">
+            <a:solidFill>
+              <a:schemeClr val="tx1"/>
+            </a:solidFill>
+          </a:ln>
+        </p:spPr>
+        <p:style>
+          <a:lnRef idx="2">
+            <a:schemeClr val="accent1">
+              <a:shade val="50000"/>
+            </a:schemeClr>
+          </a:lnRef>
+          <a:fillRef idx="1">
+            <a:schemeClr val="accent1"/>
+          </a:fillRef>
+          <a:effectRef idx="0">
+            <a:schemeClr val="accent1"/>
+          </a:effectRef>
+          <a:fontRef idx="minor">
+            <a:schemeClr val="lt1"/>
+          </a:fontRef>
+        </p:style>
+        <p:txBody>
+          <a:bodyPr rtlCol="0" anchor="ctr"/>
+          <a:lstStyle/>
+          <a:p>
+            <a:pPr algn="ctr"/>
+            <a:endParaRPr lang="es-MX"/>
+          </a:p>
+        </p:txBody>
+      </p:sp>
+      <p:sp>
+        <p:nvSpPr>
+          <p:cNvPr id="21" name="Elipse 20" descr="Satélite con relleno sólido">
+            <a:extLst>
+              <a:ext uri="{FF2B5EF4-FFF2-40B4-BE49-F238E27FC236}">
+                <a16:creationId xmlns:a16="http://schemas.microsoft.com/office/drawing/2014/main" id="{2B572DAD-53B1-B056-530B-6E3197B867F5}"/>
+              </a:ext>
+            </a:extLst>
+          </p:cNvPr>
+          <p:cNvSpPr/>
+          <p:nvPr/>
+        </p:nvSpPr>
+        <p:spPr>
+          <a:xfrm>
+            <a:off x="3571531" y="4652161"/>
+            <a:ext cx="421131" cy="421131"/>
+          </a:xfrm>
+          <a:prstGeom prst="ellipse">
+            <a:avLst/>
+          </a:prstGeom>
+          <a:blipFill dpi="0" rotWithShape="1">
+            <a:blip r:embed="rId15"/>
+            <a:srcRect/>
+            <a:stretch>
+              <a:fillRect/>
+            </a:stretch>
+          </a:blipFill>
+          <a:ln w="19050">
+            <a:solidFill>
+              <a:schemeClr val="tx1"/>
+            </a:solidFill>
+          </a:ln>
+        </p:spPr>
+        <p:style>
+          <a:lnRef idx="2">
+            <a:schemeClr val="accent1">
+              <a:shade val="50000"/>
+            </a:schemeClr>
+          </a:lnRef>
+          <a:fillRef idx="1">
+            <a:schemeClr val="accent1"/>
+          </a:fillRef>
+          <a:effectRef idx="0">
+            <a:schemeClr val="accent1"/>
+          </a:effectRef>
+          <a:fontRef idx="minor">
+            <a:schemeClr val="lt1"/>
+          </a:fontRef>
+        </p:style>
+        <p:txBody>
+          <a:bodyPr rtlCol="0" anchor="ctr"/>
+          <a:lstStyle/>
+          <a:p>
+            <a:pPr algn="ctr"/>
+            <a:endParaRPr lang="es-MX"/>
+          </a:p>
+        </p:txBody>
+      </p:sp>
+      <p:grpSp>
+        <p:nvGrpSpPr>
+          <p:cNvPr id="22" name="Grupo 21">
+            <a:extLst>
+              <a:ext uri="{FF2B5EF4-FFF2-40B4-BE49-F238E27FC236}">
+                <a16:creationId xmlns:a16="http://schemas.microsoft.com/office/drawing/2014/main" id="{4F58469C-0A61-D394-C721-C356B54669D4}"/>
+              </a:ext>
+            </a:extLst>
+          </p:cNvPr>
+          <p:cNvGrpSpPr/>
+          <p:nvPr/>
+        </p:nvGrpSpPr>
+        <p:grpSpPr>
+          <a:xfrm>
+            <a:off x="4082964" y="4656279"/>
+            <a:ext cx="421131" cy="421131"/>
+            <a:chOff x="5009770" y="3330967"/>
+            <a:chExt cx="421131" cy="421131"/>
+          </a:xfrm>
+        </p:grpSpPr>
+        <p:sp>
+          <p:nvSpPr>
+            <p:cNvPr id="23" name="Elipse 22" descr="Satélite con relleno sólido">
+              <a:extLst>
+                <a:ext uri="{FF2B5EF4-FFF2-40B4-BE49-F238E27FC236}">
+                  <a16:creationId xmlns:a16="http://schemas.microsoft.com/office/drawing/2014/main" id="{67B5C603-7381-77C7-8CC6-491A3AFD3176}"/>
+                </a:ext>
+              </a:extLst>
+            </p:cNvPr>
+            <p:cNvSpPr/>
+            <p:nvPr/>
+          </p:nvSpPr>
+          <p:spPr>
+            <a:xfrm>
+              <a:off x="5009770" y="3330967"/>
+              <a:ext cx="421131" cy="421131"/>
+            </a:xfrm>
+            <a:prstGeom prst="ellipse">
+              <a:avLst/>
+            </a:prstGeom>
+            <a:blipFill dpi="0" rotWithShape="1">
+              <a:blip r:embed="rId16">
+                <a:extLst>
+                  <a:ext uri="{96DAC541-7B7A-43D3-8B79-37D633B846F1}">
+                    <asvg:svgBlip xmlns:asvg="http://schemas.microsoft.com/office/drawing/2016/SVG/main" r:embed="rId17"/>
+                  </a:ext>
+                </a:extLst>
+              </a:blip>
+              <a:srcRect/>
+              <a:stretch>
+                <a:fillRect/>
+              </a:stretch>
+            </a:blipFill>
+            <a:ln w="19050">
+              <a:solidFill>
+                <a:schemeClr val="tx1"/>
+              </a:solidFill>
+            </a:ln>
+          </p:spPr>
+          <p:style>
+            <a:lnRef idx="2">
+              <a:schemeClr val="accent1">
+                <a:shade val="50000"/>
+              </a:schemeClr>
+            </a:lnRef>
+            <a:fillRef idx="1">
+              <a:schemeClr val="accent1"/>
+            </a:fillRef>
+            <a:effectRef idx="0">
+              <a:schemeClr val="accent1"/>
+            </a:effectRef>
+            <a:fontRef idx="minor">
+              <a:schemeClr val="lt1"/>
+            </a:fontRef>
+          </p:style>
+          <p:txBody>
+            <a:bodyPr rtlCol="0" anchor="ctr"/>
+            <a:lstStyle/>
+            <a:p>
+              <a:pPr algn="ctr"/>
+              <a:endParaRPr lang="es-MX"/>
+            </a:p>
+          </p:txBody>
+        </p:sp>
+        <p:pic>
+          <p:nvPicPr>
+            <p:cNvPr id="24" name="Gráfico 23" descr="Planta con relleno sólido">
+              <a:extLst>
+                <a:ext uri="{FF2B5EF4-FFF2-40B4-BE49-F238E27FC236}">
+                  <a16:creationId xmlns:a16="http://schemas.microsoft.com/office/drawing/2014/main" id="{17CAAAD4-CE37-BFFB-5636-30407D7ED71E}"/>
+                </a:ext>
+              </a:extLst>
+            </p:cNvPr>
+            <p:cNvPicPr>
+              <a:picLocks noChangeAspect="1"/>
+            </p:cNvPicPr>
+            <p:nvPr/>
+          </p:nvPicPr>
+          <p:blipFill>
+            <a:blip r:embed="rId18">
+              <a:extLst>
+                <a:ext uri="{28A0092B-C50C-407E-A947-70E740481C1C}">
+                  <a14:useLocalDpi xmlns:a14="http://schemas.microsoft.com/office/drawing/2010/main" val="0"/>
+                </a:ext>
+                <a:ext uri="{96DAC541-7B7A-43D3-8B79-37D633B846F1}">
+                  <asvg:svgBlip xmlns:asvg="http://schemas.microsoft.com/office/drawing/2016/SVG/main" r:embed="rId19"/>
+                </a:ext>
+              </a:extLst>
+            </a:blip>
+            <a:stretch>
+              <a:fillRect/>
+            </a:stretch>
+          </p:blipFill>
+          <p:spPr>
+            <a:xfrm rot="1309914">
+              <a:off x="5075084" y="3396168"/>
+              <a:ext cx="238483" cy="238483"/>
+            </a:xfrm>
+            <a:prstGeom prst="rect">
+              <a:avLst/>
+            </a:prstGeom>
+          </p:spPr>
+        </p:pic>
+      </p:grpSp>
+      <p:pic>
+        <p:nvPicPr>
+          <p:cNvPr id="76" name="Imagen 75">
+            <a:extLst>
+              <a:ext uri="{FF2B5EF4-FFF2-40B4-BE49-F238E27FC236}">
+                <a16:creationId xmlns:a16="http://schemas.microsoft.com/office/drawing/2014/main" id="{FFBF2121-47ED-48E9-95AA-A3E3B4D2636A}"/>
+              </a:ext>
+            </a:extLst>
+          </p:cNvPr>
+          <p:cNvPicPr>
+            <a:picLocks noChangeAspect="1"/>
+          </p:cNvPicPr>
+          <p:nvPr/>
+        </p:nvPicPr>
+        <p:blipFill>
+          <a:blip r:embed="rId20">
+            <a:extLst>
+              <a:ext uri="{BEBA8EAE-BF5A-486C-A8C5-ECC9F3942E4B}">
+                <a14:imgProps xmlns:a14="http://schemas.microsoft.com/office/drawing/2010/main">
+                  <a14:imgLayer r:embed="rId21">
+                    <a14:imgEffect>
+                      <a14:brightnessContrast bright="-10000" contrast="63000"/>
+                    </a14:imgEffect>
+                  </a14:imgLayer>
+                </a14:imgProps>
+              </a:ext>
+            </a:extLst>
+          </a:blip>
+          <a:stretch>
+            <a:fillRect/>
+          </a:stretch>
+        </p:blipFill>
+        <p:spPr>
+          <a:xfrm>
+            <a:off x="7794062" y="4366726"/>
+            <a:ext cx="810555" cy="810555"/>
+          </a:xfrm>
+          <a:prstGeom prst="rect">
+            <a:avLst/>
+          </a:prstGeom>
+        </p:spPr>
+      </p:pic>
+    </p:spTree>
+    <p:extLst>
+      <p:ext uri="{BB962C8B-B14F-4D97-AF65-F5344CB8AC3E}">
+        <p14:creationId xmlns:p14="http://schemas.microsoft.com/office/powerpoint/2010/main" val="3463349982"/>
+      </p:ext>
+    </p:extLst>
+  </p:cSld>
+  <p:clrMapOvr>
+    <a:masterClrMapping/>
+  </p:clrMapOvr>
+</p:sld>
+</file>
+
+<file path=ppt/slides/slide14.xml><?xml version="1.0" encoding="utf-8"?>
+<p:sld xmlns:a="http://schemas.openxmlformats.org/drawingml/2006/main" xmlns:r="http://schemas.openxmlformats.org/officeDocument/2006/relationships" xmlns:p="http://schemas.openxmlformats.org/presentationml/2006/main">
+  <p:cSld>
+    <p:spTree>
+      <p:nvGrpSpPr>
+        <p:cNvPr id="1" name=""/>
+        <p:cNvGrpSpPr/>
+        <p:nvPr/>
+      </p:nvGrpSpPr>
+      <p:grpSpPr>
+        <a:xfrm>
+          <a:off x="0" y="0"/>
+          <a:ext cx="0" cy="0"/>
+          <a:chOff x="0" y="0"/>
+          <a:chExt cx="0" cy="0"/>
+        </a:xfrm>
+      </p:grpSpPr>
+      <p:sp>
+        <p:nvSpPr>
+          <p:cNvPr id="4" name="Rectángulo: esquinas redondeadas 3">
+            <a:extLst>
+              <a:ext uri="{FF2B5EF4-FFF2-40B4-BE49-F238E27FC236}">
+                <a16:creationId xmlns:a16="http://schemas.microsoft.com/office/drawing/2014/main" id="{A9D7B28F-BD9D-63F6-579B-5BEAB5A034AD}"/>
+              </a:ext>
+            </a:extLst>
+          </p:cNvPr>
+          <p:cNvSpPr/>
+          <p:nvPr/>
+        </p:nvSpPr>
+        <p:spPr>
+          <a:xfrm>
+            <a:off x="3429994" y="635481"/>
+            <a:ext cx="3780000" cy="5580000"/>
+          </a:xfrm>
+          <a:prstGeom prst="roundRect">
+            <a:avLst>
+              <a:gd name="adj" fmla="val 5638"/>
+            </a:avLst>
+          </a:prstGeom>
+          <a:blipFill>
+            <a:blip r:embed="rId2"/>
+            <a:stretch>
+              <a:fillRect/>
+            </a:stretch>
+          </a:blipFill>
+          <a:ln w="19050">
+            <a:solidFill>
+              <a:schemeClr val="tx1"/>
+            </a:solidFill>
+          </a:ln>
+        </p:spPr>
+        <p:style>
+          <a:lnRef idx="2">
+            <a:schemeClr val="accent1">
+              <a:shade val="50000"/>
+            </a:schemeClr>
+          </a:lnRef>
+          <a:fillRef idx="1">
+            <a:schemeClr val="accent1"/>
+          </a:fillRef>
+          <a:effectRef idx="0">
+            <a:schemeClr val="accent1"/>
+          </a:effectRef>
+          <a:fontRef idx="minor">
+            <a:schemeClr val="lt1"/>
+          </a:fontRef>
+        </p:style>
+        <p:txBody>
+          <a:bodyPr rtlCol="0" anchor="ctr"/>
+          <a:lstStyle/>
+          <a:p>
+            <a:pPr algn="ctr"/>
+            <a:endParaRPr lang="es-MX"/>
+          </a:p>
+        </p:txBody>
+      </p:sp>
+      <p:pic>
+        <p:nvPicPr>
+          <p:cNvPr id="6" name="Marcador de posición de contenido 5">
+            <a:extLst>
+              <a:ext uri="{FF2B5EF4-FFF2-40B4-BE49-F238E27FC236}">
+                <a16:creationId xmlns:a16="http://schemas.microsoft.com/office/drawing/2014/main" id="{0033AF28-464A-0F85-EF8E-177D89BDAAC4}"/>
+              </a:ext>
+            </a:extLst>
+          </p:cNvPr>
+          <p:cNvPicPr>
+            <a:picLocks noGrp="1" noChangeAspect="1"/>
+          </p:cNvPicPr>
+          <p:nvPr/>
+        </p:nvPicPr>
+        <p:blipFill>
+          <a:blip r:embed="rId3"/>
+          <a:stretch>
+            <a:fillRect/>
+          </a:stretch>
+        </p:blipFill>
+        <p:spPr>
+          <a:xfrm>
+            <a:off x="3582440" y="2774135"/>
+            <a:ext cx="2777315" cy="654866"/>
+          </a:xfrm>
+          <a:prstGeom prst="rect">
+            <a:avLst/>
+          </a:prstGeom>
+          <a:effectLst>
+            <a:outerShdw blurRad="50800" dist="38100" dir="2700000" algn="tl" rotWithShape="0">
+              <a:prstClr val="black">
+                <a:alpha val="40000"/>
+              </a:prstClr>
+            </a:outerShdw>
+          </a:effectLst>
+        </p:spPr>
+      </p:pic>
+      <p:cxnSp>
+        <p:nvCxnSpPr>
+          <p:cNvPr id="7" name="Conector recto 6">
+            <a:extLst>
+              <a:ext uri="{FF2B5EF4-FFF2-40B4-BE49-F238E27FC236}">
+                <a16:creationId xmlns:a16="http://schemas.microsoft.com/office/drawing/2014/main" id="{7A4799EA-F15E-4CB2-8F51-85A3E43A3101}"/>
+              </a:ext>
+            </a:extLst>
+          </p:cNvPr>
+          <p:cNvCxnSpPr>
+            <a:cxnSpLocks/>
+          </p:cNvCxnSpPr>
+          <p:nvPr/>
+        </p:nvCxnSpPr>
+        <p:spPr>
+          <a:xfrm>
+            <a:off x="3545116" y="3425481"/>
+            <a:ext cx="3556800" cy="0"/>
+          </a:xfrm>
+          <a:prstGeom prst="line">
+            <a:avLst/>
+          </a:prstGeom>
+          <a:effectLst>
+            <a:outerShdw blurRad="50800" dist="38100" dir="2700000" algn="tl" rotWithShape="0">
+              <a:prstClr val="black">
+                <a:alpha val="40000"/>
+              </a:prstClr>
+            </a:outerShdw>
+          </a:effectLst>
+        </p:spPr>
+        <p:style>
+          <a:lnRef idx="3">
+            <a:schemeClr val="dk1"/>
+          </a:lnRef>
+          <a:fillRef idx="0">
+            <a:schemeClr val="dk1"/>
+          </a:fillRef>
+          <a:effectRef idx="2">
+            <a:schemeClr val="dk1"/>
+          </a:effectRef>
+          <a:fontRef idx="minor">
+            <a:schemeClr val="tx1"/>
+          </a:fontRef>
+        </p:style>
+      </p:cxnSp>
+      <p:sp>
+        <p:nvSpPr>
+          <p:cNvPr id="8" name="CuadroTexto 7">
+            <a:extLst>
+              <a:ext uri="{FF2B5EF4-FFF2-40B4-BE49-F238E27FC236}">
+                <a16:creationId xmlns:a16="http://schemas.microsoft.com/office/drawing/2014/main" id="{81D89563-FAE7-D3FC-AE0A-C2705F84D05B}"/>
+              </a:ext>
+            </a:extLst>
+          </p:cNvPr>
+          <p:cNvSpPr txBox="1"/>
+          <p:nvPr/>
+        </p:nvSpPr>
+        <p:spPr>
+          <a:xfrm>
+            <a:off x="5476241" y="3432519"/>
+            <a:ext cx="1593010" cy="400110"/>
+          </a:xfrm>
+          <a:prstGeom prst="rect">
+            <a:avLst/>
+          </a:prstGeom>
+          <a:noFill/>
+        </p:spPr>
+        <p:txBody>
+          <a:bodyPr wrap="square" rtlCol="0">
+            <a:spAutoFit/>
+          </a:bodyPr>
+          <a:lstStyle>
+            <a:defPPr>
+              <a:defRPr lang="es-MX"/>
+            </a:defPPr>
+            <a:lvl1pPr algn="r">
+              <a:defRPr sz="2000" i="1">
+                <a:effectLst>
+                  <a:outerShdw blurRad="38100" dist="38100" dir="2700000" algn="tl">
+                    <a:srgbClr val="000000">
+                      <a:alpha val="43137"/>
+                    </a:srgbClr>
+                  </a:outerShdw>
+                </a:effectLst>
+                <a:latin typeface="+mj-lt"/>
+              </a:defRPr>
+            </a:lvl1pPr>
+          </a:lstStyle>
+          <a:p>
+            <a:r>
+              <a:rPr lang="es-MX" dirty="0"/>
+              <a:t>Gateway</a:t>
+            </a:r>
+          </a:p>
+        </p:txBody>
+      </p:sp>
+      <p:pic>
+        <p:nvPicPr>
+          <p:cNvPr id="12" name="Imagen 11">
+            <a:extLst>
+              <a:ext uri="{FF2B5EF4-FFF2-40B4-BE49-F238E27FC236}">
+                <a16:creationId xmlns:a16="http://schemas.microsoft.com/office/drawing/2014/main" id="{75CBA1C0-B9F8-D397-E74E-7065802A6C84}"/>
+              </a:ext>
+            </a:extLst>
+          </p:cNvPr>
+          <p:cNvPicPr>
+            <a:picLocks noChangeAspect="1"/>
+          </p:cNvPicPr>
+          <p:nvPr/>
+        </p:nvPicPr>
+        <p:blipFill>
+          <a:blip r:embed="rId4">
+            <a:biLevel thresh="75000"/>
+          </a:blip>
+          <a:stretch>
+            <a:fillRect/>
+          </a:stretch>
+        </p:blipFill>
+        <p:spPr>
+          <a:xfrm>
+            <a:off x="5542198" y="1846635"/>
+            <a:ext cx="1107603" cy="1107603"/>
+          </a:xfrm>
+          <a:prstGeom prst="rect">
+            <a:avLst/>
+          </a:prstGeom>
+          <a:effectLst>
+            <a:outerShdw blurRad="50800" dist="38100" dir="2700000" algn="tl" rotWithShape="0">
+              <a:prstClr val="black">
+                <a:alpha val="40000"/>
+              </a:prstClr>
+            </a:outerShdw>
+          </a:effectLst>
+        </p:spPr>
+      </p:pic>
+      <p:grpSp>
+        <p:nvGrpSpPr>
+          <p:cNvPr id="3" name="Grupo 2">
+            <a:extLst>
+              <a:ext uri="{FF2B5EF4-FFF2-40B4-BE49-F238E27FC236}">
+                <a16:creationId xmlns:a16="http://schemas.microsoft.com/office/drawing/2014/main" id="{505189AE-836F-4021-B504-CECAB8D5F31B}"/>
+              </a:ext>
+            </a:extLst>
+          </p:cNvPr>
+          <p:cNvGrpSpPr/>
+          <p:nvPr/>
+        </p:nvGrpSpPr>
+        <p:grpSpPr>
+          <a:xfrm>
+            <a:off x="3841005" y="5585544"/>
+            <a:ext cx="2957977" cy="421131"/>
+            <a:chOff x="3569136" y="5600511"/>
+            <a:chExt cx="2957977" cy="421131"/>
+          </a:xfrm>
+        </p:grpSpPr>
+        <p:sp>
+          <p:nvSpPr>
+            <p:cNvPr id="17" name="Elipse 16" descr="Satélite con relleno sólido">
+              <a:extLst>
+                <a:ext uri="{FF2B5EF4-FFF2-40B4-BE49-F238E27FC236}">
+                  <a16:creationId xmlns:a16="http://schemas.microsoft.com/office/drawing/2014/main" id="{EDEE6F72-FC9B-4626-95EE-1A275EF37162}"/>
+                </a:ext>
+              </a:extLst>
+            </p:cNvPr>
+            <p:cNvSpPr/>
+            <p:nvPr/>
+          </p:nvSpPr>
+          <p:spPr>
+            <a:xfrm>
+              <a:off x="5598612" y="5600511"/>
+              <a:ext cx="421131" cy="421131"/>
+            </a:xfrm>
+            <a:prstGeom prst="ellipse">
+              <a:avLst/>
+            </a:prstGeom>
+            <a:blipFill dpi="0" rotWithShape="1">
+              <a:blip r:embed="rId5">
+                <a:extLst>
+                  <a:ext uri="{96DAC541-7B7A-43D3-8B79-37D633B846F1}">
+                    <asvg:svgBlip xmlns:asvg="http://schemas.microsoft.com/office/drawing/2016/SVG/main" r:embed="rId6"/>
+                  </a:ext>
+                </a:extLst>
+              </a:blip>
+              <a:srcRect/>
+              <a:stretch>
+                <a:fillRect/>
+              </a:stretch>
+            </a:blipFill>
+            <a:ln w="19050">
+              <a:solidFill>
+                <a:schemeClr val="tx1"/>
+              </a:solidFill>
+            </a:ln>
+          </p:spPr>
+          <p:style>
+            <a:lnRef idx="2">
+              <a:schemeClr val="accent1">
+                <a:shade val="50000"/>
+              </a:schemeClr>
+            </a:lnRef>
+            <a:fillRef idx="1">
+              <a:schemeClr val="accent1"/>
+            </a:fillRef>
+            <a:effectRef idx="0">
+              <a:schemeClr val="accent1"/>
+            </a:effectRef>
+            <a:fontRef idx="minor">
+              <a:schemeClr val="lt1"/>
+            </a:fontRef>
+          </p:style>
+          <p:txBody>
+            <a:bodyPr rtlCol="0" anchor="ctr"/>
+            <a:lstStyle/>
+            <a:p>
+              <a:pPr algn="ctr"/>
+              <a:endParaRPr lang="es-MX"/>
+            </a:p>
+          </p:txBody>
+        </p:sp>
+        <p:sp>
+          <p:nvSpPr>
+            <p:cNvPr id="19" name="Elipse 18" descr="Satélite con relleno sólido">
+              <a:extLst>
+                <a:ext uri="{FF2B5EF4-FFF2-40B4-BE49-F238E27FC236}">
+                  <a16:creationId xmlns:a16="http://schemas.microsoft.com/office/drawing/2014/main" id="{4295A969-DA73-49E7-A5A8-82196B6D4713}"/>
+                </a:ext>
+              </a:extLst>
+            </p:cNvPr>
+            <p:cNvSpPr/>
+            <p:nvPr/>
+          </p:nvSpPr>
+          <p:spPr>
+            <a:xfrm>
+              <a:off x="4583874" y="5600511"/>
+              <a:ext cx="421131" cy="421131"/>
+            </a:xfrm>
+            <a:prstGeom prst="ellipse">
+              <a:avLst/>
+            </a:prstGeom>
+            <a:blipFill dpi="0" rotWithShape="1">
+              <a:blip r:embed="rId7">
+                <a:extLst>
+                  <a:ext uri="{96DAC541-7B7A-43D3-8B79-37D633B846F1}">
+                    <asvg:svgBlip xmlns:asvg="http://schemas.microsoft.com/office/drawing/2016/SVG/main" r:embed="rId8"/>
+                  </a:ext>
+                </a:extLst>
+              </a:blip>
+              <a:srcRect/>
+              <a:stretch>
+                <a:fillRect/>
+              </a:stretch>
+            </a:blipFill>
+            <a:ln w="19050">
+              <a:solidFill>
+                <a:schemeClr val="tx1"/>
+              </a:solidFill>
+            </a:ln>
+          </p:spPr>
+          <p:style>
+            <a:lnRef idx="2">
+              <a:schemeClr val="accent1">
+                <a:shade val="50000"/>
+              </a:schemeClr>
+            </a:lnRef>
+            <a:fillRef idx="1">
+              <a:schemeClr val="accent1"/>
+            </a:fillRef>
+            <a:effectRef idx="0">
+              <a:schemeClr val="accent1"/>
+            </a:effectRef>
+            <a:fontRef idx="minor">
+              <a:schemeClr val="lt1"/>
+            </a:fontRef>
+          </p:style>
+          <p:txBody>
+            <a:bodyPr rtlCol="0" anchor="ctr"/>
+            <a:lstStyle/>
+            <a:p>
+              <a:pPr algn="ctr"/>
+              <a:endParaRPr lang="es-MX"/>
+            </a:p>
+          </p:txBody>
+        </p:sp>
+        <p:sp>
+          <p:nvSpPr>
+            <p:cNvPr id="20" name="Elipse 19" descr="Satélite con relleno sólido">
+              <a:extLst>
+                <a:ext uri="{FF2B5EF4-FFF2-40B4-BE49-F238E27FC236}">
+                  <a16:creationId xmlns:a16="http://schemas.microsoft.com/office/drawing/2014/main" id="{FF610C0A-0893-44F8-B576-D78B5B27F125}"/>
+                </a:ext>
+              </a:extLst>
+            </p:cNvPr>
+            <p:cNvSpPr/>
+            <p:nvPr/>
+          </p:nvSpPr>
+          <p:spPr>
+            <a:xfrm>
+              <a:off x="5091243" y="5600511"/>
+              <a:ext cx="421131" cy="421131"/>
+            </a:xfrm>
+            <a:prstGeom prst="ellipse">
+              <a:avLst/>
+            </a:prstGeom>
+            <a:blipFill dpi="0" rotWithShape="1">
+              <a:blip r:embed="rId9">
+                <a:extLst>
+                  <a:ext uri="{96DAC541-7B7A-43D3-8B79-37D633B846F1}">
+                    <asvg:svgBlip xmlns:asvg="http://schemas.microsoft.com/office/drawing/2016/SVG/main" r:embed="rId10"/>
+                  </a:ext>
+                </a:extLst>
+              </a:blip>
+              <a:srcRect/>
+              <a:stretch>
+                <a:fillRect/>
+              </a:stretch>
+            </a:blipFill>
+            <a:ln w="19050">
+              <a:solidFill>
+                <a:schemeClr val="tx1"/>
+              </a:solidFill>
+            </a:ln>
+          </p:spPr>
+          <p:style>
+            <a:lnRef idx="2">
+              <a:schemeClr val="accent1">
+                <a:shade val="50000"/>
+              </a:schemeClr>
+            </a:lnRef>
+            <a:fillRef idx="1">
+              <a:schemeClr val="accent1"/>
+            </a:fillRef>
+            <a:effectRef idx="0">
+              <a:schemeClr val="accent1"/>
+            </a:effectRef>
+            <a:fontRef idx="minor">
+              <a:schemeClr val="lt1"/>
+            </a:fontRef>
+          </p:style>
+          <p:txBody>
+            <a:bodyPr rtlCol="0" anchor="ctr"/>
+            <a:lstStyle/>
+            <a:p>
+              <a:pPr algn="ctr"/>
+              <a:endParaRPr lang="es-MX"/>
+            </a:p>
+          </p:txBody>
+        </p:sp>
+        <p:sp>
+          <p:nvSpPr>
+            <p:cNvPr id="25" name="Elipse 24" descr="Satélite con relleno sólido">
+              <a:extLst>
+                <a:ext uri="{FF2B5EF4-FFF2-40B4-BE49-F238E27FC236}">
+                  <a16:creationId xmlns:a16="http://schemas.microsoft.com/office/drawing/2014/main" id="{856FA733-8589-416E-9F39-C964A27738D2}"/>
+                </a:ext>
+              </a:extLst>
+            </p:cNvPr>
+            <p:cNvSpPr/>
+            <p:nvPr/>
+          </p:nvSpPr>
+          <p:spPr>
+            <a:xfrm>
+              <a:off x="3569136" y="5600511"/>
+              <a:ext cx="421131" cy="421131"/>
+            </a:xfrm>
+            <a:prstGeom prst="ellipse">
+              <a:avLst/>
+            </a:prstGeom>
+            <a:blipFill dpi="0" rotWithShape="1">
+              <a:blip r:embed="rId11">
+                <a:extLst>
+                  <a:ext uri="{96DAC541-7B7A-43D3-8B79-37D633B846F1}">
+                    <asvg:svgBlip xmlns:asvg="http://schemas.microsoft.com/office/drawing/2016/SVG/main" r:embed="rId12"/>
+                  </a:ext>
+                </a:extLst>
+              </a:blip>
+              <a:srcRect/>
+              <a:stretch>
+                <a:fillRect/>
+              </a:stretch>
+            </a:blipFill>
+            <a:ln w="19050">
+              <a:solidFill>
+                <a:schemeClr val="tx1"/>
+              </a:solidFill>
+            </a:ln>
+          </p:spPr>
+          <p:style>
+            <a:lnRef idx="2">
+              <a:schemeClr val="accent1">
+                <a:shade val="50000"/>
+              </a:schemeClr>
+            </a:lnRef>
+            <a:fillRef idx="1">
+              <a:schemeClr val="accent1"/>
+            </a:fillRef>
+            <a:effectRef idx="0">
+              <a:schemeClr val="accent1"/>
+            </a:effectRef>
+            <a:fontRef idx="minor">
+              <a:schemeClr val="lt1"/>
+            </a:fontRef>
+          </p:style>
+          <p:txBody>
+            <a:bodyPr rtlCol="0" anchor="ctr"/>
+            <a:lstStyle/>
+            <a:p>
+              <a:pPr algn="ctr"/>
+              <a:endParaRPr lang="es-MX"/>
+            </a:p>
+          </p:txBody>
+        </p:sp>
+        <p:sp>
+          <p:nvSpPr>
+            <p:cNvPr id="26" name="Elipse 25" descr="Satélite con relleno sólido">
+              <a:extLst>
+                <a:ext uri="{FF2B5EF4-FFF2-40B4-BE49-F238E27FC236}">
+                  <a16:creationId xmlns:a16="http://schemas.microsoft.com/office/drawing/2014/main" id="{1164283E-E0F6-4E1A-ADF0-7B2C81600007}"/>
+                </a:ext>
+              </a:extLst>
+            </p:cNvPr>
+            <p:cNvSpPr/>
+            <p:nvPr/>
+          </p:nvSpPr>
+          <p:spPr>
+            <a:xfrm>
+              <a:off x="6105982" y="5600511"/>
+              <a:ext cx="421131" cy="421131"/>
+            </a:xfrm>
+            <a:prstGeom prst="ellipse">
+              <a:avLst/>
+            </a:prstGeom>
+            <a:blipFill dpi="0" rotWithShape="1">
+              <a:blip r:embed="rId13">
+                <a:extLst>
+                  <a:ext uri="{96DAC541-7B7A-43D3-8B79-37D633B846F1}">
+                    <asvg:svgBlip xmlns:asvg="http://schemas.microsoft.com/office/drawing/2016/SVG/main" r:embed="rId14"/>
+                  </a:ext>
+                </a:extLst>
+              </a:blip>
+              <a:srcRect/>
+              <a:stretch>
+                <a:fillRect/>
+              </a:stretch>
+            </a:blipFill>
+            <a:ln w="19050">
+              <a:solidFill>
+                <a:schemeClr val="tx1"/>
+              </a:solidFill>
+            </a:ln>
+          </p:spPr>
+          <p:style>
+            <a:lnRef idx="2">
+              <a:schemeClr val="accent1">
+                <a:shade val="50000"/>
+              </a:schemeClr>
+            </a:lnRef>
+            <a:fillRef idx="1">
+              <a:schemeClr val="accent1"/>
+            </a:fillRef>
+            <a:effectRef idx="0">
+              <a:schemeClr val="accent1"/>
+            </a:effectRef>
+            <a:fontRef idx="minor">
+              <a:schemeClr val="lt1"/>
+            </a:fontRef>
+          </p:style>
+          <p:txBody>
+            <a:bodyPr rtlCol="0" anchor="ctr"/>
+            <a:lstStyle/>
+            <a:p>
+              <a:pPr algn="ctr"/>
+              <a:endParaRPr lang="es-MX"/>
+            </a:p>
+          </p:txBody>
+        </p:sp>
+        <p:grpSp>
+          <p:nvGrpSpPr>
+            <p:cNvPr id="27" name="Grupo 26">
+              <a:extLst>
+                <a:ext uri="{FF2B5EF4-FFF2-40B4-BE49-F238E27FC236}">
+                  <a16:creationId xmlns:a16="http://schemas.microsoft.com/office/drawing/2014/main" id="{D94B176F-E0C7-432C-9058-0FA2917D4EBB}"/>
+                </a:ext>
+              </a:extLst>
+            </p:cNvPr>
+            <p:cNvGrpSpPr/>
+            <p:nvPr/>
+          </p:nvGrpSpPr>
+          <p:grpSpPr>
+            <a:xfrm>
+              <a:off x="4076505" y="5600511"/>
+              <a:ext cx="421131" cy="421131"/>
+              <a:chOff x="5009770" y="3330967"/>
+              <a:chExt cx="421131" cy="421131"/>
+            </a:xfrm>
+          </p:grpSpPr>
+          <p:sp>
+            <p:nvSpPr>
+              <p:cNvPr id="28" name="Elipse 27" descr="Satélite con relleno sólido">
+                <a:extLst>
+                  <a:ext uri="{FF2B5EF4-FFF2-40B4-BE49-F238E27FC236}">
+                    <a16:creationId xmlns:a16="http://schemas.microsoft.com/office/drawing/2014/main" id="{257BB4A6-A8DC-4983-8982-0108466CA540}"/>
+                  </a:ext>
+                </a:extLst>
+              </p:cNvPr>
+              <p:cNvSpPr/>
+              <p:nvPr/>
+            </p:nvSpPr>
+            <p:spPr>
+              <a:xfrm>
+                <a:off x="5009770" y="3330967"/>
+                <a:ext cx="421131" cy="421131"/>
+              </a:xfrm>
+              <a:prstGeom prst="ellipse">
+                <a:avLst/>
+              </a:prstGeom>
+              <a:blipFill dpi="0" rotWithShape="1">
+                <a:blip r:embed="rId15">
+                  <a:extLst>
+                    <a:ext uri="{96DAC541-7B7A-43D3-8B79-37D633B846F1}">
+                      <asvg:svgBlip xmlns:asvg="http://schemas.microsoft.com/office/drawing/2016/SVG/main" r:embed="rId16"/>
+                    </a:ext>
+                  </a:extLst>
+                </a:blip>
+                <a:srcRect/>
+                <a:stretch>
+                  <a:fillRect/>
+                </a:stretch>
+              </a:blipFill>
+              <a:ln w="19050">
+                <a:solidFill>
+                  <a:schemeClr val="tx1"/>
+                </a:solidFill>
+              </a:ln>
+            </p:spPr>
+            <p:style>
+              <a:lnRef idx="2">
+                <a:schemeClr val="accent1">
+                  <a:shade val="50000"/>
+                </a:schemeClr>
+              </a:lnRef>
+              <a:fillRef idx="1">
+                <a:schemeClr val="accent1"/>
+              </a:fillRef>
+              <a:effectRef idx="0">
+                <a:schemeClr val="accent1"/>
+              </a:effectRef>
+              <a:fontRef idx="minor">
+                <a:schemeClr val="lt1"/>
+              </a:fontRef>
+            </p:style>
+            <p:txBody>
+              <a:bodyPr rtlCol="0" anchor="ctr"/>
+              <a:lstStyle/>
+              <a:p>
+                <a:pPr algn="ctr"/>
+                <a:endParaRPr lang="es-MX"/>
+              </a:p>
+            </p:txBody>
+          </p:sp>
+          <p:pic>
+            <p:nvPicPr>
+              <p:cNvPr id="29" name="Gráfico 28" descr="Planta con relleno sólido">
+                <a:extLst>
+                  <a:ext uri="{FF2B5EF4-FFF2-40B4-BE49-F238E27FC236}">
+                    <a16:creationId xmlns:a16="http://schemas.microsoft.com/office/drawing/2014/main" id="{C46CCE43-71BB-43CD-AF70-C94666BBAF38}"/>
+                  </a:ext>
+                </a:extLst>
+              </p:cNvPr>
+              <p:cNvPicPr>
+                <a:picLocks noChangeAspect="1"/>
+              </p:cNvPicPr>
+              <p:nvPr/>
+            </p:nvPicPr>
+            <p:blipFill>
+              <a:blip r:embed="rId17">
+                <a:extLst>
+                  <a:ext uri="{28A0092B-C50C-407E-A947-70E740481C1C}">
+                    <a14:useLocalDpi xmlns:a14="http://schemas.microsoft.com/office/drawing/2010/main" val="0"/>
+                  </a:ext>
+                  <a:ext uri="{96DAC541-7B7A-43D3-8B79-37D633B846F1}">
+                    <asvg:svgBlip xmlns:asvg="http://schemas.microsoft.com/office/drawing/2016/SVG/main" r:embed="rId18"/>
+                  </a:ext>
+                </a:extLst>
+              </a:blip>
+              <a:stretch>
+                <a:fillRect/>
+              </a:stretch>
+            </p:blipFill>
+            <p:spPr>
+              <a:xfrm rot="1309914">
+                <a:off x="5075084" y="3396168"/>
+                <a:ext cx="238483" cy="238483"/>
+              </a:xfrm>
+              <a:prstGeom prst="rect">
+                <a:avLst/>
+              </a:prstGeom>
+            </p:spPr>
+          </p:pic>
+        </p:grpSp>
+      </p:grpSp>
+      <p:pic>
+        <p:nvPicPr>
+          <p:cNvPr id="5" name="Imagen 4">
+            <a:extLst>
+              <a:ext uri="{FF2B5EF4-FFF2-40B4-BE49-F238E27FC236}">
+                <a16:creationId xmlns:a16="http://schemas.microsoft.com/office/drawing/2014/main" id="{B20D8AC8-6F6E-4B05-8B49-EDC1259F03B0}"/>
               </a:ext>
             </a:extLst>
           </p:cNvPr>
@@ -18487,9 +20226,9 @@
           </a:stretch>
         </p:blipFill>
         <p:spPr>
-          <a:xfrm rot="157431">
-            <a:off x="7904058" y="3379899"/>
-            <a:ext cx="283326" cy="443794"/>
+          <a:xfrm>
+            <a:off x="4914575" y="4415062"/>
+            <a:ext cx="810838" cy="810838"/>
           </a:xfrm>
           <a:prstGeom prst="rect">
             <a:avLst/>
@@ -18499,7 +20238,7 @@
     </p:spTree>
     <p:extLst>
       <p:ext uri="{BB962C8B-B14F-4D97-AF65-F5344CB8AC3E}">
-        <p14:creationId xmlns:p14="http://schemas.microsoft.com/office/powerpoint/2010/main" val="4135138042"/>
+        <p14:creationId xmlns:p14="http://schemas.microsoft.com/office/powerpoint/2010/main" val="1549742828"/>
       </p:ext>
     </p:extLst>
   </p:cSld>
@@ -18509,7 +20248,1496 @@
 </p:sld>
 </file>
 
-<file path=ppt/slides/slide12.xml><?xml version="1.0" encoding="utf-8"?>
+<file path=ppt/slides/slide15.xml><?xml version="1.0" encoding="utf-8"?>
+<p:sld xmlns:a="http://schemas.openxmlformats.org/drawingml/2006/main" xmlns:r="http://schemas.openxmlformats.org/officeDocument/2006/relationships" xmlns:p="http://schemas.openxmlformats.org/presentationml/2006/main">
+  <p:cSld>
+    <p:spTree>
+      <p:nvGrpSpPr>
+        <p:cNvPr id="1" name=""/>
+        <p:cNvGrpSpPr/>
+        <p:nvPr/>
+      </p:nvGrpSpPr>
+      <p:grpSpPr>
+        <a:xfrm>
+          <a:off x="0" y="0"/>
+          <a:ext cx="0" cy="0"/>
+          <a:chOff x="0" y="0"/>
+          <a:chExt cx="0" cy="0"/>
+        </a:xfrm>
+      </p:grpSpPr>
+      <p:pic>
+        <p:nvPicPr>
+          <p:cNvPr id="2" name="Imagen 1">
+            <a:extLst>
+              <a:ext uri="{FF2B5EF4-FFF2-40B4-BE49-F238E27FC236}">
+                <a16:creationId xmlns:a16="http://schemas.microsoft.com/office/drawing/2014/main" id="{0D0EA2E2-F817-4CC3-A374-1815694FA92D}"/>
+              </a:ext>
+            </a:extLst>
+          </p:cNvPr>
+          <p:cNvPicPr>
+            <a:picLocks noChangeAspect="1"/>
+          </p:cNvPicPr>
+          <p:nvPr/>
+        </p:nvPicPr>
+        <p:blipFill rotWithShape="1">
+          <a:blip r:embed="rId2"/>
+          <a:srcRect t="50002"/>
+          <a:stretch/>
+        </p:blipFill>
+        <p:spPr>
+          <a:xfrm>
+            <a:off x="3305999" y="3432519"/>
+            <a:ext cx="5578323" cy="1889848"/>
+          </a:xfrm>
+          <a:prstGeom prst="rect">
+            <a:avLst/>
+          </a:prstGeom>
+        </p:spPr>
+      </p:pic>
+      <p:sp>
+        <p:nvSpPr>
+          <p:cNvPr id="17" name="Rectángulo: esquinas redondeadas 16">
+            <a:extLst>
+              <a:ext uri="{FF2B5EF4-FFF2-40B4-BE49-F238E27FC236}">
+                <a16:creationId xmlns:a16="http://schemas.microsoft.com/office/drawing/2014/main" id="{AED42456-AF7C-42D1-B1BB-A9FF95193C2E}"/>
+              </a:ext>
+            </a:extLst>
+          </p:cNvPr>
+          <p:cNvSpPr/>
+          <p:nvPr/>
+        </p:nvSpPr>
+        <p:spPr>
+          <a:xfrm>
+            <a:off x="3305999" y="1535481"/>
+            <a:ext cx="5580000" cy="3780000"/>
+          </a:xfrm>
+          <a:prstGeom prst="roundRect">
+            <a:avLst>
+              <a:gd name="adj" fmla="val 5638"/>
+            </a:avLst>
+          </a:prstGeom>
+          <a:noFill/>
+          <a:ln w="19050">
+            <a:solidFill>
+              <a:schemeClr val="tx1"/>
+            </a:solidFill>
+          </a:ln>
+        </p:spPr>
+        <p:style>
+          <a:lnRef idx="2">
+            <a:schemeClr val="accent1">
+              <a:shade val="50000"/>
+            </a:schemeClr>
+          </a:lnRef>
+          <a:fillRef idx="1">
+            <a:schemeClr val="accent1"/>
+          </a:fillRef>
+          <a:effectRef idx="0">
+            <a:schemeClr val="accent1"/>
+          </a:effectRef>
+          <a:fontRef idx="minor">
+            <a:schemeClr val="lt1"/>
+          </a:fontRef>
+        </p:style>
+        <p:txBody>
+          <a:bodyPr rtlCol="0" anchor="ctr"/>
+          <a:lstStyle/>
+          <a:p>
+            <a:pPr algn="ctr"/>
+            <a:endParaRPr lang="es-MX"/>
+          </a:p>
+        </p:txBody>
+      </p:sp>
+      <p:pic>
+        <p:nvPicPr>
+          <p:cNvPr id="6" name="Marcador de posición de contenido 5">
+            <a:extLst>
+              <a:ext uri="{FF2B5EF4-FFF2-40B4-BE49-F238E27FC236}">
+                <a16:creationId xmlns:a16="http://schemas.microsoft.com/office/drawing/2014/main" id="{0033AF28-464A-0F85-EF8E-177D89BDAAC4}"/>
+              </a:ext>
+            </a:extLst>
+          </p:cNvPr>
+          <p:cNvPicPr>
+            <a:picLocks noGrp="1" noChangeAspect="1"/>
+          </p:cNvPicPr>
+          <p:nvPr/>
+        </p:nvPicPr>
+        <p:blipFill>
+          <a:blip r:embed="rId3"/>
+          <a:stretch>
+            <a:fillRect/>
+          </a:stretch>
+        </p:blipFill>
+        <p:spPr>
+          <a:xfrm>
+            <a:off x="3582440" y="2774135"/>
+            <a:ext cx="2777315" cy="654866"/>
+          </a:xfrm>
+          <a:prstGeom prst="rect">
+            <a:avLst/>
+          </a:prstGeom>
+          <a:effectLst>
+            <a:outerShdw blurRad="50800" dist="38100" dir="2700000" algn="tl" rotWithShape="0">
+              <a:prstClr val="black">
+                <a:alpha val="40000"/>
+              </a:prstClr>
+            </a:outerShdw>
+          </a:effectLst>
+        </p:spPr>
+      </p:pic>
+      <p:sp>
+        <p:nvSpPr>
+          <p:cNvPr id="8" name="CuadroTexto 7">
+            <a:extLst>
+              <a:ext uri="{FF2B5EF4-FFF2-40B4-BE49-F238E27FC236}">
+                <a16:creationId xmlns:a16="http://schemas.microsoft.com/office/drawing/2014/main" id="{81D89563-FAE7-D3FC-AE0A-C2705F84D05B}"/>
+              </a:ext>
+            </a:extLst>
+          </p:cNvPr>
+          <p:cNvSpPr txBox="1"/>
+          <p:nvPr/>
+        </p:nvSpPr>
+        <p:spPr>
+          <a:xfrm>
+            <a:off x="5622326" y="3432519"/>
+            <a:ext cx="2955450" cy="400110"/>
+          </a:xfrm>
+          <a:prstGeom prst="rect">
+            <a:avLst/>
+          </a:prstGeom>
+          <a:noFill/>
+        </p:spPr>
+        <p:txBody>
+          <a:bodyPr wrap="square" rtlCol="0">
+            <a:spAutoFit/>
+          </a:bodyPr>
+          <a:lstStyle/>
+          <a:p>
+            <a:pPr algn="r"/>
+            <a:r>
+              <a:rPr lang="es-MX" sz="2000" b="1" i="1" dirty="0" err="1">
+                <a:solidFill>
+                  <a:schemeClr val="bg1"/>
+                </a:solidFill>
+                <a:effectLst>
+                  <a:outerShdw blurRad="38100" dist="38100" dir="2700000" algn="tl">
+                    <a:srgbClr val="000000">
+                      <a:alpha val="43137"/>
+                    </a:srgbClr>
+                  </a:outerShdw>
+                </a:effectLst>
+                <a:latin typeface="+mj-lt"/>
+              </a:rPr>
+              <a:t>Pivot</a:t>
+            </a:r>
+            <a:r>
+              <a:rPr lang="es-MX" sz="2000" b="1" i="1" dirty="0">
+                <a:solidFill>
+                  <a:schemeClr val="bg1"/>
+                </a:solidFill>
+                <a:effectLst>
+                  <a:outerShdw blurRad="38100" dist="38100" dir="2700000" algn="tl">
+                    <a:srgbClr val="000000">
+                      <a:alpha val="43137"/>
+                    </a:srgbClr>
+                  </a:outerShdw>
+                </a:effectLst>
+                <a:latin typeface="+mj-lt"/>
+              </a:rPr>
+              <a:t> Control</a:t>
+            </a:r>
+          </a:p>
+        </p:txBody>
+      </p:sp>
+      <p:pic>
+        <p:nvPicPr>
+          <p:cNvPr id="12" name="Imagen 11">
+            <a:extLst>
+              <a:ext uri="{FF2B5EF4-FFF2-40B4-BE49-F238E27FC236}">
+                <a16:creationId xmlns:a16="http://schemas.microsoft.com/office/drawing/2014/main" id="{75CBA1C0-B9F8-D397-E74E-7065802A6C84}"/>
+              </a:ext>
+            </a:extLst>
+          </p:cNvPr>
+          <p:cNvPicPr>
+            <a:picLocks noChangeAspect="1"/>
+          </p:cNvPicPr>
+          <p:nvPr/>
+        </p:nvPicPr>
+        <p:blipFill>
+          <a:blip r:embed="rId4"/>
+          <a:stretch>
+            <a:fillRect/>
+          </a:stretch>
+        </p:blipFill>
+        <p:spPr>
+          <a:xfrm>
+            <a:off x="5542198" y="1846635"/>
+            <a:ext cx="1107603" cy="1107603"/>
+          </a:xfrm>
+          <a:prstGeom prst="rect">
+            <a:avLst/>
+          </a:prstGeom>
+          <a:effectLst>
+            <a:outerShdw blurRad="50800" dist="38100" dir="2700000" algn="tl" rotWithShape="0">
+              <a:prstClr val="black">
+                <a:alpha val="40000"/>
+              </a:prstClr>
+            </a:outerShdw>
+          </a:effectLst>
+        </p:spPr>
+      </p:pic>
+      <p:sp>
+        <p:nvSpPr>
+          <p:cNvPr id="24" name="Elipse 23" descr="Satélite con relleno sólido">
+            <a:extLst>
+              <a:ext uri="{FF2B5EF4-FFF2-40B4-BE49-F238E27FC236}">
+                <a16:creationId xmlns:a16="http://schemas.microsoft.com/office/drawing/2014/main" id="{2DA7B772-128A-1DEA-DEB1-41463FF8CFB5}"/>
+              </a:ext>
+            </a:extLst>
+          </p:cNvPr>
+          <p:cNvSpPr/>
+          <p:nvPr/>
+        </p:nvSpPr>
+        <p:spPr>
+          <a:xfrm>
+            <a:off x="6135223" y="4655680"/>
+            <a:ext cx="421131" cy="421131"/>
+          </a:xfrm>
+          <a:prstGeom prst="ellipse">
+            <a:avLst/>
+          </a:prstGeom>
+          <a:blipFill dpi="0" rotWithShape="1">
+            <a:blip r:embed="rId5">
+              <a:extLst>
+                <a:ext uri="{96DAC541-7B7A-43D3-8B79-37D633B846F1}">
+                  <asvg:svgBlip xmlns:asvg="http://schemas.microsoft.com/office/drawing/2016/SVG/main" r:embed="rId6"/>
+                </a:ext>
+              </a:extLst>
+            </a:blip>
+            <a:srcRect/>
+            <a:stretch>
+              <a:fillRect/>
+            </a:stretch>
+          </a:blipFill>
+          <a:ln w="19050">
+            <a:solidFill>
+              <a:schemeClr val="bg1"/>
+            </a:solidFill>
+          </a:ln>
+        </p:spPr>
+        <p:style>
+          <a:lnRef idx="2">
+            <a:schemeClr val="accent1">
+              <a:shade val="50000"/>
+            </a:schemeClr>
+          </a:lnRef>
+          <a:fillRef idx="1">
+            <a:schemeClr val="accent1"/>
+          </a:fillRef>
+          <a:effectRef idx="0">
+            <a:schemeClr val="accent1"/>
+          </a:effectRef>
+          <a:fontRef idx="minor">
+            <a:schemeClr val="lt1"/>
+          </a:fontRef>
+        </p:style>
+        <p:txBody>
+          <a:bodyPr rtlCol="0" anchor="ctr"/>
+          <a:lstStyle/>
+          <a:p>
+            <a:pPr algn="ctr"/>
+            <a:endParaRPr lang="es-MX"/>
+          </a:p>
+        </p:txBody>
+      </p:sp>
+      <p:sp>
+        <p:nvSpPr>
+          <p:cNvPr id="26" name="Elipse 25" descr="Satélite con relleno sólido">
+            <a:extLst>
+              <a:ext uri="{FF2B5EF4-FFF2-40B4-BE49-F238E27FC236}">
+                <a16:creationId xmlns:a16="http://schemas.microsoft.com/office/drawing/2014/main" id="{C72A8453-DB18-5128-53A1-EBA23F20F0D1}"/>
+              </a:ext>
+            </a:extLst>
+          </p:cNvPr>
+          <p:cNvSpPr/>
+          <p:nvPr/>
+        </p:nvSpPr>
+        <p:spPr>
+          <a:xfrm>
+            <a:off x="5622326" y="4655680"/>
+            <a:ext cx="421131" cy="421131"/>
+          </a:xfrm>
+          <a:prstGeom prst="ellipse">
+            <a:avLst/>
+          </a:prstGeom>
+          <a:blipFill dpi="0" rotWithShape="1">
+            <a:blip r:embed="rId7">
+              <a:extLst>
+                <a:ext uri="{28A0092B-C50C-407E-A947-70E740481C1C}">
+                  <a14:useLocalDpi xmlns:a14="http://schemas.microsoft.com/office/drawing/2010/main" val="0"/>
+                </a:ext>
+                <a:ext uri="{96DAC541-7B7A-43D3-8B79-37D633B846F1}">
+                  <asvg:svgBlip xmlns:asvg="http://schemas.microsoft.com/office/drawing/2016/SVG/main" r:embed="rId8"/>
+                </a:ext>
+              </a:extLst>
+            </a:blip>
+            <a:srcRect/>
+            <a:stretch>
+              <a:fillRect/>
+            </a:stretch>
+          </a:blipFill>
+          <a:ln w="19050">
+            <a:solidFill>
+              <a:schemeClr val="bg1"/>
+            </a:solidFill>
+          </a:ln>
+        </p:spPr>
+        <p:style>
+          <a:lnRef idx="2">
+            <a:schemeClr val="accent1">
+              <a:shade val="50000"/>
+            </a:schemeClr>
+          </a:lnRef>
+          <a:fillRef idx="1">
+            <a:schemeClr val="accent1"/>
+          </a:fillRef>
+          <a:effectRef idx="0">
+            <a:schemeClr val="accent1"/>
+          </a:effectRef>
+          <a:fontRef idx="minor">
+            <a:schemeClr val="lt1"/>
+          </a:fontRef>
+        </p:style>
+        <p:txBody>
+          <a:bodyPr rtlCol="0" anchor="ctr"/>
+          <a:lstStyle/>
+          <a:p>
+            <a:pPr algn="ctr"/>
+            <a:endParaRPr lang="es-MX"/>
+          </a:p>
+        </p:txBody>
+      </p:sp>
+      <p:sp>
+        <p:nvSpPr>
+          <p:cNvPr id="27" name="Elipse 26" descr="Satélite con relleno sólido">
+            <a:extLst>
+              <a:ext uri="{FF2B5EF4-FFF2-40B4-BE49-F238E27FC236}">
+                <a16:creationId xmlns:a16="http://schemas.microsoft.com/office/drawing/2014/main" id="{8F5AA977-B07F-5EFC-5201-C23E3F8600E0}"/>
+              </a:ext>
+            </a:extLst>
+          </p:cNvPr>
+          <p:cNvSpPr/>
+          <p:nvPr/>
+        </p:nvSpPr>
+        <p:spPr>
+          <a:xfrm>
+            <a:off x="4596532" y="4655680"/>
+            <a:ext cx="421131" cy="421131"/>
+          </a:xfrm>
+          <a:prstGeom prst="ellipse">
+            <a:avLst/>
+          </a:prstGeom>
+          <a:blipFill dpi="0" rotWithShape="1">
+            <a:blip r:embed="rId9">
+              <a:extLst>
+                <a:ext uri="{96DAC541-7B7A-43D3-8B79-37D633B846F1}">
+                  <asvg:svgBlip xmlns:asvg="http://schemas.microsoft.com/office/drawing/2016/SVG/main" r:embed="rId10"/>
+                </a:ext>
+              </a:extLst>
+            </a:blip>
+            <a:srcRect/>
+            <a:stretch>
+              <a:fillRect/>
+            </a:stretch>
+          </a:blipFill>
+          <a:ln w="19050">
+            <a:solidFill>
+              <a:schemeClr val="bg1"/>
+            </a:solidFill>
+          </a:ln>
+        </p:spPr>
+        <p:style>
+          <a:lnRef idx="2">
+            <a:schemeClr val="accent1">
+              <a:shade val="50000"/>
+            </a:schemeClr>
+          </a:lnRef>
+          <a:fillRef idx="1">
+            <a:schemeClr val="accent1"/>
+          </a:fillRef>
+          <a:effectRef idx="0">
+            <a:schemeClr val="accent1"/>
+          </a:effectRef>
+          <a:fontRef idx="minor">
+            <a:schemeClr val="lt1"/>
+          </a:fontRef>
+        </p:style>
+        <p:txBody>
+          <a:bodyPr rtlCol="0" anchor="ctr"/>
+          <a:lstStyle/>
+          <a:p>
+            <a:pPr algn="ctr"/>
+            <a:endParaRPr lang="es-MX"/>
+          </a:p>
+        </p:txBody>
+      </p:sp>
+      <p:sp>
+        <p:nvSpPr>
+          <p:cNvPr id="28" name="Elipse 27" descr="Satélite con relleno sólido">
+            <a:extLst>
+              <a:ext uri="{FF2B5EF4-FFF2-40B4-BE49-F238E27FC236}">
+                <a16:creationId xmlns:a16="http://schemas.microsoft.com/office/drawing/2014/main" id="{90F648E1-6A85-669C-2D72-97F255218D11}"/>
+              </a:ext>
+            </a:extLst>
+          </p:cNvPr>
+          <p:cNvSpPr/>
+          <p:nvPr/>
+        </p:nvSpPr>
+        <p:spPr>
+          <a:xfrm>
+            <a:off x="6648119" y="4655680"/>
+            <a:ext cx="421131" cy="421131"/>
+          </a:xfrm>
+          <a:prstGeom prst="ellipse">
+            <a:avLst/>
+          </a:prstGeom>
+          <a:blipFill dpi="0" rotWithShape="1">
+            <a:blip r:embed="rId11">
+              <a:extLst>
+                <a:ext uri="{96DAC541-7B7A-43D3-8B79-37D633B846F1}">
+                  <asvg:svgBlip xmlns:asvg="http://schemas.microsoft.com/office/drawing/2016/SVG/main" r:embed="rId12"/>
+                </a:ext>
+              </a:extLst>
+            </a:blip>
+            <a:srcRect/>
+            <a:stretch>
+              <a:fillRect/>
+            </a:stretch>
+          </a:blipFill>
+          <a:ln w="19050">
+            <a:solidFill>
+              <a:schemeClr val="bg1"/>
+            </a:solidFill>
+          </a:ln>
+        </p:spPr>
+        <p:style>
+          <a:lnRef idx="2">
+            <a:schemeClr val="accent1">
+              <a:shade val="50000"/>
+            </a:schemeClr>
+          </a:lnRef>
+          <a:fillRef idx="1">
+            <a:schemeClr val="accent1"/>
+          </a:fillRef>
+          <a:effectRef idx="0">
+            <a:schemeClr val="accent1"/>
+          </a:effectRef>
+          <a:fontRef idx="minor">
+            <a:schemeClr val="lt1"/>
+          </a:fontRef>
+        </p:style>
+        <p:txBody>
+          <a:bodyPr rtlCol="0" anchor="ctr"/>
+          <a:lstStyle/>
+          <a:p>
+            <a:pPr algn="ctr"/>
+            <a:endParaRPr lang="es-MX"/>
+          </a:p>
+        </p:txBody>
+      </p:sp>
+      <p:sp>
+        <p:nvSpPr>
+          <p:cNvPr id="31" name="Elipse 30" descr="Satélite con relleno sólido">
+            <a:extLst>
+              <a:ext uri="{FF2B5EF4-FFF2-40B4-BE49-F238E27FC236}">
+                <a16:creationId xmlns:a16="http://schemas.microsoft.com/office/drawing/2014/main" id="{CB0A9B60-6007-50EC-35B6-F8B0C8A69839}"/>
+              </a:ext>
+            </a:extLst>
+          </p:cNvPr>
+          <p:cNvSpPr/>
+          <p:nvPr/>
+        </p:nvSpPr>
+        <p:spPr>
+          <a:xfrm>
+            <a:off x="3570738" y="4655680"/>
+            <a:ext cx="421131" cy="421131"/>
+          </a:xfrm>
+          <a:prstGeom prst="ellipse">
+            <a:avLst/>
+          </a:prstGeom>
+          <a:blipFill dpi="0" rotWithShape="1">
+            <a:blip r:embed="rId13">
+              <a:extLst>
+                <a:ext uri="{96DAC541-7B7A-43D3-8B79-37D633B846F1}">
+                  <asvg:svgBlip xmlns:asvg="http://schemas.microsoft.com/office/drawing/2016/SVG/main" r:embed="rId14"/>
+                </a:ext>
+              </a:extLst>
+            </a:blip>
+            <a:srcRect/>
+            <a:stretch>
+              <a:fillRect/>
+            </a:stretch>
+          </a:blipFill>
+          <a:ln w="19050">
+            <a:solidFill>
+              <a:schemeClr val="bg1"/>
+            </a:solidFill>
+          </a:ln>
+        </p:spPr>
+        <p:style>
+          <a:lnRef idx="2">
+            <a:schemeClr val="accent1">
+              <a:shade val="50000"/>
+            </a:schemeClr>
+          </a:lnRef>
+          <a:fillRef idx="1">
+            <a:schemeClr val="accent1"/>
+          </a:fillRef>
+          <a:effectRef idx="0">
+            <a:schemeClr val="accent1"/>
+          </a:effectRef>
+          <a:fontRef idx="minor">
+            <a:schemeClr val="lt1"/>
+          </a:fontRef>
+        </p:style>
+        <p:txBody>
+          <a:bodyPr rtlCol="0" anchor="ctr"/>
+          <a:lstStyle/>
+          <a:p>
+            <a:pPr algn="ctr"/>
+            <a:endParaRPr lang="es-MX"/>
+          </a:p>
+        </p:txBody>
+      </p:sp>
+      <p:sp>
+        <p:nvSpPr>
+          <p:cNvPr id="32" name="Elipse 31" descr="Satélite con relleno sólido">
+            <a:extLst>
+              <a:ext uri="{FF2B5EF4-FFF2-40B4-BE49-F238E27FC236}">
+                <a16:creationId xmlns:a16="http://schemas.microsoft.com/office/drawing/2014/main" id="{2D9A0307-559B-EB28-66D2-2E6A7FE383DE}"/>
+              </a:ext>
+            </a:extLst>
+          </p:cNvPr>
+          <p:cNvSpPr/>
+          <p:nvPr/>
+        </p:nvSpPr>
+        <p:spPr>
+          <a:xfrm>
+            <a:off x="5109429" y="4655680"/>
+            <a:ext cx="421131" cy="421131"/>
+          </a:xfrm>
+          <a:prstGeom prst="ellipse">
+            <a:avLst/>
+          </a:prstGeom>
+          <a:blipFill dpi="0" rotWithShape="1">
+            <a:blip r:embed="rId15">
+              <a:extLst>
+                <a:ext uri="{96DAC541-7B7A-43D3-8B79-37D633B846F1}">
+                  <asvg:svgBlip xmlns:asvg="http://schemas.microsoft.com/office/drawing/2016/SVG/main" r:embed="rId16"/>
+                </a:ext>
+              </a:extLst>
+            </a:blip>
+            <a:srcRect/>
+            <a:stretch>
+              <a:fillRect/>
+            </a:stretch>
+          </a:blipFill>
+          <a:ln w="19050">
+            <a:solidFill>
+              <a:schemeClr val="bg1"/>
+            </a:solidFill>
+          </a:ln>
+        </p:spPr>
+        <p:style>
+          <a:lnRef idx="2">
+            <a:schemeClr val="accent1">
+              <a:shade val="50000"/>
+            </a:schemeClr>
+          </a:lnRef>
+          <a:fillRef idx="1">
+            <a:schemeClr val="accent1"/>
+          </a:fillRef>
+          <a:effectRef idx="0">
+            <a:schemeClr val="accent1"/>
+          </a:effectRef>
+          <a:fontRef idx="minor">
+            <a:schemeClr val="lt1"/>
+          </a:fontRef>
+        </p:style>
+        <p:txBody>
+          <a:bodyPr rtlCol="0" anchor="ctr"/>
+          <a:lstStyle/>
+          <a:p>
+            <a:pPr algn="ctr"/>
+            <a:endParaRPr lang="es-MX"/>
+          </a:p>
+        </p:txBody>
+      </p:sp>
+      <p:grpSp>
+        <p:nvGrpSpPr>
+          <p:cNvPr id="60" name="Grupo 59">
+            <a:extLst>
+              <a:ext uri="{FF2B5EF4-FFF2-40B4-BE49-F238E27FC236}">
+                <a16:creationId xmlns:a16="http://schemas.microsoft.com/office/drawing/2014/main" id="{C0B08284-1601-15A5-C86F-4670A5D603A8}"/>
+              </a:ext>
+            </a:extLst>
+          </p:cNvPr>
+          <p:cNvGrpSpPr/>
+          <p:nvPr/>
+        </p:nvGrpSpPr>
+        <p:grpSpPr>
+          <a:xfrm>
+            <a:off x="4082964" y="4656279"/>
+            <a:ext cx="421131" cy="421131"/>
+            <a:chOff x="5009770" y="3330967"/>
+            <a:chExt cx="421131" cy="421131"/>
+          </a:xfrm>
+        </p:grpSpPr>
+        <p:sp>
+          <p:nvSpPr>
+            <p:cNvPr id="61" name="Elipse 60" descr="Satélite con relleno sólido">
+              <a:extLst>
+                <a:ext uri="{FF2B5EF4-FFF2-40B4-BE49-F238E27FC236}">
+                  <a16:creationId xmlns:a16="http://schemas.microsoft.com/office/drawing/2014/main" id="{BA6DA723-262D-C9E4-8E49-BC8BE58B81C2}"/>
+                </a:ext>
+              </a:extLst>
+            </p:cNvPr>
+            <p:cNvSpPr/>
+            <p:nvPr/>
+          </p:nvSpPr>
+          <p:spPr>
+            <a:xfrm>
+              <a:off x="5009770" y="3330967"/>
+              <a:ext cx="421131" cy="421131"/>
+            </a:xfrm>
+            <a:prstGeom prst="ellipse">
+              <a:avLst/>
+            </a:prstGeom>
+            <a:blipFill dpi="0" rotWithShape="1">
+              <a:blip r:embed="rId17">
+                <a:extLst>
+                  <a:ext uri="{96DAC541-7B7A-43D3-8B79-37D633B846F1}">
+                    <asvg:svgBlip xmlns:asvg="http://schemas.microsoft.com/office/drawing/2016/SVG/main" r:embed="rId18"/>
+                  </a:ext>
+                </a:extLst>
+              </a:blip>
+              <a:srcRect/>
+              <a:stretch>
+                <a:fillRect/>
+              </a:stretch>
+            </a:blipFill>
+            <a:ln w="19050">
+              <a:solidFill>
+                <a:schemeClr val="bg1"/>
+              </a:solidFill>
+            </a:ln>
+          </p:spPr>
+          <p:style>
+            <a:lnRef idx="2">
+              <a:schemeClr val="accent1">
+                <a:shade val="50000"/>
+              </a:schemeClr>
+            </a:lnRef>
+            <a:fillRef idx="1">
+              <a:schemeClr val="accent1"/>
+            </a:fillRef>
+            <a:effectRef idx="0">
+              <a:schemeClr val="accent1"/>
+            </a:effectRef>
+            <a:fontRef idx="minor">
+              <a:schemeClr val="lt1"/>
+            </a:fontRef>
+          </p:style>
+          <p:txBody>
+            <a:bodyPr rtlCol="0" anchor="ctr"/>
+            <a:lstStyle/>
+            <a:p>
+              <a:pPr algn="ctr"/>
+              <a:endParaRPr lang="es-MX"/>
+            </a:p>
+          </p:txBody>
+        </p:sp>
+        <p:pic>
+          <p:nvPicPr>
+            <p:cNvPr id="62" name="Gráfico 61" descr="Planta con relleno sólido">
+              <a:extLst>
+                <a:ext uri="{FF2B5EF4-FFF2-40B4-BE49-F238E27FC236}">
+                  <a16:creationId xmlns:a16="http://schemas.microsoft.com/office/drawing/2014/main" id="{28541FD8-4AFA-930A-097B-E08C2491BA2A}"/>
+                </a:ext>
+              </a:extLst>
+            </p:cNvPr>
+            <p:cNvPicPr>
+              <a:picLocks noChangeAspect="1"/>
+            </p:cNvPicPr>
+            <p:nvPr/>
+          </p:nvPicPr>
+          <p:blipFill>
+            <a:blip r:embed="rId19">
+              <a:extLst>
+                <a:ext uri="{28A0092B-C50C-407E-A947-70E740481C1C}">
+                  <a14:useLocalDpi xmlns:a14="http://schemas.microsoft.com/office/drawing/2010/main" val="0"/>
+                </a:ext>
+                <a:ext uri="{96DAC541-7B7A-43D3-8B79-37D633B846F1}">
+                  <asvg:svgBlip xmlns:asvg="http://schemas.microsoft.com/office/drawing/2016/SVG/main" r:embed="rId20"/>
+                </a:ext>
+              </a:extLst>
+            </a:blip>
+            <a:stretch>
+              <a:fillRect/>
+            </a:stretch>
+          </p:blipFill>
+          <p:spPr>
+            <a:xfrm rot="1309914">
+              <a:off x="5075084" y="3396168"/>
+              <a:ext cx="238483" cy="238483"/>
+            </a:xfrm>
+            <a:prstGeom prst="rect">
+              <a:avLst/>
+            </a:prstGeom>
+          </p:spPr>
+        </p:pic>
+      </p:grpSp>
+    </p:spTree>
+    <p:extLst>
+      <p:ext uri="{BB962C8B-B14F-4D97-AF65-F5344CB8AC3E}">
+        <p14:creationId xmlns:p14="http://schemas.microsoft.com/office/powerpoint/2010/main" val="1977312707"/>
+      </p:ext>
+    </p:extLst>
+  </p:cSld>
+  <p:clrMapOvr>
+    <a:masterClrMapping/>
+  </p:clrMapOvr>
+</p:sld>
+</file>
+
+<file path=ppt/slides/slide16.xml><?xml version="1.0" encoding="utf-8"?>
+<p:sld xmlns:a="http://schemas.openxmlformats.org/drawingml/2006/main" xmlns:r="http://schemas.openxmlformats.org/officeDocument/2006/relationships" xmlns:p="http://schemas.openxmlformats.org/presentationml/2006/main">
+  <p:cSld>
+    <p:spTree>
+      <p:nvGrpSpPr>
+        <p:cNvPr id="1" name=""/>
+        <p:cNvGrpSpPr/>
+        <p:nvPr/>
+      </p:nvGrpSpPr>
+      <p:grpSpPr>
+        <a:xfrm>
+          <a:off x="0" y="0"/>
+          <a:ext cx="0" cy="0"/>
+          <a:chOff x="0" y="0"/>
+          <a:chExt cx="0" cy="0"/>
+        </a:xfrm>
+      </p:grpSpPr>
+      <p:pic>
+        <p:nvPicPr>
+          <p:cNvPr id="3" name="Imagen 2">
+            <a:extLst>
+              <a:ext uri="{FF2B5EF4-FFF2-40B4-BE49-F238E27FC236}">
+                <a16:creationId xmlns:a16="http://schemas.microsoft.com/office/drawing/2014/main" id="{E9AA3E70-C9B3-4819-82B8-B1F253C4C513}"/>
+              </a:ext>
+            </a:extLst>
+          </p:cNvPr>
+          <p:cNvPicPr>
+            <a:picLocks noChangeAspect="1"/>
+          </p:cNvPicPr>
+          <p:nvPr/>
+        </p:nvPicPr>
+        <p:blipFill rotWithShape="1">
+          <a:blip r:embed="rId2"/>
+          <a:srcRect t="52250"/>
+          <a:stretch/>
+        </p:blipFill>
+        <p:spPr>
+          <a:xfrm>
+            <a:off x="3305999" y="3432519"/>
+            <a:ext cx="5584420" cy="1890000"/>
+          </a:xfrm>
+          <a:prstGeom prst="rect">
+            <a:avLst/>
+          </a:prstGeom>
+        </p:spPr>
+      </p:pic>
+      <p:sp>
+        <p:nvSpPr>
+          <p:cNvPr id="4" name="Rectángulo: esquinas redondeadas 3">
+            <a:extLst>
+              <a:ext uri="{FF2B5EF4-FFF2-40B4-BE49-F238E27FC236}">
+                <a16:creationId xmlns:a16="http://schemas.microsoft.com/office/drawing/2014/main" id="{A9D7B28F-BD9D-63F6-579B-5BEAB5A034AD}"/>
+              </a:ext>
+            </a:extLst>
+          </p:cNvPr>
+          <p:cNvSpPr/>
+          <p:nvPr/>
+        </p:nvSpPr>
+        <p:spPr>
+          <a:xfrm>
+            <a:off x="3305999" y="1535481"/>
+            <a:ext cx="5580000" cy="3780000"/>
+          </a:xfrm>
+          <a:prstGeom prst="roundRect">
+            <a:avLst>
+              <a:gd name="adj" fmla="val 5638"/>
+            </a:avLst>
+          </a:prstGeom>
+          <a:noFill/>
+          <a:ln w="19050">
+            <a:solidFill>
+              <a:schemeClr val="tx1"/>
+            </a:solidFill>
+          </a:ln>
+        </p:spPr>
+        <p:style>
+          <a:lnRef idx="2">
+            <a:schemeClr val="accent1">
+              <a:shade val="50000"/>
+            </a:schemeClr>
+          </a:lnRef>
+          <a:fillRef idx="1">
+            <a:schemeClr val="accent1"/>
+          </a:fillRef>
+          <a:effectRef idx="0">
+            <a:schemeClr val="accent1"/>
+          </a:effectRef>
+          <a:fontRef idx="minor">
+            <a:schemeClr val="lt1"/>
+          </a:fontRef>
+        </p:style>
+        <p:txBody>
+          <a:bodyPr rtlCol="0" anchor="ctr"/>
+          <a:lstStyle/>
+          <a:p>
+            <a:pPr algn="ctr"/>
+            <a:endParaRPr lang="es-MX"/>
+          </a:p>
+        </p:txBody>
+      </p:sp>
+      <p:pic>
+        <p:nvPicPr>
+          <p:cNvPr id="6" name="Marcador de posición de contenido 5">
+            <a:extLst>
+              <a:ext uri="{FF2B5EF4-FFF2-40B4-BE49-F238E27FC236}">
+                <a16:creationId xmlns:a16="http://schemas.microsoft.com/office/drawing/2014/main" id="{0033AF28-464A-0F85-EF8E-177D89BDAAC4}"/>
+              </a:ext>
+            </a:extLst>
+          </p:cNvPr>
+          <p:cNvPicPr>
+            <a:picLocks noGrp="1" noChangeAspect="1"/>
+          </p:cNvPicPr>
+          <p:nvPr/>
+        </p:nvPicPr>
+        <p:blipFill>
+          <a:blip r:embed="rId3"/>
+          <a:stretch>
+            <a:fillRect/>
+          </a:stretch>
+        </p:blipFill>
+        <p:spPr>
+          <a:xfrm>
+            <a:off x="3582440" y="2774135"/>
+            <a:ext cx="2777315" cy="654866"/>
+          </a:xfrm>
+          <a:prstGeom prst="rect">
+            <a:avLst/>
+          </a:prstGeom>
+          <a:effectLst>
+            <a:outerShdw blurRad="50800" dist="38100" dir="2700000" algn="tl" rotWithShape="0">
+              <a:prstClr val="black">
+                <a:alpha val="40000"/>
+              </a:prstClr>
+            </a:outerShdw>
+          </a:effectLst>
+        </p:spPr>
+      </p:pic>
+      <p:sp>
+        <p:nvSpPr>
+          <p:cNvPr id="8" name="CuadroTexto 7">
+            <a:extLst>
+              <a:ext uri="{FF2B5EF4-FFF2-40B4-BE49-F238E27FC236}">
+                <a16:creationId xmlns:a16="http://schemas.microsoft.com/office/drawing/2014/main" id="{81D89563-FAE7-D3FC-AE0A-C2705F84D05B}"/>
+              </a:ext>
+            </a:extLst>
+          </p:cNvPr>
+          <p:cNvSpPr txBox="1"/>
+          <p:nvPr/>
+        </p:nvSpPr>
+        <p:spPr>
+          <a:xfrm>
+            <a:off x="5476240" y="3432519"/>
+            <a:ext cx="3101535" cy="400110"/>
+          </a:xfrm>
+          <a:prstGeom prst="rect">
+            <a:avLst/>
+          </a:prstGeom>
+          <a:noFill/>
+        </p:spPr>
+        <p:txBody>
+          <a:bodyPr wrap="square" rtlCol="0">
+            <a:spAutoFit/>
+          </a:bodyPr>
+          <a:lstStyle>
+            <a:defPPr>
+              <a:defRPr lang="es-MX"/>
+            </a:defPPr>
+            <a:lvl1pPr algn="r">
+              <a:defRPr sz="2000" i="1">
+                <a:effectLst>
+                  <a:outerShdw blurRad="38100" dist="38100" dir="2700000" algn="tl">
+                    <a:srgbClr val="000000">
+                      <a:alpha val="43137"/>
+                    </a:srgbClr>
+                  </a:outerShdw>
+                </a:effectLst>
+                <a:latin typeface="+mj-lt"/>
+              </a:defRPr>
+            </a:lvl1pPr>
+          </a:lstStyle>
+          <a:p>
+            <a:r>
+              <a:rPr lang="es-MX" b="1" dirty="0" err="1">
+                <a:solidFill>
+                  <a:schemeClr val="bg1"/>
+                </a:solidFill>
+              </a:rPr>
+              <a:t>Drip</a:t>
+            </a:r>
+            <a:r>
+              <a:rPr lang="es-MX" b="1" dirty="0">
+                <a:solidFill>
+                  <a:schemeClr val="bg1"/>
+                </a:solidFill>
+              </a:rPr>
+              <a:t> Control</a:t>
+            </a:r>
+          </a:p>
+        </p:txBody>
+      </p:sp>
+      <p:pic>
+        <p:nvPicPr>
+          <p:cNvPr id="12" name="Imagen 11">
+            <a:extLst>
+              <a:ext uri="{FF2B5EF4-FFF2-40B4-BE49-F238E27FC236}">
+                <a16:creationId xmlns:a16="http://schemas.microsoft.com/office/drawing/2014/main" id="{75CBA1C0-B9F8-D397-E74E-7065802A6C84}"/>
+              </a:ext>
+            </a:extLst>
+          </p:cNvPr>
+          <p:cNvPicPr>
+            <a:picLocks noChangeAspect="1"/>
+          </p:cNvPicPr>
+          <p:nvPr/>
+        </p:nvPicPr>
+        <p:blipFill>
+          <a:blip r:embed="rId4"/>
+          <a:stretch>
+            <a:fillRect/>
+          </a:stretch>
+        </p:blipFill>
+        <p:spPr>
+          <a:xfrm>
+            <a:off x="5542198" y="1846635"/>
+            <a:ext cx="1107603" cy="1107603"/>
+          </a:xfrm>
+          <a:prstGeom prst="rect">
+            <a:avLst/>
+          </a:prstGeom>
+          <a:effectLst>
+            <a:outerShdw blurRad="50800" dist="38100" dir="2700000" algn="tl" rotWithShape="0">
+              <a:prstClr val="black">
+                <a:alpha val="40000"/>
+              </a:prstClr>
+            </a:outerShdw>
+          </a:effectLst>
+        </p:spPr>
+      </p:pic>
+      <p:sp>
+        <p:nvSpPr>
+          <p:cNvPr id="2" name="Elipse 1" descr="Satélite con relleno sólido">
+            <a:extLst>
+              <a:ext uri="{FF2B5EF4-FFF2-40B4-BE49-F238E27FC236}">
+                <a16:creationId xmlns:a16="http://schemas.microsoft.com/office/drawing/2014/main" id="{948EB965-8504-6371-4DEA-37D924136454}"/>
+              </a:ext>
+            </a:extLst>
+          </p:cNvPr>
+          <p:cNvSpPr/>
+          <p:nvPr/>
+        </p:nvSpPr>
+        <p:spPr>
+          <a:xfrm>
+            <a:off x="6135223" y="4655680"/>
+            <a:ext cx="421131" cy="421131"/>
+          </a:xfrm>
+          <a:prstGeom prst="ellipse">
+            <a:avLst/>
+          </a:prstGeom>
+          <a:blipFill dpi="0" rotWithShape="1">
+            <a:blip r:embed="rId5">
+              <a:extLst>
+                <a:ext uri="{96DAC541-7B7A-43D3-8B79-37D633B846F1}">
+                  <asvg:svgBlip xmlns:asvg="http://schemas.microsoft.com/office/drawing/2016/SVG/main" r:embed="rId6"/>
+                </a:ext>
+              </a:extLst>
+            </a:blip>
+            <a:srcRect/>
+            <a:stretch>
+              <a:fillRect/>
+            </a:stretch>
+          </a:blipFill>
+          <a:ln w="19050">
+            <a:solidFill>
+              <a:schemeClr val="bg1"/>
+            </a:solidFill>
+          </a:ln>
+        </p:spPr>
+        <p:style>
+          <a:lnRef idx="2">
+            <a:schemeClr val="accent1">
+              <a:shade val="50000"/>
+            </a:schemeClr>
+          </a:lnRef>
+          <a:fillRef idx="1">
+            <a:schemeClr val="accent1"/>
+          </a:fillRef>
+          <a:effectRef idx="0">
+            <a:schemeClr val="accent1"/>
+          </a:effectRef>
+          <a:fontRef idx="minor">
+            <a:schemeClr val="lt1"/>
+          </a:fontRef>
+        </p:style>
+        <p:txBody>
+          <a:bodyPr rtlCol="0" anchor="ctr"/>
+          <a:lstStyle/>
+          <a:p>
+            <a:pPr algn="ctr"/>
+            <a:endParaRPr lang="es-MX"/>
+          </a:p>
+        </p:txBody>
+      </p:sp>
+      <p:sp>
+        <p:nvSpPr>
+          <p:cNvPr id="10" name="Elipse 9" descr="Satélite con relleno sólido">
+            <a:extLst>
+              <a:ext uri="{FF2B5EF4-FFF2-40B4-BE49-F238E27FC236}">
+                <a16:creationId xmlns:a16="http://schemas.microsoft.com/office/drawing/2014/main" id="{C2157C25-3998-475D-814D-2D8BF1F87C74}"/>
+              </a:ext>
+            </a:extLst>
+          </p:cNvPr>
+          <p:cNvSpPr/>
+          <p:nvPr/>
+        </p:nvSpPr>
+        <p:spPr>
+          <a:xfrm>
+            <a:off x="5622326" y="4655680"/>
+            <a:ext cx="421131" cy="421131"/>
+          </a:xfrm>
+          <a:prstGeom prst="ellipse">
+            <a:avLst/>
+          </a:prstGeom>
+          <a:blipFill dpi="0" rotWithShape="1">
+            <a:blip r:embed="rId7">
+              <a:extLst>
+                <a:ext uri="{28A0092B-C50C-407E-A947-70E740481C1C}">
+                  <a14:useLocalDpi xmlns:a14="http://schemas.microsoft.com/office/drawing/2010/main" val="0"/>
+                </a:ext>
+                <a:ext uri="{96DAC541-7B7A-43D3-8B79-37D633B846F1}">
+                  <asvg:svgBlip xmlns:asvg="http://schemas.microsoft.com/office/drawing/2016/SVG/main" r:embed="rId8"/>
+                </a:ext>
+              </a:extLst>
+            </a:blip>
+            <a:srcRect/>
+            <a:stretch>
+              <a:fillRect/>
+            </a:stretch>
+          </a:blipFill>
+          <a:ln w="19050">
+            <a:solidFill>
+              <a:schemeClr val="bg1"/>
+            </a:solidFill>
+          </a:ln>
+        </p:spPr>
+        <p:style>
+          <a:lnRef idx="2">
+            <a:schemeClr val="accent1">
+              <a:shade val="50000"/>
+            </a:schemeClr>
+          </a:lnRef>
+          <a:fillRef idx="1">
+            <a:schemeClr val="accent1"/>
+          </a:fillRef>
+          <a:effectRef idx="0">
+            <a:schemeClr val="accent1"/>
+          </a:effectRef>
+          <a:fontRef idx="minor">
+            <a:schemeClr val="lt1"/>
+          </a:fontRef>
+        </p:style>
+        <p:txBody>
+          <a:bodyPr rtlCol="0" anchor="ctr"/>
+          <a:lstStyle/>
+          <a:p>
+            <a:pPr algn="ctr"/>
+            <a:endParaRPr lang="es-MX"/>
+          </a:p>
+        </p:txBody>
+      </p:sp>
+      <p:sp>
+        <p:nvSpPr>
+          <p:cNvPr id="11" name="Elipse 10" descr="Satélite con relleno sólido">
+            <a:extLst>
+              <a:ext uri="{FF2B5EF4-FFF2-40B4-BE49-F238E27FC236}">
+                <a16:creationId xmlns:a16="http://schemas.microsoft.com/office/drawing/2014/main" id="{644CC9FB-6C5E-4E83-79D3-A962824C367E}"/>
+              </a:ext>
+            </a:extLst>
+          </p:cNvPr>
+          <p:cNvSpPr/>
+          <p:nvPr/>
+        </p:nvSpPr>
+        <p:spPr>
+          <a:xfrm>
+            <a:off x="4596532" y="4655680"/>
+            <a:ext cx="421131" cy="421131"/>
+          </a:xfrm>
+          <a:prstGeom prst="ellipse">
+            <a:avLst/>
+          </a:prstGeom>
+          <a:blipFill dpi="0" rotWithShape="1">
+            <a:blip r:embed="rId9">
+              <a:extLst>
+                <a:ext uri="{96DAC541-7B7A-43D3-8B79-37D633B846F1}">
+                  <asvg:svgBlip xmlns:asvg="http://schemas.microsoft.com/office/drawing/2016/SVG/main" r:embed="rId10"/>
+                </a:ext>
+              </a:extLst>
+            </a:blip>
+            <a:srcRect/>
+            <a:stretch>
+              <a:fillRect/>
+            </a:stretch>
+          </a:blipFill>
+          <a:ln w="19050">
+            <a:solidFill>
+              <a:schemeClr val="bg1"/>
+            </a:solidFill>
+          </a:ln>
+        </p:spPr>
+        <p:style>
+          <a:lnRef idx="2">
+            <a:schemeClr val="accent1">
+              <a:shade val="50000"/>
+            </a:schemeClr>
+          </a:lnRef>
+          <a:fillRef idx="1">
+            <a:schemeClr val="accent1"/>
+          </a:fillRef>
+          <a:effectRef idx="0">
+            <a:schemeClr val="accent1"/>
+          </a:effectRef>
+          <a:fontRef idx="minor">
+            <a:schemeClr val="lt1"/>
+          </a:fontRef>
+        </p:style>
+        <p:txBody>
+          <a:bodyPr rtlCol="0" anchor="ctr"/>
+          <a:lstStyle/>
+          <a:p>
+            <a:pPr algn="ctr"/>
+            <a:endParaRPr lang="es-MX"/>
+          </a:p>
+        </p:txBody>
+      </p:sp>
+      <p:sp>
+        <p:nvSpPr>
+          <p:cNvPr id="15" name="Elipse 14" descr="Satélite con relleno sólido">
+            <a:extLst>
+              <a:ext uri="{FF2B5EF4-FFF2-40B4-BE49-F238E27FC236}">
+                <a16:creationId xmlns:a16="http://schemas.microsoft.com/office/drawing/2014/main" id="{39794654-45DE-73B4-4F96-A7A3B719464A}"/>
+              </a:ext>
+            </a:extLst>
+          </p:cNvPr>
+          <p:cNvSpPr/>
+          <p:nvPr/>
+        </p:nvSpPr>
+        <p:spPr>
+          <a:xfrm>
+            <a:off x="6648119" y="4655680"/>
+            <a:ext cx="421131" cy="421131"/>
+          </a:xfrm>
+          <a:prstGeom prst="ellipse">
+            <a:avLst/>
+          </a:prstGeom>
+          <a:blipFill dpi="0" rotWithShape="1">
+            <a:blip r:embed="rId11">
+              <a:extLst>
+                <a:ext uri="{96DAC541-7B7A-43D3-8B79-37D633B846F1}">
+                  <asvg:svgBlip xmlns:asvg="http://schemas.microsoft.com/office/drawing/2016/SVG/main" r:embed="rId12"/>
+                </a:ext>
+              </a:extLst>
+            </a:blip>
+            <a:srcRect/>
+            <a:stretch>
+              <a:fillRect/>
+            </a:stretch>
+          </a:blipFill>
+          <a:ln w="19050">
+            <a:solidFill>
+              <a:schemeClr val="bg1"/>
+            </a:solidFill>
+          </a:ln>
+        </p:spPr>
+        <p:style>
+          <a:lnRef idx="2">
+            <a:schemeClr val="accent1">
+              <a:shade val="50000"/>
+            </a:schemeClr>
+          </a:lnRef>
+          <a:fillRef idx="1">
+            <a:schemeClr val="accent1"/>
+          </a:fillRef>
+          <a:effectRef idx="0">
+            <a:schemeClr val="accent1"/>
+          </a:effectRef>
+          <a:fontRef idx="minor">
+            <a:schemeClr val="lt1"/>
+          </a:fontRef>
+        </p:style>
+        <p:txBody>
+          <a:bodyPr rtlCol="0" anchor="ctr"/>
+          <a:lstStyle/>
+          <a:p>
+            <a:pPr algn="ctr"/>
+            <a:endParaRPr lang="es-MX"/>
+          </a:p>
+        </p:txBody>
+      </p:sp>
+      <p:sp>
+        <p:nvSpPr>
+          <p:cNvPr id="18" name="Elipse 17" descr="Satélite con relleno sólido">
+            <a:extLst>
+              <a:ext uri="{FF2B5EF4-FFF2-40B4-BE49-F238E27FC236}">
+                <a16:creationId xmlns:a16="http://schemas.microsoft.com/office/drawing/2014/main" id="{5D93DA95-7933-91AD-16AD-3DA29C0EBD00}"/>
+              </a:ext>
+            </a:extLst>
+          </p:cNvPr>
+          <p:cNvSpPr/>
+          <p:nvPr/>
+        </p:nvSpPr>
+        <p:spPr>
+          <a:xfrm>
+            <a:off x="5109429" y="4655680"/>
+            <a:ext cx="421131" cy="421131"/>
+          </a:xfrm>
+          <a:prstGeom prst="ellipse">
+            <a:avLst/>
+          </a:prstGeom>
+          <a:blipFill dpi="0" rotWithShape="1">
+            <a:blip r:embed="rId13">
+              <a:extLst>
+                <a:ext uri="{96DAC541-7B7A-43D3-8B79-37D633B846F1}">
+                  <asvg:svgBlip xmlns:asvg="http://schemas.microsoft.com/office/drawing/2016/SVG/main" r:embed="rId14"/>
+                </a:ext>
+              </a:extLst>
+            </a:blip>
+            <a:srcRect/>
+            <a:stretch>
+              <a:fillRect/>
+            </a:stretch>
+          </a:blipFill>
+          <a:ln w="19050">
+            <a:solidFill>
+              <a:schemeClr val="bg1"/>
+            </a:solidFill>
+          </a:ln>
+        </p:spPr>
+        <p:style>
+          <a:lnRef idx="2">
+            <a:schemeClr val="accent1">
+              <a:shade val="50000"/>
+            </a:schemeClr>
+          </a:lnRef>
+          <a:fillRef idx="1">
+            <a:schemeClr val="accent1"/>
+          </a:fillRef>
+          <a:effectRef idx="0">
+            <a:schemeClr val="accent1"/>
+          </a:effectRef>
+          <a:fontRef idx="minor">
+            <a:schemeClr val="lt1"/>
+          </a:fontRef>
+        </p:style>
+        <p:txBody>
+          <a:bodyPr rtlCol="0" anchor="ctr"/>
+          <a:lstStyle/>
+          <a:p>
+            <a:pPr algn="ctr"/>
+            <a:endParaRPr lang="es-MX"/>
+          </a:p>
+        </p:txBody>
+      </p:sp>
+      <p:grpSp>
+        <p:nvGrpSpPr>
+          <p:cNvPr id="22" name="Grupo 21">
+            <a:extLst>
+              <a:ext uri="{FF2B5EF4-FFF2-40B4-BE49-F238E27FC236}">
+                <a16:creationId xmlns:a16="http://schemas.microsoft.com/office/drawing/2014/main" id="{4F58469C-0A61-D394-C721-C356B54669D4}"/>
+              </a:ext>
+            </a:extLst>
+          </p:cNvPr>
+          <p:cNvGrpSpPr/>
+          <p:nvPr/>
+        </p:nvGrpSpPr>
+        <p:grpSpPr>
+          <a:xfrm>
+            <a:off x="4082964" y="4656279"/>
+            <a:ext cx="421131" cy="421131"/>
+            <a:chOff x="5009770" y="3330967"/>
+            <a:chExt cx="421131" cy="421131"/>
+          </a:xfrm>
+        </p:grpSpPr>
+        <p:sp>
+          <p:nvSpPr>
+            <p:cNvPr id="23" name="Elipse 22" descr="Satélite con relleno sólido">
+              <a:extLst>
+                <a:ext uri="{FF2B5EF4-FFF2-40B4-BE49-F238E27FC236}">
+                  <a16:creationId xmlns:a16="http://schemas.microsoft.com/office/drawing/2014/main" id="{67B5C603-7381-77C7-8CC6-491A3AFD3176}"/>
+                </a:ext>
+              </a:extLst>
+            </p:cNvPr>
+            <p:cNvSpPr/>
+            <p:nvPr/>
+          </p:nvSpPr>
+          <p:spPr>
+            <a:xfrm>
+              <a:off x="5009770" y="3330967"/>
+              <a:ext cx="421131" cy="421131"/>
+            </a:xfrm>
+            <a:prstGeom prst="ellipse">
+              <a:avLst/>
+            </a:prstGeom>
+            <a:blipFill dpi="0" rotWithShape="1">
+              <a:blip r:embed="rId15">
+                <a:extLst>
+                  <a:ext uri="{96DAC541-7B7A-43D3-8B79-37D633B846F1}">
+                    <asvg:svgBlip xmlns:asvg="http://schemas.microsoft.com/office/drawing/2016/SVG/main" r:embed="rId16"/>
+                  </a:ext>
+                </a:extLst>
+              </a:blip>
+              <a:srcRect/>
+              <a:stretch>
+                <a:fillRect/>
+              </a:stretch>
+            </a:blipFill>
+            <a:ln w="19050">
+              <a:solidFill>
+                <a:schemeClr val="bg1"/>
+              </a:solidFill>
+            </a:ln>
+          </p:spPr>
+          <p:style>
+            <a:lnRef idx="2">
+              <a:schemeClr val="accent1">
+                <a:shade val="50000"/>
+              </a:schemeClr>
+            </a:lnRef>
+            <a:fillRef idx="1">
+              <a:schemeClr val="accent1"/>
+            </a:fillRef>
+            <a:effectRef idx="0">
+              <a:schemeClr val="accent1"/>
+            </a:effectRef>
+            <a:fontRef idx="minor">
+              <a:schemeClr val="lt1"/>
+            </a:fontRef>
+          </p:style>
+          <p:txBody>
+            <a:bodyPr rtlCol="0" anchor="ctr"/>
+            <a:lstStyle/>
+            <a:p>
+              <a:pPr algn="ctr"/>
+              <a:endParaRPr lang="es-MX"/>
+            </a:p>
+          </p:txBody>
+        </p:sp>
+        <p:pic>
+          <p:nvPicPr>
+            <p:cNvPr id="24" name="Gráfico 23" descr="Planta con relleno sólido">
+              <a:extLst>
+                <a:ext uri="{FF2B5EF4-FFF2-40B4-BE49-F238E27FC236}">
+                  <a16:creationId xmlns:a16="http://schemas.microsoft.com/office/drawing/2014/main" id="{17CAAAD4-CE37-BFFB-5636-30407D7ED71E}"/>
+                </a:ext>
+              </a:extLst>
+            </p:cNvPr>
+            <p:cNvPicPr>
+              <a:picLocks noChangeAspect="1"/>
+            </p:cNvPicPr>
+            <p:nvPr/>
+          </p:nvPicPr>
+          <p:blipFill>
+            <a:blip r:embed="rId17">
+              <a:extLst>
+                <a:ext uri="{28A0092B-C50C-407E-A947-70E740481C1C}">
+                  <a14:useLocalDpi xmlns:a14="http://schemas.microsoft.com/office/drawing/2010/main" val="0"/>
+                </a:ext>
+                <a:ext uri="{96DAC541-7B7A-43D3-8B79-37D633B846F1}">
+                  <asvg:svgBlip xmlns:asvg="http://schemas.microsoft.com/office/drawing/2016/SVG/main" r:embed="rId18"/>
+                </a:ext>
+              </a:extLst>
+            </a:blip>
+            <a:stretch>
+              <a:fillRect/>
+            </a:stretch>
+          </p:blipFill>
+          <p:spPr>
+            <a:xfrm rot="1309914">
+              <a:off x="5075084" y="3396168"/>
+              <a:ext cx="238483" cy="238483"/>
+            </a:xfrm>
+            <a:prstGeom prst="rect">
+              <a:avLst/>
+            </a:prstGeom>
+          </p:spPr>
+        </p:pic>
+      </p:grpSp>
+      <p:pic>
+        <p:nvPicPr>
+          <p:cNvPr id="19" name="Imagen 18">
+            <a:extLst>
+              <a:ext uri="{FF2B5EF4-FFF2-40B4-BE49-F238E27FC236}">
+                <a16:creationId xmlns:a16="http://schemas.microsoft.com/office/drawing/2014/main" id="{1B532371-B11E-4D8E-9B17-8354A9596158}"/>
+              </a:ext>
+            </a:extLst>
+          </p:cNvPr>
+          <p:cNvPicPr>
+            <a:picLocks noChangeAspect="1"/>
+          </p:cNvPicPr>
+          <p:nvPr/>
+        </p:nvPicPr>
+        <p:blipFill>
+          <a:blip r:embed="rId19"/>
+          <a:stretch>
+            <a:fillRect/>
+          </a:stretch>
+        </p:blipFill>
+        <p:spPr>
+          <a:xfrm>
+            <a:off x="3569396" y="4655680"/>
+            <a:ext cx="421131" cy="421131"/>
+          </a:xfrm>
+          <a:prstGeom prst="rect">
+            <a:avLst/>
+          </a:prstGeom>
+        </p:spPr>
+      </p:pic>
+    </p:spTree>
+    <p:extLst>
+      <p:ext uri="{BB962C8B-B14F-4D97-AF65-F5344CB8AC3E}">
+        <p14:creationId xmlns:p14="http://schemas.microsoft.com/office/powerpoint/2010/main" val="34328768"/>
+      </p:ext>
+    </p:extLst>
+  </p:cSld>
+  <p:clrMapOvr>
+    <a:masterClrMapping/>
+  </p:clrMapOvr>
+</p:sld>
+</file>
+
+<file path=ppt/slides/slide17.xml><?xml version="1.0" encoding="utf-8"?>
 <p:sld xmlns:a="http://schemas.openxmlformats.org/drawingml/2006/main" xmlns:r="http://schemas.openxmlformats.org/officeDocument/2006/relationships" xmlns:p="http://schemas.openxmlformats.org/presentationml/2006/main">
   <p:cSld>
     <p:spTree>
@@ -21576,7 +24804,7 @@
 </p:sld>
 </file>
 
-<file path=ppt/slides/slide13.xml><?xml version="1.0" encoding="utf-8"?>
+<file path=ppt/slides/slide18.xml><?xml version="1.0" encoding="utf-8"?>
 <p:sld xmlns:a="http://schemas.openxmlformats.org/drawingml/2006/main" xmlns:r="http://schemas.openxmlformats.org/officeDocument/2006/relationships" xmlns:p="http://schemas.openxmlformats.org/presentationml/2006/main">
   <p:cSld>
     <p:spTree>
@@ -26102,7 +29330,7 @@
 </p:sld>
 </file>
 
-<file path=ppt/slides/slide14.xml><?xml version="1.0" encoding="utf-8"?>
+<file path=ppt/slides/slide19.xml><?xml version="1.0" encoding="utf-8"?>
 <p:sld xmlns:a="http://schemas.openxmlformats.org/drawingml/2006/main" xmlns:r="http://schemas.openxmlformats.org/officeDocument/2006/relationships" xmlns:p="http://schemas.openxmlformats.org/presentationml/2006/main">
   <p:cSld>
     <p:spTree>
